--- a/trees/binary-search-trees/images-ppt.pptx
+++ b/trees/binary-search-trees/images-ppt.pptx
@@ -5,30 +5,31 @@
     <p:sldMasterId id="2147483720" r:id="rId1"/>
   </p:sldMasterIdLst>
   <p:notesMasterIdLst>
-    <p:notesMasterId r:id="rId23"/>
+    <p:notesMasterId r:id="rId24"/>
   </p:notesMasterIdLst>
   <p:sldIdLst>
     <p:sldId id="340" r:id="rId2"/>
-    <p:sldId id="338" r:id="rId3"/>
-    <p:sldId id="321" r:id="rId4"/>
-    <p:sldId id="339" r:id="rId5"/>
-    <p:sldId id="337" r:id="rId6"/>
-    <p:sldId id="336" r:id="rId7"/>
-    <p:sldId id="322" r:id="rId8"/>
-    <p:sldId id="324" r:id="rId9"/>
-    <p:sldId id="323" r:id="rId10"/>
-    <p:sldId id="325" r:id="rId11"/>
-    <p:sldId id="326" r:id="rId12"/>
-    <p:sldId id="327" r:id="rId13"/>
-    <p:sldId id="328" r:id="rId14"/>
-    <p:sldId id="329" r:id="rId15"/>
-    <p:sldId id="330" r:id="rId16"/>
-    <p:sldId id="331" r:id="rId17"/>
-    <p:sldId id="332" r:id="rId18"/>
-    <p:sldId id="333" r:id="rId19"/>
-    <p:sldId id="335" r:id="rId20"/>
-    <p:sldId id="301" r:id="rId21"/>
-    <p:sldId id="320" r:id="rId22"/>
+    <p:sldId id="341" r:id="rId3"/>
+    <p:sldId id="338" r:id="rId4"/>
+    <p:sldId id="321" r:id="rId5"/>
+    <p:sldId id="339" r:id="rId6"/>
+    <p:sldId id="337" r:id="rId7"/>
+    <p:sldId id="336" r:id="rId8"/>
+    <p:sldId id="322" r:id="rId9"/>
+    <p:sldId id="324" r:id="rId10"/>
+    <p:sldId id="323" r:id="rId11"/>
+    <p:sldId id="325" r:id="rId12"/>
+    <p:sldId id="326" r:id="rId13"/>
+    <p:sldId id="327" r:id="rId14"/>
+    <p:sldId id="328" r:id="rId15"/>
+    <p:sldId id="329" r:id="rId16"/>
+    <p:sldId id="330" r:id="rId17"/>
+    <p:sldId id="331" r:id="rId18"/>
+    <p:sldId id="332" r:id="rId19"/>
+    <p:sldId id="333" r:id="rId20"/>
+    <p:sldId id="335" r:id="rId21"/>
+    <p:sldId id="301" r:id="rId22"/>
+    <p:sldId id="320" r:id="rId23"/>
   </p:sldIdLst>
   <p:sldSz cx="12192000" cy="6858000"/>
   <p:notesSz cx="6858000" cy="9144000"/>
@@ -549,7 +550,7 @@
           <a:p>
             <a:fld id="{DD7587C3-F34C-4E9E-BE26-D4569730CEE5}" type="slidenum">
               <a:rPr lang="en-US" smtClean="0"/>
-              <a:t>20</a:t>
+              <a:t>21</a:t>
             </a:fld>
             <a:endParaRPr lang="en-US"/>
           </a:p>
@@ -3623,7 +3624,7 @@
         </p:nvSpPr>
         <p:spPr>
           <a:xfrm>
-            <a:off x="1200712" y="2897311"/>
+            <a:off x="1026910" y="2445270"/>
             <a:ext cx="914400" cy="914400"/>
           </a:xfrm>
           <a:prstGeom prst="ellipse">
@@ -3665,7 +3666,7 @@
                   <a:schemeClr val="tx1"/>
                 </a:solidFill>
               </a:rPr>
-              <a:t>2</a:t>
+              <a:t>10</a:t>
             </a:r>
           </a:p>
         </p:txBody>
@@ -3684,7 +3685,7 @@
         </p:nvSpPr>
         <p:spPr>
           <a:xfrm>
-            <a:off x="2115112" y="1985539"/>
+            <a:off x="2480155" y="1571995"/>
             <a:ext cx="914400" cy="914400"/>
           </a:xfrm>
           <a:prstGeom prst="ellipse">
@@ -3726,7 +3727,7 @@
                   <a:schemeClr val="tx1"/>
                 </a:solidFill>
               </a:rPr>
-              <a:t>3</a:t>
+              <a:t>40</a:t>
             </a:r>
           </a:p>
         </p:txBody>
@@ -3745,7 +3746,7 @@
         </p:nvSpPr>
         <p:spPr>
           <a:xfrm>
-            <a:off x="286312" y="3790499"/>
+            <a:off x="1938968" y="3359670"/>
             <a:ext cx="914400" cy="914400"/>
           </a:xfrm>
           <a:prstGeom prst="ellipse">
@@ -3787,7 +3788,7 @@
                   <a:schemeClr val="tx1"/>
                 </a:solidFill>
               </a:rPr>
-              <a:t>1</a:t>
+              <a:t>30</a:t>
             </a:r>
           </a:p>
         </p:txBody>
@@ -3806,7 +3807,7 @@
         </p:nvSpPr>
         <p:spPr>
           <a:xfrm>
-            <a:off x="3029512" y="2899939"/>
+            <a:off x="3933401" y="2458504"/>
             <a:ext cx="914400" cy="914400"/>
           </a:xfrm>
           <a:prstGeom prst="ellipse">
@@ -3848,7 +3849,7 @@
                   <a:schemeClr val="tx1"/>
                 </a:solidFill>
               </a:rPr>
-              <a:t>5</a:t>
+              <a:t>70</a:t>
             </a:r>
           </a:p>
         </p:txBody>
@@ -3867,7 +3868,7 @@
         </p:nvSpPr>
         <p:spPr>
           <a:xfrm>
-            <a:off x="2115112" y="3801105"/>
+            <a:off x="3019001" y="3359670"/>
             <a:ext cx="914400" cy="914400"/>
           </a:xfrm>
           <a:prstGeom prst="ellipse">
@@ -3909,7 +3910,7 @@
                   <a:schemeClr val="tx1"/>
                 </a:solidFill>
               </a:rPr>
-              <a:t>4</a:t>
+              <a:t>50</a:t>
             </a:r>
           </a:p>
         </p:txBody>
@@ -3928,7 +3929,7 @@
         </p:nvSpPr>
         <p:spPr>
           <a:xfrm>
-            <a:off x="3943912" y="3790308"/>
+            <a:off x="3933401" y="4275589"/>
             <a:ext cx="914400" cy="914400"/>
           </a:xfrm>
           <a:prstGeom prst="ellipse">
@@ -3970,7 +3971,7 @@
                   <a:schemeClr val="tx1"/>
                 </a:solidFill>
               </a:rPr>
-              <a:t>6</a:t>
+              <a:t>60</a:t>
             </a:r>
           </a:p>
         </p:txBody>
@@ -3986,15 +3987,15 @@
           </p:cNvPr>
           <p:cNvCxnSpPr>
             <a:cxnSpLocks/>
-            <a:stCxn id="24" idx="3"/>
-            <a:endCxn id="26" idx="7"/>
+            <a:stCxn id="24" idx="5"/>
+            <a:endCxn id="26" idx="1"/>
           </p:cNvCxnSpPr>
           <p:nvPr/>
         </p:nvCxnSpPr>
         <p:spPr>
-          <a:xfrm flipH="1">
-            <a:off x="1066801" y="3677800"/>
-            <a:ext cx="267822" cy="246610"/>
+          <a:xfrm>
+            <a:off x="1807399" y="3225759"/>
+            <a:ext cx="265480" cy="267822"/>
           </a:xfrm>
           <a:prstGeom prst="straightConnector1">
             <a:avLst/>
@@ -4039,8 +4040,8 @@
         </p:nvCxnSpPr>
         <p:spPr>
           <a:xfrm flipH="1">
-            <a:off x="1981201" y="2766028"/>
-            <a:ext cx="267822" cy="265194"/>
+            <a:off x="1807399" y="2352484"/>
+            <a:ext cx="806667" cy="226697"/>
           </a:xfrm>
           <a:prstGeom prst="straightConnector1">
             <a:avLst/>
@@ -4085,8 +4086,8 @@
         </p:nvCxnSpPr>
         <p:spPr>
           <a:xfrm>
-            <a:off x="2895601" y="2766028"/>
-            <a:ext cx="267822" cy="267822"/>
+            <a:off x="3260644" y="2352484"/>
+            <a:ext cx="806668" cy="239931"/>
           </a:xfrm>
           <a:prstGeom prst="straightConnector1">
             <a:avLst/>
@@ -4131,7 +4132,7 @@
         </p:nvCxnSpPr>
         <p:spPr>
           <a:xfrm flipH="1">
-            <a:off x="2895601" y="3680428"/>
+            <a:off x="3799490" y="3238993"/>
             <a:ext cx="267822" cy="254588"/>
           </a:xfrm>
           <a:prstGeom prst="straightConnector1">
@@ -4170,15 +4171,15 @@
           </p:cNvPr>
           <p:cNvCxnSpPr>
             <a:cxnSpLocks/>
-            <a:stCxn id="27" idx="5"/>
+            <a:stCxn id="28" idx="5"/>
             <a:endCxn id="29" idx="1"/>
           </p:cNvCxnSpPr>
           <p:nvPr/>
         </p:nvCxnSpPr>
         <p:spPr>
           <a:xfrm>
-            <a:off x="3810001" y="3680428"/>
-            <a:ext cx="267822" cy="243791"/>
+            <a:off x="3799490" y="4140159"/>
+            <a:ext cx="267822" cy="269341"/>
           </a:xfrm>
           <a:prstGeom prst="straightConnector1">
             <a:avLst/>
@@ -4205,12 +4206,58 @@
           </a:fontRef>
         </p:style>
       </p:cxnSp>
-      <p:sp>
-        <p:nvSpPr>
-          <p:cNvPr id="61" name="Oval 60">
-            <a:extLst>
-              <a:ext uri="{FF2B5EF4-FFF2-40B4-BE49-F238E27FC236}">
-                <a16:creationId xmlns:a16="http://schemas.microsoft.com/office/drawing/2014/main" id="{73F39AA4-6BF5-AF4C-5537-686846E551A5}"/>
+      <p:cxnSp>
+        <p:nvCxnSpPr>
+          <p:cNvPr id="12" name="Straight Arrow Connector 11">
+            <a:extLst>
+              <a:ext uri="{FF2B5EF4-FFF2-40B4-BE49-F238E27FC236}">
+                <a16:creationId xmlns:a16="http://schemas.microsoft.com/office/drawing/2014/main" id="{C39F5DF5-6D2C-DFD9-F98D-44A8596C8FED}"/>
+              </a:ext>
+            </a:extLst>
+          </p:cNvPr>
+          <p:cNvCxnSpPr>
+            <a:cxnSpLocks/>
+            <a:stCxn id="26" idx="3"/>
+            <a:endCxn id="15" idx="7"/>
+          </p:cNvCxnSpPr>
+          <p:nvPr/>
+        </p:nvCxnSpPr>
+        <p:spPr>
+          <a:xfrm flipH="1">
+            <a:off x="1805057" y="4140159"/>
+            <a:ext cx="267822" cy="267822"/>
+          </a:xfrm>
+          <a:prstGeom prst="straightConnector1">
+            <a:avLst/>
+          </a:prstGeom>
+          <a:ln w="28575">
+            <a:solidFill>
+              <a:schemeClr val="accent4"/>
+            </a:solidFill>
+            <a:tailEnd type="triangle"/>
+          </a:ln>
+        </p:spPr>
+        <p:style>
+          <a:lnRef idx="2">
+            <a:schemeClr val="accent1"/>
+          </a:lnRef>
+          <a:fillRef idx="0">
+            <a:schemeClr val="accent1"/>
+          </a:fillRef>
+          <a:effectRef idx="1">
+            <a:schemeClr val="accent1"/>
+          </a:effectRef>
+          <a:fontRef idx="minor">
+            <a:schemeClr val="tx1"/>
+          </a:fontRef>
+        </p:style>
+      </p:cxnSp>
+      <p:sp>
+        <p:nvSpPr>
+          <p:cNvPr id="15" name="Oval 14">
+            <a:extLst>
+              <a:ext uri="{FF2B5EF4-FFF2-40B4-BE49-F238E27FC236}">
+                <a16:creationId xmlns:a16="http://schemas.microsoft.com/office/drawing/2014/main" id="{EFE3888E-B466-E925-6595-9F466610C370}"/>
               </a:ext>
             </a:extLst>
           </p:cNvPr>
@@ -4219,7 +4266,7 @@
         </p:nvSpPr>
         <p:spPr>
           <a:xfrm>
-            <a:off x="6342993" y="1563702"/>
+            <a:off x="1024568" y="4274070"/>
             <a:ext cx="914400" cy="914400"/>
           </a:xfrm>
           <a:prstGeom prst="ellipse">
@@ -4261,17 +4308,17 @@
                   <a:schemeClr val="tx1"/>
                 </a:solidFill>
               </a:rPr>
-              <a:t>2</a:t>
-            </a:r>
-          </a:p>
-        </p:txBody>
-      </p:sp>
-      <p:sp>
-        <p:nvSpPr>
-          <p:cNvPr id="62" name="Oval 61">
-            <a:extLst>
-              <a:ext uri="{FF2B5EF4-FFF2-40B4-BE49-F238E27FC236}">
-                <a16:creationId xmlns:a16="http://schemas.microsoft.com/office/drawing/2014/main" id="{071E90E1-F93C-DF18-56C2-CE6A2B7DA897}"/>
+              <a:t>20</a:t>
+            </a:r>
+          </a:p>
+        </p:txBody>
+      </p:sp>
+      <p:sp>
+        <p:nvSpPr>
+          <p:cNvPr id="22" name="Oval 21">
+            <a:extLst>
+              <a:ext uri="{FF2B5EF4-FFF2-40B4-BE49-F238E27FC236}">
+                <a16:creationId xmlns:a16="http://schemas.microsoft.com/office/drawing/2014/main" id="{1E472F87-A5A0-DAB4-58BC-063EC29E895E}"/>
               </a:ext>
             </a:extLst>
           </p:cNvPr>
@@ -4280,7 +4327,7 @@
         </p:nvSpPr>
         <p:spPr>
           <a:xfrm>
-            <a:off x="7257393" y="2475571"/>
+            <a:off x="6620851" y="2902470"/>
             <a:ext cx="914400" cy="914400"/>
           </a:xfrm>
           <a:prstGeom prst="ellipse">
@@ -4322,17 +4369,17 @@
                   <a:schemeClr val="tx1"/>
                 </a:solidFill>
               </a:rPr>
-              <a:t>3</a:t>
-            </a:r>
-          </a:p>
-        </p:txBody>
-      </p:sp>
-      <p:sp>
-        <p:nvSpPr>
-          <p:cNvPr id="63" name="Oval 62">
-            <a:extLst>
-              <a:ext uri="{FF2B5EF4-FFF2-40B4-BE49-F238E27FC236}">
-                <a16:creationId xmlns:a16="http://schemas.microsoft.com/office/drawing/2014/main" id="{0CFF09B6-CF77-F472-ACAF-617A25F0EE8C}"/>
+              <a:t>25</a:t>
+            </a:r>
+          </a:p>
+        </p:txBody>
+      </p:sp>
+      <p:sp>
+        <p:nvSpPr>
+          <p:cNvPr id="23" name="Oval 22">
+            <a:extLst>
+              <a:ext uri="{FF2B5EF4-FFF2-40B4-BE49-F238E27FC236}">
+                <a16:creationId xmlns:a16="http://schemas.microsoft.com/office/drawing/2014/main" id="{2F2CFED2-ED58-72CB-F569-8CE5589156B4}"/>
               </a:ext>
             </a:extLst>
           </p:cNvPr>
@@ -4341,7 +4388,7 @@
         </p:nvSpPr>
         <p:spPr>
           <a:xfrm>
-            <a:off x="5428593" y="649302"/>
+            <a:off x="8074096" y="2029195"/>
             <a:ext cx="914400" cy="914400"/>
           </a:xfrm>
           <a:prstGeom prst="ellipse">
@@ -4383,17 +4430,17 @@
                   <a:schemeClr val="tx1"/>
                 </a:solidFill>
               </a:rPr>
-              <a:t>1</a:t>
-            </a:r>
-          </a:p>
-        </p:txBody>
-      </p:sp>
-      <p:sp>
-        <p:nvSpPr>
-          <p:cNvPr id="64" name="Oval 63">
-            <a:extLst>
-              <a:ext uri="{FF2B5EF4-FFF2-40B4-BE49-F238E27FC236}">
-                <a16:creationId xmlns:a16="http://schemas.microsoft.com/office/drawing/2014/main" id="{188AA060-B893-296D-02C4-40A7270500C6}"/>
+              <a:t>35</a:t>
+            </a:r>
+          </a:p>
+        </p:txBody>
+      </p:sp>
+      <p:sp>
+        <p:nvSpPr>
+          <p:cNvPr id="31" name="Oval 30">
+            <a:extLst>
+              <a:ext uri="{FF2B5EF4-FFF2-40B4-BE49-F238E27FC236}">
+                <a16:creationId xmlns:a16="http://schemas.microsoft.com/office/drawing/2014/main" id="{3272B383-B9E4-94AB-6754-55C6DC1280C4}"/>
               </a:ext>
             </a:extLst>
           </p:cNvPr>
@@ -4402,7 +4449,7 @@
         </p:nvSpPr>
         <p:spPr>
           <a:xfrm>
-            <a:off x="9086193" y="4305602"/>
+            <a:off x="7532909" y="3816870"/>
             <a:ext cx="914400" cy="914400"/>
           </a:xfrm>
           <a:prstGeom prst="ellipse">
@@ -4444,17 +4491,17 @@
                   <a:schemeClr val="tx1"/>
                 </a:solidFill>
               </a:rPr>
-              <a:t>5</a:t>
-            </a:r>
-          </a:p>
-        </p:txBody>
-      </p:sp>
-      <p:sp>
-        <p:nvSpPr>
-          <p:cNvPr id="65" name="Oval 64">
-            <a:extLst>
-              <a:ext uri="{FF2B5EF4-FFF2-40B4-BE49-F238E27FC236}">
-                <a16:creationId xmlns:a16="http://schemas.microsoft.com/office/drawing/2014/main" id="{515FE9E7-7CA1-EBDE-23E4-94944B40C85D}"/>
+              <a:t>30</a:t>
+            </a:r>
+          </a:p>
+        </p:txBody>
+      </p:sp>
+      <p:sp>
+        <p:nvSpPr>
+          <p:cNvPr id="32" name="Oval 31">
+            <a:extLst>
+              <a:ext uri="{FF2B5EF4-FFF2-40B4-BE49-F238E27FC236}">
+                <a16:creationId xmlns:a16="http://schemas.microsoft.com/office/drawing/2014/main" id="{91FB7160-4817-950F-313A-97F36009BEB5}"/>
               </a:ext>
             </a:extLst>
           </p:cNvPr>
@@ -4463,7 +4510,7 @@
         </p:nvSpPr>
         <p:spPr>
           <a:xfrm>
-            <a:off x="8171793" y="3389971"/>
+            <a:off x="9527342" y="2915704"/>
             <a:ext cx="914400" cy="914400"/>
           </a:xfrm>
           <a:prstGeom prst="ellipse">
@@ -4505,17 +4552,17 @@
                   <a:schemeClr val="tx1"/>
                 </a:solidFill>
               </a:rPr>
-              <a:t>4</a:t>
-            </a:r>
-          </a:p>
-        </p:txBody>
-      </p:sp>
-      <p:sp>
-        <p:nvSpPr>
-          <p:cNvPr id="66" name="Oval 65">
-            <a:extLst>
-              <a:ext uri="{FF2B5EF4-FFF2-40B4-BE49-F238E27FC236}">
-                <a16:creationId xmlns:a16="http://schemas.microsoft.com/office/drawing/2014/main" id="{2878ACE7-18BD-0323-54C1-0709B9828FB9}"/>
+              <a:t>45</a:t>
+            </a:r>
+          </a:p>
+        </p:txBody>
+      </p:sp>
+      <p:sp>
+        <p:nvSpPr>
+          <p:cNvPr id="34" name="Oval 33">
+            <a:extLst>
+              <a:ext uri="{FF2B5EF4-FFF2-40B4-BE49-F238E27FC236}">
+                <a16:creationId xmlns:a16="http://schemas.microsoft.com/office/drawing/2014/main" id="{B33F931A-A79D-7B6F-D5D9-AF497E684C81}"/>
               </a:ext>
             </a:extLst>
           </p:cNvPr>
@@ -4524,7 +4571,7 @@
         </p:nvSpPr>
         <p:spPr>
           <a:xfrm>
-            <a:off x="10000593" y="5221233"/>
+            <a:off x="8612942" y="3816870"/>
             <a:ext cx="914400" cy="914400"/>
           </a:xfrm>
           <a:prstGeom prst="ellipse">
@@ -4566,31 +4613,92 @@
                   <a:schemeClr val="tx1"/>
                 </a:solidFill>
               </a:rPr>
-              <a:t>6</a:t>
+              <a:t>40</a:t>
+            </a:r>
+          </a:p>
+        </p:txBody>
+      </p:sp>
+      <p:sp>
+        <p:nvSpPr>
+          <p:cNvPr id="35" name="Oval 34">
+            <a:extLst>
+              <a:ext uri="{FF2B5EF4-FFF2-40B4-BE49-F238E27FC236}">
+                <a16:creationId xmlns:a16="http://schemas.microsoft.com/office/drawing/2014/main" id="{437EC319-0C24-33A1-38A5-A2F95A7BAED4}"/>
+              </a:ext>
+            </a:extLst>
+          </p:cNvPr>
+          <p:cNvSpPr/>
+          <p:nvPr/>
+        </p:nvSpPr>
+        <p:spPr>
+          <a:xfrm>
+            <a:off x="10439400" y="3816870"/>
+            <a:ext cx="914400" cy="914400"/>
+          </a:xfrm>
+          <a:prstGeom prst="ellipse">
+            <a:avLst/>
+          </a:prstGeom>
+          <a:noFill/>
+          <a:ln w="28575" cap="flat" cmpd="sng" algn="ctr">
+            <a:solidFill>
+              <a:schemeClr val="accent1"/>
+            </a:solidFill>
+            <a:prstDash val="solid"/>
+            <a:round/>
+            <a:headEnd type="none" w="med" len="med"/>
+            <a:tailEnd type="none" w="med" len="med"/>
+          </a:ln>
+        </p:spPr>
+        <p:style>
+          <a:lnRef idx="0">
+            <a:scrgbClr r="0" g="0" b="0"/>
+          </a:lnRef>
+          <a:fillRef idx="0">
+            <a:scrgbClr r="0" g="0" b="0"/>
+          </a:fillRef>
+          <a:effectRef idx="0">
+            <a:scrgbClr r="0" g="0" b="0"/>
+          </a:effectRef>
+          <a:fontRef idx="minor">
+            <a:schemeClr val="accent1"/>
+          </a:fontRef>
+        </p:style>
+        <p:txBody>
+          <a:bodyPr lIns="0" tIns="0" rIns="0" bIns="0" rtlCol="0" anchor="ctr"/>
+          <a:lstStyle/>
+          <a:p>
+            <a:pPr algn="ctr"/>
+            <a:r>
+              <a:rPr lang="en-US">
+                <a:solidFill>
+                  <a:schemeClr val="tx1"/>
+                </a:solidFill>
+              </a:rPr>
+              <a:t>50</a:t>
             </a:r>
           </a:p>
         </p:txBody>
       </p:sp>
       <p:cxnSp>
         <p:nvCxnSpPr>
-          <p:cNvPr id="67" name="Straight Arrow Connector 66">
-            <a:extLst>
-              <a:ext uri="{FF2B5EF4-FFF2-40B4-BE49-F238E27FC236}">
-                <a16:creationId xmlns:a16="http://schemas.microsoft.com/office/drawing/2014/main" id="{14F47F51-2DDF-A3A9-3085-CF2D1D43DC67}"/>
+          <p:cNvPr id="36" name="Straight Arrow Connector 35">
+            <a:extLst>
+              <a:ext uri="{FF2B5EF4-FFF2-40B4-BE49-F238E27FC236}">
+                <a16:creationId xmlns:a16="http://schemas.microsoft.com/office/drawing/2014/main" id="{931E7A08-F936-F400-A267-96BC4A0C19F4}"/>
               </a:ext>
             </a:extLst>
           </p:cNvPr>
           <p:cNvCxnSpPr>
             <a:cxnSpLocks/>
-            <a:stCxn id="63" idx="5"/>
-            <a:endCxn id="61" idx="1"/>
+            <a:stCxn id="22" idx="5"/>
+            <a:endCxn id="31" idx="1"/>
           </p:cNvCxnSpPr>
           <p:nvPr/>
         </p:nvCxnSpPr>
         <p:spPr>
           <a:xfrm>
-            <a:off x="6209082" y="1429791"/>
-            <a:ext cx="267822" cy="267822"/>
+            <a:off x="7401340" y="3682959"/>
+            <a:ext cx="265480" cy="267822"/>
           </a:xfrm>
           <a:prstGeom prst="straightConnector1">
             <a:avLst/>
@@ -4619,24 +4727,24 @@
       </p:cxnSp>
       <p:cxnSp>
         <p:nvCxnSpPr>
-          <p:cNvPr id="68" name="Straight Arrow Connector 67">
-            <a:extLst>
-              <a:ext uri="{FF2B5EF4-FFF2-40B4-BE49-F238E27FC236}">
-                <a16:creationId xmlns:a16="http://schemas.microsoft.com/office/drawing/2014/main" id="{7FE43F6A-84BF-5487-2322-CC9ACBC8A9A8}"/>
+          <p:cNvPr id="38" name="Straight Arrow Connector 37">
+            <a:extLst>
+              <a:ext uri="{FF2B5EF4-FFF2-40B4-BE49-F238E27FC236}">
+                <a16:creationId xmlns:a16="http://schemas.microsoft.com/office/drawing/2014/main" id="{2FF2EC25-F902-A57F-CAED-9AA394EDE016}"/>
               </a:ext>
             </a:extLst>
           </p:cNvPr>
           <p:cNvCxnSpPr>
             <a:cxnSpLocks/>
-            <a:stCxn id="61" idx="5"/>
-            <a:endCxn id="62" idx="1"/>
+            <a:stCxn id="23" idx="3"/>
+            <a:endCxn id="22" idx="7"/>
           </p:cNvCxnSpPr>
           <p:nvPr/>
         </p:nvCxnSpPr>
         <p:spPr>
-          <a:xfrm>
-            <a:off x="7123482" y="2344191"/>
-            <a:ext cx="267822" cy="265291"/>
+          <a:xfrm flipH="1">
+            <a:off x="7401340" y="2809684"/>
+            <a:ext cx="806667" cy="226697"/>
           </a:xfrm>
           <a:prstGeom prst="straightConnector1">
             <a:avLst/>
@@ -4665,24 +4773,24 @@
       </p:cxnSp>
       <p:cxnSp>
         <p:nvCxnSpPr>
-          <p:cNvPr id="69" name="Straight Arrow Connector 68">
-            <a:extLst>
-              <a:ext uri="{FF2B5EF4-FFF2-40B4-BE49-F238E27FC236}">
-                <a16:creationId xmlns:a16="http://schemas.microsoft.com/office/drawing/2014/main" id="{905F3B62-ADF2-D9F0-BC38-EADDBFF32F9D}"/>
+          <p:cNvPr id="39" name="Straight Arrow Connector 38">
+            <a:extLst>
+              <a:ext uri="{FF2B5EF4-FFF2-40B4-BE49-F238E27FC236}">
+                <a16:creationId xmlns:a16="http://schemas.microsoft.com/office/drawing/2014/main" id="{CF2A9207-250E-9D75-7D10-B24B845D16CD}"/>
               </a:ext>
             </a:extLst>
           </p:cNvPr>
           <p:cNvCxnSpPr>
             <a:cxnSpLocks/>
-            <a:stCxn id="62" idx="5"/>
-            <a:endCxn id="65" idx="1"/>
+            <a:stCxn id="23" idx="5"/>
+            <a:endCxn id="32" idx="1"/>
           </p:cNvCxnSpPr>
           <p:nvPr/>
         </p:nvCxnSpPr>
         <p:spPr>
           <a:xfrm>
-            <a:off x="8037882" y="3256060"/>
-            <a:ext cx="267822" cy="267822"/>
+            <a:off x="8854585" y="2809684"/>
+            <a:ext cx="806668" cy="239931"/>
           </a:xfrm>
           <a:prstGeom prst="straightConnector1">
             <a:avLst/>
@@ -4711,24 +4819,24 @@
       </p:cxnSp>
       <p:cxnSp>
         <p:nvCxnSpPr>
-          <p:cNvPr id="70" name="Straight Arrow Connector 69">
-            <a:extLst>
-              <a:ext uri="{FF2B5EF4-FFF2-40B4-BE49-F238E27FC236}">
-                <a16:creationId xmlns:a16="http://schemas.microsoft.com/office/drawing/2014/main" id="{DD819ED9-D718-FCD2-0C21-A7C885BED30F}"/>
+          <p:cNvPr id="41" name="Straight Arrow Connector 40">
+            <a:extLst>
+              <a:ext uri="{FF2B5EF4-FFF2-40B4-BE49-F238E27FC236}">
+                <a16:creationId xmlns:a16="http://schemas.microsoft.com/office/drawing/2014/main" id="{D981FA6D-5D31-0BED-3C6C-A983EA41DD26}"/>
               </a:ext>
             </a:extLst>
           </p:cNvPr>
           <p:cNvCxnSpPr>
             <a:cxnSpLocks/>
-            <a:stCxn id="65" idx="5"/>
-            <a:endCxn id="64" idx="1"/>
+            <a:stCxn id="32" idx="3"/>
+            <a:endCxn id="34" idx="7"/>
           </p:cNvCxnSpPr>
           <p:nvPr/>
         </p:nvCxnSpPr>
         <p:spPr>
-          <a:xfrm>
-            <a:off x="8952282" y="4170460"/>
-            <a:ext cx="267822" cy="269053"/>
+          <a:xfrm flipH="1">
+            <a:off x="9393431" y="3696193"/>
+            <a:ext cx="267822" cy="254588"/>
           </a:xfrm>
           <a:prstGeom prst="straightConnector1">
             <a:avLst/>
@@ -4757,24 +4865,24 @@
       </p:cxnSp>
       <p:cxnSp>
         <p:nvCxnSpPr>
-          <p:cNvPr id="71" name="Straight Arrow Connector 70">
-            <a:extLst>
-              <a:ext uri="{FF2B5EF4-FFF2-40B4-BE49-F238E27FC236}">
-                <a16:creationId xmlns:a16="http://schemas.microsoft.com/office/drawing/2014/main" id="{8D87AC4A-9722-2378-DE88-C719ED110FAB}"/>
+          <p:cNvPr id="42" name="Straight Arrow Connector 41">
+            <a:extLst>
+              <a:ext uri="{FF2B5EF4-FFF2-40B4-BE49-F238E27FC236}">
+                <a16:creationId xmlns:a16="http://schemas.microsoft.com/office/drawing/2014/main" id="{B0517594-FF4B-9AFA-EF23-DB682B21FD3A}"/>
               </a:ext>
             </a:extLst>
           </p:cNvPr>
           <p:cNvCxnSpPr>
             <a:cxnSpLocks/>
-            <a:stCxn id="64" idx="5"/>
-            <a:endCxn id="66" idx="1"/>
+            <a:stCxn id="32" idx="5"/>
+            <a:endCxn id="35" idx="1"/>
           </p:cNvCxnSpPr>
           <p:nvPr/>
         </p:nvCxnSpPr>
         <p:spPr>
           <a:xfrm>
-            <a:off x="9866682" y="5086091"/>
-            <a:ext cx="267822" cy="269053"/>
+            <a:off x="10307831" y="3696193"/>
+            <a:ext cx="265480" cy="254588"/>
           </a:xfrm>
           <a:prstGeom prst="straightConnector1">
             <a:avLst/>
@@ -4801,6 +4909,113 @@
           </a:fontRef>
         </p:style>
       </p:cxnSp>
+      <p:cxnSp>
+        <p:nvCxnSpPr>
+          <p:cNvPr id="44" name="Straight Arrow Connector 43">
+            <a:extLst>
+              <a:ext uri="{FF2B5EF4-FFF2-40B4-BE49-F238E27FC236}">
+                <a16:creationId xmlns:a16="http://schemas.microsoft.com/office/drawing/2014/main" id="{921090D8-846D-96C4-2A1C-6E7D297D35B1}"/>
+              </a:ext>
+            </a:extLst>
+          </p:cNvPr>
+          <p:cNvCxnSpPr>
+            <a:cxnSpLocks/>
+            <a:stCxn id="22" idx="3"/>
+            <a:endCxn id="45" idx="7"/>
+          </p:cNvCxnSpPr>
+          <p:nvPr/>
+        </p:nvCxnSpPr>
+        <p:spPr>
+          <a:xfrm flipH="1">
+            <a:off x="6484598" y="3682959"/>
+            <a:ext cx="270164" cy="267822"/>
+          </a:xfrm>
+          <a:prstGeom prst="straightConnector1">
+            <a:avLst/>
+          </a:prstGeom>
+          <a:ln w="28575">
+            <a:solidFill>
+              <a:schemeClr val="accent4"/>
+            </a:solidFill>
+            <a:tailEnd type="triangle"/>
+          </a:ln>
+        </p:spPr>
+        <p:style>
+          <a:lnRef idx="2">
+            <a:schemeClr val="accent1"/>
+          </a:lnRef>
+          <a:fillRef idx="0">
+            <a:schemeClr val="accent1"/>
+          </a:fillRef>
+          <a:effectRef idx="1">
+            <a:schemeClr val="accent1"/>
+          </a:effectRef>
+          <a:fontRef idx="minor">
+            <a:schemeClr val="tx1"/>
+          </a:fontRef>
+        </p:style>
+      </p:cxnSp>
+      <p:sp>
+        <p:nvSpPr>
+          <p:cNvPr id="45" name="Oval 44">
+            <a:extLst>
+              <a:ext uri="{FF2B5EF4-FFF2-40B4-BE49-F238E27FC236}">
+                <a16:creationId xmlns:a16="http://schemas.microsoft.com/office/drawing/2014/main" id="{85B7D1AA-07A0-A79E-4C1E-951CDA56641E}"/>
+              </a:ext>
+            </a:extLst>
+          </p:cNvPr>
+          <p:cNvSpPr/>
+          <p:nvPr/>
+        </p:nvSpPr>
+        <p:spPr>
+          <a:xfrm>
+            <a:off x="5704109" y="3816870"/>
+            <a:ext cx="914400" cy="914400"/>
+          </a:xfrm>
+          <a:prstGeom prst="ellipse">
+            <a:avLst/>
+          </a:prstGeom>
+          <a:noFill/>
+          <a:ln w="28575" cap="flat" cmpd="sng" algn="ctr">
+            <a:solidFill>
+              <a:schemeClr val="accent1"/>
+            </a:solidFill>
+            <a:prstDash val="solid"/>
+            <a:round/>
+            <a:headEnd type="none" w="med" len="med"/>
+            <a:tailEnd type="none" w="med" len="med"/>
+          </a:ln>
+        </p:spPr>
+        <p:style>
+          <a:lnRef idx="0">
+            <a:scrgbClr r="0" g="0" b="0"/>
+          </a:lnRef>
+          <a:fillRef idx="0">
+            <a:scrgbClr r="0" g="0" b="0"/>
+          </a:fillRef>
+          <a:effectRef idx="0">
+            <a:scrgbClr r="0" g="0" b="0"/>
+          </a:effectRef>
+          <a:fontRef idx="minor">
+            <a:schemeClr val="accent1"/>
+          </a:fontRef>
+        </p:style>
+        <p:txBody>
+          <a:bodyPr lIns="0" tIns="0" rIns="0" bIns="0" rtlCol="0" anchor="ctr"/>
+          <a:lstStyle/>
+          <a:p>
+            <a:pPr algn="ctr"/>
+            <a:r>
+              <a:rPr lang="en-US">
+                <a:solidFill>
+                  <a:schemeClr val="tx1"/>
+                </a:solidFill>
+              </a:rPr>
+              <a:t>20</a:t>
+            </a:r>
+          </a:p>
+        </p:txBody>
+      </p:sp>
     </p:spTree>
     <p:extLst>
       <p:ext uri="{BB962C8B-B14F-4D97-AF65-F5344CB8AC3E}">
@@ -4834,6 +5049,714 @@
         <p:cNvPr id="1" name="">
           <a:extLst>
             <a:ext uri="{FF2B5EF4-FFF2-40B4-BE49-F238E27FC236}">
+              <a16:creationId xmlns:a16="http://schemas.microsoft.com/office/drawing/2014/main" id="{D6A3DD20-91FF-21DA-C603-5F1617E07D51}"/>
+            </a:ext>
+          </a:extLst>
+        </p:cNvPr>
+        <p:cNvGrpSpPr/>
+        <p:nvPr/>
+      </p:nvGrpSpPr>
+      <p:grpSpPr>
+        <a:xfrm>
+          <a:off x="0" y="0"/>
+          <a:ext cx="0" cy="0"/>
+          <a:chOff x="0" y="0"/>
+          <a:chExt cx="0" cy="0"/>
+        </a:xfrm>
+      </p:grpSpPr>
+      <p:sp>
+        <p:nvSpPr>
+          <p:cNvPr id="4" name="Slide Number Placeholder 3">
+            <a:extLst>
+              <a:ext uri="{FF2B5EF4-FFF2-40B4-BE49-F238E27FC236}">
+                <a16:creationId xmlns:a16="http://schemas.microsoft.com/office/drawing/2014/main" id="{36521F35-0865-4443-DA55-27C711D4044C}"/>
+              </a:ext>
+            </a:extLst>
+          </p:cNvPr>
+          <p:cNvSpPr>
+            <a:spLocks noGrp="1"/>
+          </p:cNvSpPr>
+          <p:nvPr>
+            <p:ph type="sldNum" sz="quarter" idx="12"/>
+          </p:nvPr>
+        </p:nvSpPr>
+        <p:spPr/>
+        <p:txBody>
+          <a:bodyPr/>
+          <a:lstStyle/>
+          <a:p>
+            <a:fld id="{7A78D7CD-E273-4158-B1CA-59F0920772DC}" type="slidenum">
+              <a:rPr lang="en-US" smtClean="0"/>
+              <a:t>10</a:t>
+            </a:fld>
+            <a:endParaRPr lang="en-US"/>
+          </a:p>
+        </p:txBody>
+      </p:sp>
+      <p:sp>
+        <p:nvSpPr>
+          <p:cNvPr id="6" name="Oval 5">
+            <a:extLst>
+              <a:ext uri="{FF2B5EF4-FFF2-40B4-BE49-F238E27FC236}">
+                <a16:creationId xmlns:a16="http://schemas.microsoft.com/office/drawing/2014/main" id="{39FA1943-B294-C63D-0BCA-CB79A910B928}"/>
+              </a:ext>
+            </a:extLst>
+          </p:cNvPr>
+          <p:cNvSpPr/>
+          <p:nvPr/>
+        </p:nvSpPr>
+        <p:spPr>
+          <a:xfrm>
+            <a:off x="5643427" y="2046660"/>
+            <a:ext cx="914400" cy="914400"/>
+          </a:xfrm>
+          <a:prstGeom prst="ellipse">
+            <a:avLst/>
+          </a:prstGeom>
+          <a:noFill/>
+          <a:ln w="28575" cap="flat" cmpd="sng" algn="ctr">
+            <a:solidFill>
+              <a:schemeClr val="accent1"/>
+            </a:solidFill>
+            <a:prstDash val="solid"/>
+            <a:round/>
+            <a:headEnd type="none" w="med" len="med"/>
+            <a:tailEnd type="none" w="med" len="med"/>
+          </a:ln>
+        </p:spPr>
+        <p:style>
+          <a:lnRef idx="0">
+            <a:scrgbClr r="0" g="0" b="0"/>
+          </a:lnRef>
+          <a:fillRef idx="0">
+            <a:scrgbClr r="0" g="0" b="0"/>
+          </a:fillRef>
+          <a:effectRef idx="0">
+            <a:scrgbClr r="0" g="0" b="0"/>
+          </a:effectRef>
+          <a:fontRef idx="minor">
+            <a:schemeClr val="accent1"/>
+          </a:fontRef>
+        </p:style>
+        <p:txBody>
+          <a:bodyPr lIns="0" tIns="0" rIns="0" bIns="0" rtlCol="0" anchor="ctr"/>
+          <a:lstStyle/>
+          <a:p>
+            <a:pPr algn="ctr"/>
+            <a:r>
+              <a:rPr lang="en-US">
+                <a:solidFill>
+                  <a:schemeClr val="tx1"/>
+                </a:solidFill>
+              </a:rPr>
+              <a:t>16</a:t>
+            </a:r>
+          </a:p>
+        </p:txBody>
+      </p:sp>
+      <p:sp>
+        <p:nvSpPr>
+          <p:cNvPr id="14" name="Oval 13">
+            <a:extLst>
+              <a:ext uri="{FF2B5EF4-FFF2-40B4-BE49-F238E27FC236}">
+                <a16:creationId xmlns:a16="http://schemas.microsoft.com/office/drawing/2014/main" id="{6936A66A-F608-84B6-8EDD-A4173B96A770}"/>
+              </a:ext>
+            </a:extLst>
+          </p:cNvPr>
+          <p:cNvSpPr/>
+          <p:nvPr/>
+        </p:nvSpPr>
+        <p:spPr>
+          <a:xfrm>
+            <a:off x="6994588" y="2961060"/>
+            <a:ext cx="914400" cy="914400"/>
+          </a:xfrm>
+          <a:prstGeom prst="ellipse">
+            <a:avLst/>
+          </a:prstGeom>
+          <a:noFill/>
+          <a:ln w="28575" cap="flat" cmpd="sng" algn="ctr">
+            <a:solidFill>
+              <a:schemeClr val="accent1"/>
+            </a:solidFill>
+            <a:prstDash val="solid"/>
+            <a:round/>
+            <a:headEnd type="none" w="med" len="med"/>
+            <a:tailEnd type="none" w="med" len="med"/>
+          </a:ln>
+        </p:spPr>
+        <p:style>
+          <a:lnRef idx="0">
+            <a:scrgbClr r="0" g="0" b="0"/>
+          </a:lnRef>
+          <a:fillRef idx="0">
+            <a:scrgbClr r="0" g="0" b="0"/>
+          </a:fillRef>
+          <a:effectRef idx="0">
+            <a:scrgbClr r="0" g="0" b="0"/>
+          </a:effectRef>
+          <a:fontRef idx="minor">
+            <a:schemeClr val="accent1"/>
+          </a:fontRef>
+        </p:style>
+        <p:txBody>
+          <a:bodyPr lIns="0" tIns="0" rIns="0" bIns="0" rtlCol="0" anchor="ctr"/>
+          <a:lstStyle/>
+          <a:p>
+            <a:pPr algn="ctr"/>
+            <a:r>
+              <a:rPr lang="en-US">
+                <a:solidFill>
+                  <a:schemeClr val="tx1"/>
+                </a:solidFill>
+              </a:rPr>
+              <a:t>24</a:t>
+            </a:r>
+          </a:p>
+        </p:txBody>
+      </p:sp>
+      <p:cxnSp>
+        <p:nvCxnSpPr>
+          <p:cNvPr id="15" name="Straight Arrow Connector 14">
+            <a:extLst>
+              <a:ext uri="{FF2B5EF4-FFF2-40B4-BE49-F238E27FC236}">
+                <a16:creationId xmlns:a16="http://schemas.microsoft.com/office/drawing/2014/main" id="{EF81C13C-3AB9-BA52-B0C5-B0D521EFBECE}"/>
+              </a:ext>
+            </a:extLst>
+          </p:cNvPr>
+          <p:cNvCxnSpPr>
+            <a:cxnSpLocks/>
+            <a:stCxn id="6" idx="5"/>
+            <a:endCxn id="14" idx="1"/>
+          </p:cNvCxnSpPr>
+          <p:nvPr/>
+        </p:nvCxnSpPr>
+        <p:spPr>
+          <a:xfrm>
+            <a:off x="6423916" y="2827149"/>
+            <a:ext cx="704583" cy="267822"/>
+          </a:xfrm>
+          <a:prstGeom prst="straightConnector1">
+            <a:avLst/>
+          </a:prstGeom>
+          <a:ln w="28575">
+            <a:solidFill>
+              <a:schemeClr val="accent4"/>
+            </a:solidFill>
+            <a:tailEnd type="triangle"/>
+          </a:ln>
+        </p:spPr>
+        <p:style>
+          <a:lnRef idx="2">
+            <a:schemeClr val="accent1"/>
+          </a:lnRef>
+          <a:fillRef idx="0">
+            <a:schemeClr val="accent1"/>
+          </a:fillRef>
+          <a:effectRef idx="1">
+            <a:schemeClr val="accent1"/>
+          </a:effectRef>
+          <a:fontRef idx="minor">
+            <a:schemeClr val="tx1"/>
+          </a:fontRef>
+        </p:style>
+      </p:cxnSp>
+      <p:cxnSp>
+        <p:nvCxnSpPr>
+          <p:cNvPr id="16" name="Straight Arrow Connector 15">
+            <a:extLst>
+              <a:ext uri="{FF2B5EF4-FFF2-40B4-BE49-F238E27FC236}">
+                <a16:creationId xmlns:a16="http://schemas.microsoft.com/office/drawing/2014/main" id="{7AEC10BF-E71B-22B4-D10E-CB4E470FBB3C}"/>
+              </a:ext>
+            </a:extLst>
+          </p:cNvPr>
+          <p:cNvCxnSpPr>
+            <a:cxnSpLocks/>
+            <a:stCxn id="6" idx="3"/>
+            <a:endCxn id="17" idx="7"/>
+          </p:cNvCxnSpPr>
+          <p:nvPr/>
+        </p:nvCxnSpPr>
+        <p:spPr>
+          <a:xfrm flipH="1">
+            <a:off x="5509516" y="2827149"/>
+            <a:ext cx="267822" cy="280864"/>
+          </a:xfrm>
+          <a:prstGeom prst="straightConnector1">
+            <a:avLst/>
+          </a:prstGeom>
+          <a:ln w="28575">
+            <a:solidFill>
+              <a:schemeClr val="accent4"/>
+            </a:solidFill>
+            <a:tailEnd type="triangle"/>
+          </a:ln>
+        </p:spPr>
+        <p:style>
+          <a:lnRef idx="2">
+            <a:schemeClr val="accent1"/>
+          </a:lnRef>
+          <a:fillRef idx="0">
+            <a:schemeClr val="accent1"/>
+          </a:fillRef>
+          <a:effectRef idx="1">
+            <a:schemeClr val="accent1"/>
+          </a:effectRef>
+          <a:fontRef idx="minor">
+            <a:schemeClr val="tx1"/>
+          </a:fontRef>
+        </p:style>
+      </p:cxnSp>
+      <p:sp>
+        <p:nvSpPr>
+          <p:cNvPr id="17" name="Oval 16">
+            <a:extLst>
+              <a:ext uri="{FF2B5EF4-FFF2-40B4-BE49-F238E27FC236}">
+                <a16:creationId xmlns:a16="http://schemas.microsoft.com/office/drawing/2014/main" id="{0A20448A-601D-D870-89A5-974ACD24D076}"/>
+              </a:ext>
+            </a:extLst>
+          </p:cNvPr>
+          <p:cNvSpPr/>
+          <p:nvPr/>
+        </p:nvSpPr>
+        <p:spPr>
+          <a:xfrm>
+            <a:off x="4729027" y="2974102"/>
+            <a:ext cx="914400" cy="914400"/>
+          </a:xfrm>
+          <a:prstGeom prst="ellipse">
+            <a:avLst/>
+          </a:prstGeom>
+          <a:noFill/>
+          <a:ln w="28575" cap="flat" cmpd="sng" algn="ctr">
+            <a:solidFill>
+              <a:schemeClr val="accent1"/>
+            </a:solidFill>
+            <a:prstDash val="solid"/>
+            <a:round/>
+            <a:headEnd type="none" w="med" len="med"/>
+            <a:tailEnd type="none" w="med" len="med"/>
+          </a:ln>
+        </p:spPr>
+        <p:style>
+          <a:lnRef idx="0">
+            <a:scrgbClr r="0" g="0" b="0"/>
+          </a:lnRef>
+          <a:fillRef idx="0">
+            <a:scrgbClr r="0" g="0" b="0"/>
+          </a:fillRef>
+          <a:effectRef idx="0">
+            <a:scrgbClr r="0" g="0" b="0"/>
+          </a:effectRef>
+          <a:fontRef idx="minor">
+            <a:schemeClr val="accent1"/>
+          </a:fontRef>
+        </p:style>
+        <p:txBody>
+          <a:bodyPr lIns="0" tIns="0" rIns="0" bIns="0" rtlCol="0" anchor="ctr"/>
+          <a:lstStyle/>
+          <a:p>
+            <a:pPr algn="ctr"/>
+            <a:r>
+              <a:rPr lang="en-US">
+                <a:solidFill>
+                  <a:schemeClr val="tx1"/>
+                </a:solidFill>
+              </a:rPr>
+              <a:t>8</a:t>
+            </a:r>
+          </a:p>
+        </p:txBody>
+      </p:sp>
+      <p:sp>
+        <p:nvSpPr>
+          <p:cNvPr id="18" name="Oval 17">
+            <a:extLst>
+              <a:ext uri="{FF2B5EF4-FFF2-40B4-BE49-F238E27FC236}">
+                <a16:creationId xmlns:a16="http://schemas.microsoft.com/office/drawing/2014/main" id="{D4C2AC06-8C4F-A511-662E-E963F9C6AF50}"/>
+              </a:ext>
+            </a:extLst>
+          </p:cNvPr>
+          <p:cNvSpPr/>
+          <p:nvPr/>
+        </p:nvSpPr>
+        <p:spPr>
+          <a:xfrm>
+            <a:off x="6076596" y="3888502"/>
+            <a:ext cx="914400" cy="914400"/>
+          </a:xfrm>
+          <a:prstGeom prst="ellipse">
+            <a:avLst/>
+          </a:prstGeom>
+          <a:noFill/>
+          <a:ln w="28575" cap="flat" cmpd="sng" algn="ctr">
+            <a:solidFill>
+              <a:schemeClr val="accent1"/>
+            </a:solidFill>
+            <a:prstDash val="solid"/>
+            <a:round/>
+            <a:headEnd type="none" w="med" len="med"/>
+            <a:tailEnd type="none" w="med" len="med"/>
+          </a:ln>
+        </p:spPr>
+        <p:style>
+          <a:lnRef idx="0">
+            <a:scrgbClr r="0" g="0" b="0"/>
+          </a:lnRef>
+          <a:fillRef idx="0">
+            <a:scrgbClr r="0" g="0" b="0"/>
+          </a:fillRef>
+          <a:effectRef idx="0">
+            <a:scrgbClr r="0" g="0" b="0"/>
+          </a:effectRef>
+          <a:fontRef idx="minor">
+            <a:schemeClr val="accent1"/>
+          </a:fontRef>
+        </p:style>
+        <p:txBody>
+          <a:bodyPr lIns="0" tIns="0" rIns="0" bIns="0" rtlCol="0" anchor="ctr"/>
+          <a:lstStyle/>
+          <a:p>
+            <a:pPr algn="ctr"/>
+            <a:r>
+              <a:rPr lang="en-US">
+                <a:solidFill>
+                  <a:schemeClr val="tx1"/>
+                </a:solidFill>
+              </a:rPr>
+              <a:t>20</a:t>
+            </a:r>
+          </a:p>
+        </p:txBody>
+      </p:sp>
+      <p:sp>
+        <p:nvSpPr>
+          <p:cNvPr id="19" name="Oval 18">
+            <a:extLst>
+              <a:ext uri="{FF2B5EF4-FFF2-40B4-BE49-F238E27FC236}">
+                <a16:creationId xmlns:a16="http://schemas.microsoft.com/office/drawing/2014/main" id="{6F941D8F-B55C-2F5D-E4E1-3C646E8663F6}"/>
+              </a:ext>
+            </a:extLst>
+          </p:cNvPr>
+          <p:cNvSpPr/>
+          <p:nvPr/>
+        </p:nvSpPr>
+        <p:spPr>
+          <a:xfrm>
+            <a:off x="7907552" y="3875460"/>
+            <a:ext cx="914400" cy="914400"/>
+          </a:xfrm>
+          <a:prstGeom prst="ellipse">
+            <a:avLst/>
+          </a:prstGeom>
+          <a:noFill/>
+          <a:ln w="28575" cap="flat" cmpd="sng" algn="ctr">
+            <a:solidFill>
+              <a:schemeClr val="accent1"/>
+            </a:solidFill>
+            <a:prstDash val="solid"/>
+            <a:round/>
+            <a:headEnd type="none" w="med" len="med"/>
+            <a:tailEnd type="none" w="med" len="med"/>
+          </a:ln>
+        </p:spPr>
+        <p:style>
+          <a:lnRef idx="0">
+            <a:scrgbClr r="0" g="0" b="0"/>
+          </a:lnRef>
+          <a:fillRef idx="0">
+            <a:scrgbClr r="0" g="0" b="0"/>
+          </a:fillRef>
+          <a:effectRef idx="0">
+            <a:scrgbClr r="0" g="0" b="0"/>
+          </a:effectRef>
+          <a:fontRef idx="minor">
+            <a:schemeClr val="accent1"/>
+          </a:fontRef>
+        </p:style>
+        <p:txBody>
+          <a:bodyPr lIns="0" tIns="0" rIns="0" bIns="0" rtlCol="0" anchor="ctr"/>
+          <a:lstStyle/>
+          <a:p>
+            <a:pPr algn="ctr"/>
+            <a:r>
+              <a:rPr lang="en-US">
+                <a:solidFill>
+                  <a:schemeClr val="tx1"/>
+                </a:solidFill>
+              </a:rPr>
+              <a:t>28</a:t>
+            </a:r>
+          </a:p>
+        </p:txBody>
+      </p:sp>
+      <p:cxnSp>
+        <p:nvCxnSpPr>
+          <p:cNvPr id="20" name="Straight Arrow Connector 19">
+            <a:extLst>
+              <a:ext uri="{FF2B5EF4-FFF2-40B4-BE49-F238E27FC236}">
+                <a16:creationId xmlns:a16="http://schemas.microsoft.com/office/drawing/2014/main" id="{D03A4D6C-93D4-3CA8-234E-32A7BD0BD35C}"/>
+              </a:ext>
+            </a:extLst>
+          </p:cNvPr>
+          <p:cNvCxnSpPr>
+            <a:cxnSpLocks/>
+            <a:stCxn id="14" idx="3"/>
+            <a:endCxn id="18" idx="7"/>
+          </p:cNvCxnSpPr>
+          <p:nvPr/>
+        </p:nvCxnSpPr>
+        <p:spPr>
+          <a:xfrm flipH="1">
+            <a:off x="6857085" y="3741549"/>
+            <a:ext cx="271414" cy="280864"/>
+          </a:xfrm>
+          <a:prstGeom prst="straightConnector1">
+            <a:avLst/>
+          </a:prstGeom>
+          <a:ln w="28575">
+            <a:solidFill>
+              <a:schemeClr val="accent4"/>
+            </a:solidFill>
+            <a:tailEnd type="triangle"/>
+          </a:ln>
+        </p:spPr>
+        <p:style>
+          <a:lnRef idx="2">
+            <a:schemeClr val="accent1"/>
+          </a:lnRef>
+          <a:fillRef idx="0">
+            <a:schemeClr val="accent1"/>
+          </a:fillRef>
+          <a:effectRef idx="1">
+            <a:schemeClr val="accent1"/>
+          </a:effectRef>
+          <a:fontRef idx="minor">
+            <a:schemeClr val="tx1"/>
+          </a:fontRef>
+        </p:style>
+      </p:cxnSp>
+      <p:cxnSp>
+        <p:nvCxnSpPr>
+          <p:cNvPr id="21" name="Straight Arrow Connector 20">
+            <a:extLst>
+              <a:ext uri="{FF2B5EF4-FFF2-40B4-BE49-F238E27FC236}">
+                <a16:creationId xmlns:a16="http://schemas.microsoft.com/office/drawing/2014/main" id="{B1FBD007-02FE-C391-9E5B-43AC7B2BAA64}"/>
+              </a:ext>
+            </a:extLst>
+          </p:cNvPr>
+          <p:cNvCxnSpPr>
+            <a:cxnSpLocks/>
+            <a:stCxn id="14" idx="5"/>
+            <a:endCxn id="19" idx="1"/>
+          </p:cNvCxnSpPr>
+          <p:nvPr/>
+        </p:nvCxnSpPr>
+        <p:spPr>
+          <a:xfrm>
+            <a:off x="7775077" y="3741549"/>
+            <a:ext cx="266386" cy="267822"/>
+          </a:xfrm>
+          <a:prstGeom prst="straightConnector1">
+            <a:avLst/>
+          </a:prstGeom>
+          <a:ln w="28575">
+            <a:solidFill>
+              <a:schemeClr val="accent4"/>
+            </a:solidFill>
+            <a:tailEnd type="triangle"/>
+          </a:ln>
+        </p:spPr>
+        <p:style>
+          <a:lnRef idx="2">
+            <a:schemeClr val="accent1"/>
+          </a:lnRef>
+          <a:fillRef idx="0">
+            <a:schemeClr val="accent1"/>
+          </a:fillRef>
+          <a:effectRef idx="1">
+            <a:schemeClr val="accent1"/>
+          </a:effectRef>
+          <a:fontRef idx="minor">
+            <a:schemeClr val="tx1"/>
+          </a:fontRef>
+        </p:style>
+      </p:cxnSp>
+      <p:sp>
+        <p:nvSpPr>
+          <p:cNvPr id="25" name="Arrow: Down 24">
+            <a:extLst>
+              <a:ext uri="{FF2B5EF4-FFF2-40B4-BE49-F238E27FC236}">
+                <a16:creationId xmlns:a16="http://schemas.microsoft.com/office/drawing/2014/main" id="{5B3FC928-46C1-DD6F-7790-27D215D51FBF}"/>
+              </a:ext>
+            </a:extLst>
+          </p:cNvPr>
+          <p:cNvSpPr/>
+          <p:nvPr/>
+        </p:nvSpPr>
+        <p:spPr>
+          <a:xfrm>
+            <a:off x="5853684" y="867429"/>
+            <a:ext cx="484632" cy="978408"/>
+          </a:xfrm>
+          <a:prstGeom prst="downArrow">
+            <a:avLst/>
+          </a:prstGeom>
+        </p:spPr>
+        <p:style>
+          <a:lnRef idx="2">
+            <a:schemeClr val="accent1">
+              <a:shade val="15000"/>
+            </a:schemeClr>
+          </a:lnRef>
+          <a:fillRef idx="1">
+            <a:schemeClr val="accent1"/>
+          </a:fillRef>
+          <a:effectRef idx="0">
+            <a:schemeClr val="accent1"/>
+          </a:effectRef>
+          <a:fontRef idx="minor">
+            <a:schemeClr val="lt1"/>
+          </a:fontRef>
+        </p:style>
+        <p:txBody>
+          <a:bodyPr rtlCol="0" anchor="ctr"/>
+          <a:lstStyle/>
+          <a:p>
+            <a:pPr algn="ctr"/>
+            <a:endParaRPr lang="en-US"/>
+          </a:p>
+        </p:txBody>
+      </p:sp>
+      <p:sp>
+        <p:nvSpPr>
+          <p:cNvPr id="26" name="TextBox 25">
+            <a:extLst>
+              <a:ext uri="{FF2B5EF4-FFF2-40B4-BE49-F238E27FC236}">
+                <a16:creationId xmlns:a16="http://schemas.microsoft.com/office/drawing/2014/main" id="{F2FE9F1A-6228-4071-B863-8653F7C14EF2}"/>
+              </a:ext>
+            </a:extLst>
+          </p:cNvPr>
+          <p:cNvSpPr txBox="1"/>
+          <p:nvPr/>
+        </p:nvSpPr>
+        <p:spPr>
+          <a:xfrm>
+            <a:off x="1702676" y="1072055"/>
+            <a:ext cx="1725152" cy="523220"/>
+          </a:xfrm>
+          <a:prstGeom prst="rect">
+            <a:avLst/>
+          </a:prstGeom>
+          <a:noFill/>
+        </p:spPr>
+        <p:txBody>
+          <a:bodyPr wrap="none" rtlCol="0">
+            <a:spAutoFit/>
+          </a:bodyPr>
+          <a:lstStyle/>
+          <a:p>
+            <a:r>
+              <a:rPr lang="en-US" sz="2800"/>
+              <a:t>Insert ’18’</a:t>
+            </a:r>
+          </a:p>
+        </p:txBody>
+      </p:sp>
+      <p:sp>
+        <p:nvSpPr>
+          <p:cNvPr id="27" name="Oval 26">
+            <a:extLst>
+              <a:ext uri="{FF2B5EF4-FFF2-40B4-BE49-F238E27FC236}">
+                <a16:creationId xmlns:a16="http://schemas.microsoft.com/office/drawing/2014/main" id="{DBC6904A-6E49-7E35-CB5E-93B2FA1CD669}"/>
+              </a:ext>
+            </a:extLst>
+          </p:cNvPr>
+          <p:cNvSpPr/>
+          <p:nvPr/>
+        </p:nvSpPr>
+        <p:spPr>
+          <a:xfrm>
+            <a:off x="3583112" y="899433"/>
+            <a:ext cx="914400" cy="914400"/>
+          </a:xfrm>
+          <a:prstGeom prst="ellipse">
+            <a:avLst/>
+          </a:prstGeom>
+          <a:noFill/>
+          <a:ln w="28575" cap="flat" cmpd="sng" algn="ctr">
+            <a:solidFill>
+              <a:schemeClr val="accent1"/>
+            </a:solidFill>
+            <a:prstDash val="dash"/>
+            <a:round/>
+            <a:headEnd type="none" w="med" len="med"/>
+            <a:tailEnd type="none" w="med" len="med"/>
+          </a:ln>
+        </p:spPr>
+        <p:style>
+          <a:lnRef idx="0">
+            <a:scrgbClr r="0" g="0" b="0"/>
+          </a:lnRef>
+          <a:fillRef idx="0">
+            <a:scrgbClr r="0" g="0" b="0"/>
+          </a:fillRef>
+          <a:effectRef idx="0">
+            <a:scrgbClr r="0" g="0" b="0"/>
+          </a:effectRef>
+          <a:fontRef idx="minor">
+            <a:schemeClr val="accent1"/>
+          </a:fontRef>
+        </p:style>
+        <p:txBody>
+          <a:bodyPr lIns="0" tIns="0" rIns="0" bIns="0" rtlCol="0" anchor="ctr"/>
+          <a:lstStyle/>
+          <a:p>
+            <a:pPr algn="ctr"/>
+            <a:r>
+              <a:rPr lang="en-US">
+                <a:solidFill>
+                  <a:schemeClr val="tx1"/>
+                </a:solidFill>
+              </a:rPr>
+              <a:t>18</a:t>
+            </a:r>
+          </a:p>
+        </p:txBody>
+      </p:sp>
+    </p:spTree>
+    <p:extLst>
+      <p:ext uri="{BB962C8B-B14F-4D97-AF65-F5344CB8AC3E}">
+        <p14:creationId xmlns:p14="http://schemas.microsoft.com/office/powerpoint/2010/main" val="2765831653"/>
+      </p:ext>
+    </p:extLst>
+  </p:cSld>
+  <p:clrMapOvr>
+    <a:masterClrMapping/>
+  </p:clrMapOvr>
+  <mc:AlternateContent xmlns:mc="http://schemas.openxmlformats.org/markup-compatibility/2006" xmlns:p159="http://schemas.microsoft.com/office/powerpoint/2015/09/main">
+    <mc:Choice Requires="p159">
+      <p:transition>
+        <p159:morph option="byObject"/>
+      </p:transition>
+    </mc:Choice>
+    <mc:Fallback xmlns="">
+      <p:transition>
+        <p:fade/>
+      </p:transition>
+    </mc:Fallback>
+  </mc:AlternateContent>
+</p:sld>
+</file>
+
+<file path=ppt/slides/slide11.xml><?xml version="1.0" encoding="utf-8"?>
+<p:sld xmlns:a="http://schemas.openxmlformats.org/drawingml/2006/main" xmlns:r="http://schemas.openxmlformats.org/officeDocument/2006/relationships" xmlns:p="http://schemas.openxmlformats.org/presentationml/2006/main">
+  <p:cSld>
+    <p:spTree>
+      <p:nvGrpSpPr>
+        <p:cNvPr id="1" name="">
+          <a:extLst>
+            <a:ext uri="{FF2B5EF4-FFF2-40B4-BE49-F238E27FC236}">
               <a16:creationId xmlns:a16="http://schemas.microsoft.com/office/drawing/2014/main" id="{610687B0-316B-8581-217A-2F115CD80E60}"/>
             </a:ext>
           </a:extLst>
@@ -4872,7 +5795,7 @@
           <a:p>
             <a:fld id="{7A78D7CD-E273-4158-B1CA-59F0920772DC}" type="slidenum">
               <a:rPr lang="en-US" smtClean="0"/>
-              <a:t>10</a:t>
+              <a:t>11</a:t>
             </a:fld>
             <a:endParaRPr lang="en-US"/>
           </a:p>
@@ -5554,13 +6477,13 @@
   <p:clrMapOvr>
     <a:masterClrMapping/>
   </p:clrMapOvr>
-  <mc:AlternateContent xmlns:mc="http://schemas.openxmlformats.org/markup-compatibility/2006">
-    <mc:Choice xmlns:p159="http://schemas.microsoft.com/office/powerpoint/2015/09/main" Requires="p159">
+  <mc:AlternateContent xmlns:mc="http://schemas.openxmlformats.org/markup-compatibility/2006" xmlns:p159="http://schemas.microsoft.com/office/powerpoint/2015/09/main">
+    <mc:Choice Requires="p159">
       <p:transition>
         <p159:morph option="byObject"/>
       </p:transition>
     </mc:Choice>
-    <mc:Fallback>
+    <mc:Fallback xmlns="">
       <p:transition>
         <p:fade/>
       </p:transition>
@@ -5569,7 +6492,7 @@
 </p:sld>
 </file>
 
-<file path=ppt/slides/slide11.xml><?xml version="1.0" encoding="utf-8"?>
+<file path=ppt/slides/slide12.xml><?xml version="1.0" encoding="utf-8"?>
 <p:sld xmlns:a="http://schemas.openxmlformats.org/drawingml/2006/main" xmlns:r="http://schemas.openxmlformats.org/officeDocument/2006/relationships" xmlns:p="http://schemas.openxmlformats.org/presentationml/2006/main">
   <p:cSld>
     <p:spTree>
@@ -5615,7 +6538,7 @@
           <a:p>
             <a:fld id="{7A78D7CD-E273-4158-B1CA-59F0920772DC}" type="slidenum">
               <a:rPr lang="en-US" smtClean="0"/>
-              <a:t>11</a:t>
+              <a:t>12</a:t>
             </a:fld>
             <a:endParaRPr lang="en-US"/>
           </a:p>
@@ -6048,13 +6971,13 @@
   <p:clrMapOvr>
     <a:masterClrMapping/>
   </p:clrMapOvr>
-  <mc:AlternateContent xmlns:mc="http://schemas.openxmlformats.org/markup-compatibility/2006">
-    <mc:Choice xmlns:p159="http://schemas.microsoft.com/office/powerpoint/2015/09/main" Requires="p159">
+  <mc:AlternateContent xmlns:mc="http://schemas.openxmlformats.org/markup-compatibility/2006" xmlns:p159="http://schemas.microsoft.com/office/powerpoint/2015/09/main">
+    <mc:Choice Requires="p159">
       <p:transition>
         <p159:morph option="byObject"/>
       </p:transition>
     </mc:Choice>
-    <mc:Fallback>
+    <mc:Fallback xmlns="">
       <p:transition>
         <p:fade/>
       </p:transition>
@@ -6063,7 +6986,7 @@
 </p:sld>
 </file>
 
-<file path=ppt/slides/slide12.xml><?xml version="1.0" encoding="utf-8"?>
+<file path=ppt/slides/slide13.xml><?xml version="1.0" encoding="utf-8"?>
 <p:sld xmlns:a="http://schemas.openxmlformats.org/drawingml/2006/main" xmlns:r="http://schemas.openxmlformats.org/officeDocument/2006/relationships" xmlns:p="http://schemas.openxmlformats.org/presentationml/2006/main">
   <p:cSld>
     <p:spTree>
@@ -6109,7 +7032,7 @@
           <a:p>
             <a:fld id="{7A78D7CD-E273-4158-B1CA-59F0920772DC}" type="slidenum">
               <a:rPr lang="en-US" smtClean="0"/>
-              <a:t>12</a:t>
+              <a:t>13</a:t>
             </a:fld>
             <a:endParaRPr lang="en-US"/>
           </a:p>
@@ -6577,13 +7500,13 @@
   <p:clrMapOvr>
     <a:masterClrMapping/>
   </p:clrMapOvr>
-  <mc:AlternateContent xmlns:mc="http://schemas.openxmlformats.org/markup-compatibility/2006">
-    <mc:Choice xmlns:p159="http://schemas.microsoft.com/office/powerpoint/2015/09/main" Requires="p159">
+  <mc:AlternateContent xmlns:mc="http://schemas.openxmlformats.org/markup-compatibility/2006" xmlns:p159="http://schemas.microsoft.com/office/powerpoint/2015/09/main">
+    <mc:Choice Requires="p159">
       <p:transition>
         <p159:morph option="byObject"/>
       </p:transition>
     </mc:Choice>
-    <mc:Fallback>
+    <mc:Fallback xmlns="">
       <p:transition>
         <p:fade/>
       </p:transition>
@@ -6592,7 +7515,7 @@
 </p:sld>
 </file>
 
-<file path=ppt/slides/slide13.xml><?xml version="1.0" encoding="utf-8"?>
+<file path=ppt/slides/slide14.xml><?xml version="1.0" encoding="utf-8"?>
 <p:sld xmlns:a="http://schemas.openxmlformats.org/drawingml/2006/main" xmlns:r="http://schemas.openxmlformats.org/officeDocument/2006/relationships" xmlns:p="http://schemas.openxmlformats.org/presentationml/2006/main">
   <p:cSld>
     <p:spTree>
@@ -6638,7 +7561,7 @@
           <a:p>
             <a:fld id="{7A78D7CD-E273-4158-B1CA-59F0920772DC}" type="slidenum">
               <a:rPr lang="en-US" smtClean="0"/>
-              <a:t>13</a:t>
+              <a:t>14</a:t>
             </a:fld>
             <a:endParaRPr lang="en-US"/>
           </a:p>
@@ -6857,13 +7780,13 @@
   <p:clrMapOvr>
     <a:masterClrMapping/>
   </p:clrMapOvr>
-  <mc:AlternateContent xmlns:mc="http://schemas.openxmlformats.org/markup-compatibility/2006">
-    <mc:Choice xmlns:p159="http://schemas.microsoft.com/office/powerpoint/2015/09/main" Requires="p159">
+  <mc:AlternateContent xmlns:mc="http://schemas.openxmlformats.org/markup-compatibility/2006" xmlns:p159="http://schemas.microsoft.com/office/powerpoint/2015/09/main">
+    <mc:Choice Requires="p159">
       <p:transition>
         <p159:morph option="byObject"/>
       </p:transition>
     </mc:Choice>
-    <mc:Fallback>
+    <mc:Fallback xmlns="">
       <p:transition>
         <p:fade/>
       </p:transition>
@@ -6872,7 +7795,7 @@
 </p:sld>
 </file>
 
-<file path=ppt/slides/slide14.xml><?xml version="1.0" encoding="utf-8"?>
+<file path=ppt/slides/slide15.xml><?xml version="1.0" encoding="utf-8"?>
 <p:sld xmlns:a="http://schemas.openxmlformats.org/drawingml/2006/main" xmlns:r="http://schemas.openxmlformats.org/officeDocument/2006/relationships" xmlns:p="http://schemas.openxmlformats.org/presentationml/2006/main">
   <p:cSld>
     <p:spTree>
@@ -6918,7 +7841,7 @@
           <a:p>
             <a:fld id="{7A78D7CD-E273-4158-B1CA-59F0920772DC}" type="slidenum">
               <a:rPr lang="en-US" smtClean="0"/>
-              <a:t>14</a:t>
+              <a:t>15</a:t>
             </a:fld>
             <a:endParaRPr lang="en-US"/>
           </a:p>
@@ -7172,13 +8095,13 @@
   <p:clrMapOvr>
     <a:masterClrMapping/>
   </p:clrMapOvr>
-  <mc:AlternateContent xmlns:mc="http://schemas.openxmlformats.org/markup-compatibility/2006">
-    <mc:Choice xmlns:p159="http://schemas.microsoft.com/office/powerpoint/2015/09/main" Requires="p159">
+  <mc:AlternateContent xmlns:mc="http://schemas.openxmlformats.org/markup-compatibility/2006" xmlns:p159="http://schemas.microsoft.com/office/powerpoint/2015/09/main">
+    <mc:Choice Requires="p159">
       <p:transition>
         <p159:morph option="byObject"/>
       </p:transition>
     </mc:Choice>
-    <mc:Fallback>
+    <mc:Fallback xmlns="">
       <p:transition>
         <p:fade/>
       </p:transition>
@@ -7187,7 +8110,7 @@
 </p:sld>
 </file>
 
-<file path=ppt/slides/slide15.xml><?xml version="1.0" encoding="utf-8"?>
+<file path=ppt/slides/slide16.xml><?xml version="1.0" encoding="utf-8"?>
 <p:sld xmlns:a="http://schemas.openxmlformats.org/drawingml/2006/main" xmlns:r="http://schemas.openxmlformats.org/officeDocument/2006/relationships" xmlns:p="http://schemas.openxmlformats.org/presentationml/2006/main">
   <p:cSld>
     <p:spTree>
@@ -7233,7 +8156,7 @@
           <a:p>
             <a:fld id="{7A78D7CD-E273-4158-B1CA-59F0920772DC}" type="slidenum">
               <a:rPr lang="en-US" smtClean="0"/>
-              <a:t>15</a:t>
+              <a:t>16</a:t>
             </a:fld>
             <a:endParaRPr lang="en-US"/>
           </a:p>
@@ -7391,13 +8314,13 @@
   <p:clrMapOvr>
     <a:masterClrMapping/>
   </p:clrMapOvr>
-  <mc:AlternateContent xmlns:mc="http://schemas.openxmlformats.org/markup-compatibility/2006">
-    <mc:Choice xmlns:p159="http://schemas.microsoft.com/office/powerpoint/2015/09/main" Requires="p159">
+  <mc:AlternateContent xmlns:mc="http://schemas.openxmlformats.org/markup-compatibility/2006" xmlns:p159="http://schemas.microsoft.com/office/powerpoint/2015/09/main">
+    <mc:Choice Requires="p159">
       <p:transition>
         <p159:morph option="byObject"/>
       </p:transition>
     </mc:Choice>
-    <mc:Fallback>
+    <mc:Fallback xmlns="">
       <p:transition>
         <p:fade/>
       </p:transition>
@@ -7406,7 +8329,7 @@
 </p:sld>
 </file>
 
-<file path=ppt/slides/slide16.xml><?xml version="1.0" encoding="utf-8"?>
+<file path=ppt/slides/slide17.xml><?xml version="1.0" encoding="utf-8"?>
 <p:sld xmlns:a="http://schemas.openxmlformats.org/drawingml/2006/main" xmlns:r="http://schemas.openxmlformats.org/officeDocument/2006/relationships" xmlns:p="http://schemas.openxmlformats.org/presentationml/2006/main">
   <p:cSld>
     <p:spTree>
@@ -7452,7 +8375,7 @@
           <a:p>
             <a:fld id="{7A78D7CD-E273-4158-B1CA-59F0920772DC}" type="slidenum">
               <a:rPr lang="en-US" smtClean="0"/>
-              <a:t>16</a:t>
+              <a:t>17</a:t>
             </a:fld>
             <a:endParaRPr lang="en-US"/>
           </a:p>
@@ -7717,13 +8640,13 @@
   <p:clrMapOvr>
     <a:masterClrMapping/>
   </p:clrMapOvr>
-  <mc:AlternateContent xmlns:mc="http://schemas.openxmlformats.org/markup-compatibility/2006">
-    <mc:Choice xmlns:p159="http://schemas.microsoft.com/office/powerpoint/2015/09/main" Requires="p159">
+  <mc:AlternateContent xmlns:mc="http://schemas.openxmlformats.org/markup-compatibility/2006" xmlns:p159="http://schemas.microsoft.com/office/powerpoint/2015/09/main">
+    <mc:Choice Requires="p159">
       <p:transition>
         <p159:morph option="byObject"/>
       </p:transition>
     </mc:Choice>
-    <mc:Fallback>
+    <mc:Fallback xmlns="">
       <p:transition>
         <p:fade/>
       </p:transition>
@@ -7732,7 +8655,7 @@
 </p:sld>
 </file>
 
-<file path=ppt/slides/slide17.xml><?xml version="1.0" encoding="utf-8"?>
+<file path=ppt/slides/slide18.xml><?xml version="1.0" encoding="utf-8"?>
 <p:sld xmlns:a="http://schemas.openxmlformats.org/drawingml/2006/main" xmlns:r="http://schemas.openxmlformats.org/officeDocument/2006/relationships" xmlns:p="http://schemas.openxmlformats.org/presentationml/2006/main">
   <p:cSld>
     <p:spTree>
@@ -7778,7 +8701,7 @@
           <a:p>
             <a:fld id="{7A78D7CD-E273-4158-B1CA-59F0920772DC}" type="slidenum">
               <a:rPr lang="en-US" smtClean="0"/>
-              <a:t>17</a:t>
+              <a:t>18</a:t>
             </a:fld>
             <a:endParaRPr lang="en-US"/>
           </a:p>
@@ -8257,13 +9180,13 @@
   <p:clrMapOvr>
     <a:masterClrMapping/>
   </p:clrMapOvr>
-  <mc:AlternateContent xmlns:mc="http://schemas.openxmlformats.org/markup-compatibility/2006">
-    <mc:Choice xmlns:p159="http://schemas.microsoft.com/office/powerpoint/2015/09/main" Requires="p159">
+  <mc:AlternateContent xmlns:mc="http://schemas.openxmlformats.org/markup-compatibility/2006" xmlns:p159="http://schemas.microsoft.com/office/powerpoint/2015/09/main">
+    <mc:Choice Requires="p159">
       <p:transition>
         <p159:morph option="byObject"/>
       </p:transition>
     </mc:Choice>
-    <mc:Fallback>
+    <mc:Fallback xmlns="">
       <p:transition>
         <p:fade/>
       </p:transition>
@@ -8272,7 +9195,7 @@
 </p:sld>
 </file>
 
-<file path=ppt/slides/slide18.xml><?xml version="1.0" encoding="utf-8"?>
+<file path=ppt/slides/slide19.xml><?xml version="1.0" encoding="utf-8"?>
 <p:sld xmlns:a="http://schemas.openxmlformats.org/drawingml/2006/main" xmlns:r="http://schemas.openxmlformats.org/officeDocument/2006/relationships" xmlns:p="http://schemas.openxmlformats.org/presentationml/2006/main">
   <p:cSld>
     <p:spTree>
@@ -8318,7 +9241,7 @@
           <a:p>
             <a:fld id="{7A78D7CD-E273-4158-B1CA-59F0920772DC}" type="slidenum">
               <a:rPr lang="en-US" smtClean="0"/>
-              <a:t>18</a:t>
+              <a:t>19</a:t>
             </a:fld>
             <a:endParaRPr lang="en-US"/>
           </a:p>
@@ -9005,6 +9928,1275 @@
     <p:extLst>
       <p:ext uri="{BB962C8B-B14F-4D97-AF65-F5344CB8AC3E}">
         <p14:creationId xmlns:p14="http://schemas.microsoft.com/office/powerpoint/2010/main" val="3407367144"/>
+      </p:ext>
+    </p:extLst>
+  </p:cSld>
+  <p:clrMapOvr>
+    <a:masterClrMapping/>
+  </p:clrMapOvr>
+  <mc:AlternateContent xmlns:mc="http://schemas.openxmlformats.org/markup-compatibility/2006" xmlns:p159="http://schemas.microsoft.com/office/powerpoint/2015/09/main">
+    <mc:Choice Requires="p159">
+      <p:transition>
+        <p159:morph option="byObject"/>
+      </p:transition>
+    </mc:Choice>
+    <mc:Fallback xmlns="">
+      <p:transition>
+        <p:fade/>
+      </p:transition>
+    </mc:Fallback>
+  </mc:AlternateContent>
+</p:sld>
+</file>
+
+<file path=ppt/slides/slide2.xml><?xml version="1.0" encoding="utf-8"?>
+<p:sld xmlns:a="http://schemas.openxmlformats.org/drawingml/2006/main" xmlns:r="http://schemas.openxmlformats.org/officeDocument/2006/relationships" xmlns:p="http://schemas.openxmlformats.org/presentationml/2006/main">
+  <p:cSld>
+    <p:spTree>
+      <p:nvGrpSpPr>
+        <p:cNvPr id="1" name="">
+          <a:extLst>
+            <a:ext uri="{FF2B5EF4-FFF2-40B4-BE49-F238E27FC236}">
+              <a16:creationId xmlns:a16="http://schemas.microsoft.com/office/drawing/2014/main" id="{CC13D2CD-02A6-E027-3693-A44363321BD8}"/>
+            </a:ext>
+          </a:extLst>
+        </p:cNvPr>
+        <p:cNvGrpSpPr/>
+        <p:nvPr/>
+      </p:nvGrpSpPr>
+      <p:grpSpPr>
+        <a:xfrm>
+          <a:off x="0" y="0"/>
+          <a:ext cx="0" cy="0"/>
+          <a:chOff x="0" y="0"/>
+          <a:chExt cx="0" cy="0"/>
+        </a:xfrm>
+      </p:grpSpPr>
+      <p:sp>
+        <p:nvSpPr>
+          <p:cNvPr id="2" name="Slide Number Placeholder 1">
+            <a:extLst>
+              <a:ext uri="{FF2B5EF4-FFF2-40B4-BE49-F238E27FC236}">
+                <a16:creationId xmlns:a16="http://schemas.microsoft.com/office/drawing/2014/main" id="{DFC86586-E891-B024-DC2F-373116F4E00B}"/>
+              </a:ext>
+            </a:extLst>
+          </p:cNvPr>
+          <p:cNvSpPr>
+            <a:spLocks noGrp="1"/>
+          </p:cNvSpPr>
+          <p:nvPr>
+            <p:ph type="sldNum" sz="quarter" idx="12"/>
+          </p:nvPr>
+        </p:nvSpPr>
+        <p:spPr/>
+        <p:txBody>
+          <a:bodyPr/>
+          <a:lstStyle/>
+          <a:p>
+            <a:fld id="{7A78D7CD-E273-4158-B1CA-59F0920772DC}" type="slidenum">
+              <a:rPr lang="en-US" smtClean="0"/>
+              <a:t>2</a:t>
+            </a:fld>
+            <a:endParaRPr lang="en-US"/>
+          </a:p>
+        </p:txBody>
+      </p:sp>
+      <p:sp>
+        <p:nvSpPr>
+          <p:cNvPr id="24" name="Oval 23">
+            <a:extLst>
+              <a:ext uri="{FF2B5EF4-FFF2-40B4-BE49-F238E27FC236}">
+                <a16:creationId xmlns:a16="http://schemas.microsoft.com/office/drawing/2014/main" id="{E6FEB672-C411-4E00-D4CD-DA9B4928713A}"/>
+              </a:ext>
+            </a:extLst>
+          </p:cNvPr>
+          <p:cNvSpPr/>
+          <p:nvPr/>
+        </p:nvSpPr>
+        <p:spPr>
+          <a:xfrm>
+            <a:off x="1200712" y="2897311"/>
+            <a:ext cx="914400" cy="914400"/>
+          </a:xfrm>
+          <a:prstGeom prst="ellipse">
+            <a:avLst/>
+          </a:prstGeom>
+          <a:noFill/>
+          <a:ln w="28575" cap="flat" cmpd="sng" algn="ctr">
+            <a:solidFill>
+              <a:schemeClr val="accent1"/>
+            </a:solidFill>
+            <a:prstDash val="solid"/>
+            <a:round/>
+            <a:headEnd type="none" w="med" len="med"/>
+            <a:tailEnd type="none" w="med" len="med"/>
+          </a:ln>
+        </p:spPr>
+        <p:style>
+          <a:lnRef idx="0">
+            <a:scrgbClr r="0" g="0" b="0"/>
+          </a:lnRef>
+          <a:fillRef idx="0">
+            <a:scrgbClr r="0" g="0" b="0"/>
+          </a:fillRef>
+          <a:effectRef idx="0">
+            <a:scrgbClr r="0" g="0" b="0"/>
+          </a:effectRef>
+          <a:fontRef idx="minor">
+            <a:schemeClr val="accent1"/>
+          </a:fontRef>
+        </p:style>
+        <p:txBody>
+          <a:bodyPr lIns="0" tIns="0" rIns="0" bIns="0" rtlCol="0" anchor="ctr"/>
+          <a:lstStyle/>
+          <a:p>
+            <a:pPr algn="ctr"/>
+            <a:r>
+              <a:rPr lang="en-US">
+                <a:solidFill>
+                  <a:schemeClr val="tx1"/>
+                </a:solidFill>
+              </a:rPr>
+              <a:t>2</a:t>
+            </a:r>
+          </a:p>
+        </p:txBody>
+      </p:sp>
+      <p:sp>
+        <p:nvSpPr>
+          <p:cNvPr id="25" name="Oval 24">
+            <a:extLst>
+              <a:ext uri="{FF2B5EF4-FFF2-40B4-BE49-F238E27FC236}">
+                <a16:creationId xmlns:a16="http://schemas.microsoft.com/office/drawing/2014/main" id="{5B26B81B-916B-5400-E68C-FA499C198BE2}"/>
+              </a:ext>
+            </a:extLst>
+          </p:cNvPr>
+          <p:cNvSpPr/>
+          <p:nvPr/>
+        </p:nvSpPr>
+        <p:spPr>
+          <a:xfrm>
+            <a:off x="2115112" y="1985539"/>
+            <a:ext cx="914400" cy="914400"/>
+          </a:xfrm>
+          <a:prstGeom prst="ellipse">
+            <a:avLst/>
+          </a:prstGeom>
+          <a:noFill/>
+          <a:ln w="28575" cap="flat" cmpd="sng" algn="ctr">
+            <a:solidFill>
+              <a:schemeClr val="accent1"/>
+            </a:solidFill>
+            <a:prstDash val="solid"/>
+            <a:round/>
+            <a:headEnd type="none" w="med" len="med"/>
+            <a:tailEnd type="none" w="med" len="med"/>
+          </a:ln>
+        </p:spPr>
+        <p:style>
+          <a:lnRef idx="0">
+            <a:scrgbClr r="0" g="0" b="0"/>
+          </a:lnRef>
+          <a:fillRef idx="0">
+            <a:scrgbClr r="0" g="0" b="0"/>
+          </a:fillRef>
+          <a:effectRef idx="0">
+            <a:scrgbClr r="0" g="0" b="0"/>
+          </a:effectRef>
+          <a:fontRef idx="minor">
+            <a:schemeClr val="accent1"/>
+          </a:fontRef>
+        </p:style>
+        <p:txBody>
+          <a:bodyPr lIns="0" tIns="0" rIns="0" bIns="0" rtlCol="0" anchor="ctr"/>
+          <a:lstStyle/>
+          <a:p>
+            <a:pPr algn="ctr"/>
+            <a:r>
+              <a:rPr lang="en-US">
+                <a:solidFill>
+                  <a:schemeClr val="tx1"/>
+                </a:solidFill>
+              </a:rPr>
+              <a:t>3</a:t>
+            </a:r>
+          </a:p>
+        </p:txBody>
+      </p:sp>
+      <p:sp>
+        <p:nvSpPr>
+          <p:cNvPr id="26" name="Oval 25">
+            <a:extLst>
+              <a:ext uri="{FF2B5EF4-FFF2-40B4-BE49-F238E27FC236}">
+                <a16:creationId xmlns:a16="http://schemas.microsoft.com/office/drawing/2014/main" id="{836F5D72-B199-FC90-807D-9D90652C20B8}"/>
+              </a:ext>
+            </a:extLst>
+          </p:cNvPr>
+          <p:cNvSpPr/>
+          <p:nvPr/>
+        </p:nvSpPr>
+        <p:spPr>
+          <a:xfrm>
+            <a:off x="286312" y="3790499"/>
+            <a:ext cx="914400" cy="914400"/>
+          </a:xfrm>
+          <a:prstGeom prst="ellipse">
+            <a:avLst/>
+          </a:prstGeom>
+          <a:noFill/>
+          <a:ln w="28575" cap="flat" cmpd="sng" algn="ctr">
+            <a:solidFill>
+              <a:schemeClr val="accent1"/>
+            </a:solidFill>
+            <a:prstDash val="solid"/>
+            <a:round/>
+            <a:headEnd type="none" w="med" len="med"/>
+            <a:tailEnd type="none" w="med" len="med"/>
+          </a:ln>
+        </p:spPr>
+        <p:style>
+          <a:lnRef idx="0">
+            <a:scrgbClr r="0" g="0" b="0"/>
+          </a:lnRef>
+          <a:fillRef idx="0">
+            <a:scrgbClr r="0" g="0" b="0"/>
+          </a:fillRef>
+          <a:effectRef idx="0">
+            <a:scrgbClr r="0" g="0" b="0"/>
+          </a:effectRef>
+          <a:fontRef idx="minor">
+            <a:schemeClr val="accent1"/>
+          </a:fontRef>
+        </p:style>
+        <p:txBody>
+          <a:bodyPr lIns="0" tIns="0" rIns="0" bIns="0" rtlCol="0" anchor="ctr"/>
+          <a:lstStyle/>
+          <a:p>
+            <a:pPr algn="ctr"/>
+            <a:r>
+              <a:rPr lang="en-US">
+                <a:solidFill>
+                  <a:schemeClr val="tx1"/>
+                </a:solidFill>
+              </a:rPr>
+              <a:t>1</a:t>
+            </a:r>
+          </a:p>
+        </p:txBody>
+      </p:sp>
+      <p:sp>
+        <p:nvSpPr>
+          <p:cNvPr id="27" name="Oval 26">
+            <a:extLst>
+              <a:ext uri="{FF2B5EF4-FFF2-40B4-BE49-F238E27FC236}">
+                <a16:creationId xmlns:a16="http://schemas.microsoft.com/office/drawing/2014/main" id="{6995CE4C-605E-2834-F4BE-5752284FD9FB}"/>
+              </a:ext>
+            </a:extLst>
+          </p:cNvPr>
+          <p:cNvSpPr/>
+          <p:nvPr/>
+        </p:nvSpPr>
+        <p:spPr>
+          <a:xfrm>
+            <a:off x="3029512" y="2899939"/>
+            <a:ext cx="914400" cy="914400"/>
+          </a:xfrm>
+          <a:prstGeom prst="ellipse">
+            <a:avLst/>
+          </a:prstGeom>
+          <a:noFill/>
+          <a:ln w="28575" cap="flat" cmpd="sng" algn="ctr">
+            <a:solidFill>
+              <a:schemeClr val="accent1"/>
+            </a:solidFill>
+            <a:prstDash val="solid"/>
+            <a:round/>
+            <a:headEnd type="none" w="med" len="med"/>
+            <a:tailEnd type="none" w="med" len="med"/>
+          </a:ln>
+        </p:spPr>
+        <p:style>
+          <a:lnRef idx="0">
+            <a:scrgbClr r="0" g="0" b="0"/>
+          </a:lnRef>
+          <a:fillRef idx="0">
+            <a:scrgbClr r="0" g="0" b="0"/>
+          </a:fillRef>
+          <a:effectRef idx="0">
+            <a:scrgbClr r="0" g="0" b="0"/>
+          </a:effectRef>
+          <a:fontRef idx="minor">
+            <a:schemeClr val="accent1"/>
+          </a:fontRef>
+        </p:style>
+        <p:txBody>
+          <a:bodyPr lIns="0" tIns="0" rIns="0" bIns="0" rtlCol="0" anchor="ctr"/>
+          <a:lstStyle/>
+          <a:p>
+            <a:pPr algn="ctr"/>
+            <a:r>
+              <a:rPr lang="en-US">
+                <a:solidFill>
+                  <a:schemeClr val="tx1"/>
+                </a:solidFill>
+              </a:rPr>
+              <a:t>5</a:t>
+            </a:r>
+          </a:p>
+        </p:txBody>
+      </p:sp>
+      <p:sp>
+        <p:nvSpPr>
+          <p:cNvPr id="28" name="Oval 27">
+            <a:extLst>
+              <a:ext uri="{FF2B5EF4-FFF2-40B4-BE49-F238E27FC236}">
+                <a16:creationId xmlns:a16="http://schemas.microsoft.com/office/drawing/2014/main" id="{C384411D-B0C4-0085-4BB2-D27F9E577237}"/>
+              </a:ext>
+            </a:extLst>
+          </p:cNvPr>
+          <p:cNvSpPr/>
+          <p:nvPr/>
+        </p:nvSpPr>
+        <p:spPr>
+          <a:xfrm>
+            <a:off x="2115112" y="3801105"/>
+            <a:ext cx="914400" cy="914400"/>
+          </a:xfrm>
+          <a:prstGeom prst="ellipse">
+            <a:avLst/>
+          </a:prstGeom>
+          <a:noFill/>
+          <a:ln w="28575" cap="flat" cmpd="sng" algn="ctr">
+            <a:solidFill>
+              <a:schemeClr val="accent1"/>
+            </a:solidFill>
+            <a:prstDash val="solid"/>
+            <a:round/>
+            <a:headEnd type="none" w="med" len="med"/>
+            <a:tailEnd type="none" w="med" len="med"/>
+          </a:ln>
+        </p:spPr>
+        <p:style>
+          <a:lnRef idx="0">
+            <a:scrgbClr r="0" g="0" b="0"/>
+          </a:lnRef>
+          <a:fillRef idx="0">
+            <a:scrgbClr r="0" g="0" b="0"/>
+          </a:fillRef>
+          <a:effectRef idx="0">
+            <a:scrgbClr r="0" g="0" b="0"/>
+          </a:effectRef>
+          <a:fontRef idx="minor">
+            <a:schemeClr val="accent1"/>
+          </a:fontRef>
+        </p:style>
+        <p:txBody>
+          <a:bodyPr lIns="0" tIns="0" rIns="0" bIns="0" rtlCol="0" anchor="ctr"/>
+          <a:lstStyle/>
+          <a:p>
+            <a:pPr algn="ctr"/>
+            <a:r>
+              <a:rPr lang="en-US">
+                <a:solidFill>
+                  <a:schemeClr val="tx1"/>
+                </a:solidFill>
+              </a:rPr>
+              <a:t>4</a:t>
+            </a:r>
+          </a:p>
+        </p:txBody>
+      </p:sp>
+      <p:sp>
+        <p:nvSpPr>
+          <p:cNvPr id="29" name="Oval 28">
+            <a:extLst>
+              <a:ext uri="{FF2B5EF4-FFF2-40B4-BE49-F238E27FC236}">
+                <a16:creationId xmlns:a16="http://schemas.microsoft.com/office/drawing/2014/main" id="{636973AF-151D-0786-8DB0-C2447BFF352E}"/>
+              </a:ext>
+            </a:extLst>
+          </p:cNvPr>
+          <p:cNvSpPr/>
+          <p:nvPr/>
+        </p:nvSpPr>
+        <p:spPr>
+          <a:xfrm>
+            <a:off x="3943912" y="3790308"/>
+            <a:ext cx="914400" cy="914400"/>
+          </a:xfrm>
+          <a:prstGeom prst="ellipse">
+            <a:avLst/>
+          </a:prstGeom>
+          <a:noFill/>
+          <a:ln w="28575" cap="flat" cmpd="sng" algn="ctr">
+            <a:solidFill>
+              <a:schemeClr val="accent1"/>
+            </a:solidFill>
+            <a:prstDash val="solid"/>
+            <a:round/>
+            <a:headEnd type="none" w="med" len="med"/>
+            <a:tailEnd type="none" w="med" len="med"/>
+          </a:ln>
+        </p:spPr>
+        <p:style>
+          <a:lnRef idx="0">
+            <a:scrgbClr r="0" g="0" b="0"/>
+          </a:lnRef>
+          <a:fillRef idx="0">
+            <a:scrgbClr r="0" g="0" b="0"/>
+          </a:fillRef>
+          <a:effectRef idx="0">
+            <a:scrgbClr r="0" g="0" b="0"/>
+          </a:effectRef>
+          <a:fontRef idx="minor">
+            <a:schemeClr val="accent1"/>
+          </a:fontRef>
+        </p:style>
+        <p:txBody>
+          <a:bodyPr lIns="0" tIns="0" rIns="0" bIns="0" rtlCol="0" anchor="ctr"/>
+          <a:lstStyle/>
+          <a:p>
+            <a:pPr algn="ctr"/>
+            <a:r>
+              <a:rPr lang="en-US">
+                <a:solidFill>
+                  <a:schemeClr val="tx1"/>
+                </a:solidFill>
+              </a:rPr>
+              <a:t>6</a:t>
+            </a:r>
+          </a:p>
+        </p:txBody>
+      </p:sp>
+      <p:cxnSp>
+        <p:nvCxnSpPr>
+          <p:cNvPr id="30" name="Straight Arrow Connector 29">
+            <a:extLst>
+              <a:ext uri="{FF2B5EF4-FFF2-40B4-BE49-F238E27FC236}">
+                <a16:creationId xmlns:a16="http://schemas.microsoft.com/office/drawing/2014/main" id="{5064DC6C-B518-D389-0C35-85AB4A32DE2C}"/>
+              </a:ext>
+            </a:extLst>
+          </p:cNvPr>
+          <p:cNvCxnSpPr>
+            <a:cxnSpLocks/>
+            <a:stCxn id="24" idx="3"/>
+            <a:endCxn id="26" idx="7"/>
+          </p:cNvCxnSpPr>
+          <p:nvPr/>
+        </p:nvCxnSpPr>
+        <p:spPr>
+          <a:xfrm flipH="1">
+            <a:off x="1066801" y="3677800"/>
+            <a:ext cx="267822" cy="246610"/>
+          </a:xfrm>
+          <a:prstGeom prst="straightConnector1">
+            <a:avLst/>
+          </a:prstGeom>
+          <a:ln w="28575">
+            <a:solidFill>
+              <a:schemeClr val="accent4"/>
+            </a:solidFill>
+            <a:tailEnd type="triangle"/>
+          </a:ln>
+        </p:spPr>
+        <p:style>
+          <a:lnRef idx="2">
+            <a:schemeClr val="accent1"/>
+          </a:lnRef>
+          <a:fillRef idx="0">
+            <a:schemeClr val="accent1"/>
+          </a:fillRef>
+          <a:effectRef idx="1">
+            <a:schemeClr val="accent1"/>
+          </a:effectRef>
+          <a:fontRef idx="minor">
+            <a:schemeClr val="tx1"/>
+          </a:fontRef>
+        </p:style>
+      </p:cxnSp>
+      <p:cxnSp>
+        <p:nvCxnSpPr>
+          <p:cNvPr id="33" name="Straight Arrow Connector 32">
+            <a:extLst>
+              <a:ext uri="{FF2B5EF4-FFF2-40B4-BE49-F238E27FC236}">
+                <a16:creationId xmlns:a16="http://schemas.microsoft.com/office/drawing/2014/main" id="{ED2C47BA-0C7D-5921-6E8A-D972E70E9FBA}"/>
+              </a:ext>
+            </a:extLst>
+          </p:cNvPr>
+          <p:cNvCxnSpPr>
+            <a:cxnSpLocks/>
+            <a:stCxn id="25" idx="3"/>
+            <a:endCxn id="24" idx="7"/>
+          </p:cNvCxnSpPr>
+          <p:nvPr/>
+        </p:nvCxnSpPr>
+        <p:spPr>
+          <a:xfrm flipH="1">
+            <a:off x="1981201" y="2766028"/>
+            <a:ext cx="267822" cy="265194"/>
+          </a:xfrm>
+          <a:prstGeom prst="straightConnector1">
+            <a:avLst/>
+          </a:prstGeom>
+          <a:ln w="28575">
+            <a:solidFill>
+              <a:schemeClr val="accent4"/>
+            </a:solidFill>
+            <a:tailEnd type="triangle"/>
+          </a:ln>
+        </p:spPr>
+        <p:style>
+          <a:lnRef idx="2">
+            <a:schemeClr val="accent1"/>
+          </a:lnRef>
+          <a:fillRef idx="0">
+            <a:schemeClr val="accent1"/>
+          </a:fillRef>
+          <a:effectRef idx="1">
+            <a:schemeClr val="accent1"/>
+          </a:effectRef>
+          <a:fontRef idx="minor">
+            <a:schemeClr val="tx1"/>
+          </a:fontRef>
+        </p:style>
+      </p:cxnSp>
+      <p:cxnSp>
+        <p:nvCxnSpPr>
+          <p:cNvPr id="37" name="Straight Arrow Connector 36">
+            <a:extLst>
+              <a:ext uri="{FF2B5EF4-FFF2-40B4-BE49-F238E27FC236}">
+                <a16:creationId xmlns:a16="http://schemas.microsoft.com/office/drawing/2014/main" id="{4CC794E8-71CA-245F-352C-FB3FB9240FAA}"/>
+              </a:ext>
+            </a:extLst>
+          </p:cNvPr>
+          <p:cNvCxnSpPr>
+            <a:cxnSpLocks/>
+            <a:stCxn id="25" idx="5"/>
+            <a:endCxn id="27" idx="1"/>
+          </p:cNvCxnSpPr>
+          <p:nvPr/>
+        </p:nvCxnSpPr>
+        <p:spPr>
+          <a:xfrm>
+            <a:off x="2895601" y="2766028"/>
+            <a:ext cx="267822" cy="267822"/>
+          </a:xfrm>
+          <a:prstGeom prst="straightConnector1">
+            <a:avLst/>
+          </a:prstGeom>
+          <a:ln w="28575">
+            <a:solidFill>
+              <a:schemeClr val="accent4"/>
+            </a:solidFill>
+            <a:tailEnd type="triangle"/>
+          </a:ln>
+        </p:spPr>
+        <p:style>
+          <a:lnRef idx="2">
+            <a:schemeClr val="accent1"/>
+          </a:lnRef>
+          <a:fillRef idx="0">
+            <a:schemeClr val="accent1"/>
+          </a:fillRef>
+          <a:effectRef idx="1">
+            <a:schemeClr val="accent1"/>
+          </a:effectRef>
+          <a:fontRef idx="minor">
+            <a:schemeClr val="tx1"/>
+          </a:fontRef>
+        </p:style>
+      </p:cxnSp>
+      <p:cxnSp>
+        <p:nvCxnSpPr>
+          <p:cNvPr id="40" name="Straight Arrow Connector 39">
+            <a:extLst>
+              <a:ext uri="{FF2B5EF4-FFF2-40B4-BE49-F238E27FC236}">
+                <a16:creationId xmlns:a16="http://schemas.microsoft.com/office/drawing/2014/main" id="{BD321CEA-4F87-0790-D250-0E5A499F1505}"/>
+              </a:ext>
+            </a:extLst>
+          </p:cNvPr>
+          <p:cNvCxnSpPr>
+            <a:cxnSpLocks/>
+            <a:stCxn id="27" idx="3"/>
+            <a:endCxn id="28" idx="7"/>
+          </p:cNvCxnSpPr>
+          <p:nvPr/>
+        </p:nvCxnSpPr>
+        <p:spPr>
+          <a:xfrm flipH="1">
+            <a:off x="2895601" y="3680428"/>
+            <a:ext cx="267822" cy="254588"/>
+          </a:xfrm>
+          <a:prstGeom prst="straightConnector1">
+            <a:avLst/>
+          </a:prstGeom>
+          <a:ln w="28575">
+            <a:solidFill>
+              <a:schemeClr val="accent4"/>
+            </a:solidFill>
+            <a:tailEnd type="triangle"/>
+          </a:ln>
+        </p:spPr>
+        <p:style>
+          <a:lnRef idx="2">
+            <a:schemeClr val="accent1"/>
+          </a:lnRef>
+          <a:fillRef idx="0">
+            <a:schemeClr val="accent1"/>
+          </a:fillRef>
+          <a:effectRef idx="1">
+            <a:schemeClr val="accent1"/>
+          </a:effectRef>
+          <a:fontRef idx="minor">
+            <a:schemeClr val="tx1"/>
+          </a:fontRef>
+        </p:style>
+      </p:cxnSp>
+      <p:cxnSp>
+        <p:nvCxnSpPr>
+          <p:cNvPr id="43" name="Straight Arrow Connector 42">
+            <a:extLst>
+              <a:ext uri="{FF2B5EF4-FFF2-40B4-BE49-F238E27FC236}">
+                <a16:creationId xmlns:a16="http://schemas.microsoft.com/office/drawing/2014/main" id="{C0D62450-59A0-AAC1-2B74-676F3CBC6824}"/>
+              </a:ext>
+            </a:extLst>
+          </p:cNvPr>
+          <p:cNvCxnSpPr>
+            <a:cxnSpLocks/>
+            <a:stCxn id="27" idx="5"/>
+            <a:endCxn id="29" idx="1"/>
+          </p:cNvCxnSpPr>
+          <p:nvPr/>
+        </p:nvCxnSpPr>
+        <p:spPr>
+          <a:xfrm>
+            <a:off x="3810001" y="3680428"/>
+            <a:ext cx="267822" cy="243791"/>
+          </a:xfrm>
+          <a:prstGeom prst="straightConnector1">
+            <a:avLst/>
+          </a:prstGeom>
+          <a:ln w="28575">
+            <a:solidFill>
+              <a:schemeClr val="accent4"/>
+            </a:solidFill>
+            <a:tailEnd type="triangle"/>
+          </a:ln>
+        </p:spPr>
+        <p:style>
+          <a:lnRef idx="2">
+            <a:schemeClr val="accent1"/>
+          </a:lnRef>
+          <a:fillRef idx="0">
+            <a:schemeClr val="accent1"/>
+          </a:fillRef>
+          <a:effectRef idx="1">
+            <a:schemeClr val="accent1"/>
+          </a:effectRef>
+          <a:fontRef idx="minor">
+            <a:schemeClr val="tx1"/>
+          </a:fontRef>
+        </p:style>
+      </p:cxnSp>
+      <p:sp>
+        <p:nvSpPr>
+          <p:cNvPr id="61" name="Oval 60">
+            <a:extLst>
+              <a:ext uri="{FF2B5EF4-FFF2-40B4-BE49-F238E27FC236}">
+                <a16:creationId xmlns:a16="http://schemas.microsoft.com/office/drawing/2014/main" id="{6FB32412-5AA3-9BA5-CAA1-37E327C9E615}"/>
+              </a:ext>
+            </a:extLst>
+          </p:cNvPr>
+          <p:cNvSpPr/>
+          <p:nvPr/>
+        </p:nvSpPr>
+        <p:spPr>
+          <a:xfrm>
+            <a:off x="6342993" y="1563702"/>
+            <a:ext cx="914400" cy="914400"/>
+          </a:xfrm>
+          <a:prstGeom prst="ellipse">
+            <a:avLst/>
+          </a:prstGeom>
+          <a:noFill/>
+          <a:ln w="28575" cap="flat" cmpd="sng" algn="ctr">
+            <a:solidFill>
+              <a:schemeClr val="accent1"/>
+            </a:solidFill>
+            <a:prstDash val="solid"/>
+            <a:round/>
+            <a:headEnd type="none" w="med" len="med"/>
+            <a:tailEnd type="none" w="med" len="med"/>
+          </a:ln>
+        </p:spPr>
+        <p:style>
+          <a:lnRef idx="0">
+            <a:scrgbClr r="0" g="0" b="0"/>
+          </a:lnRef>
+          <a:fillRef idx="0">
+            <a:scrgbClr r="0" g="0" b="0"/>
+          </a:fillRef>
+          <a:effectRef idx="0">
+            <a:scrgbClr r="0" g="0" b="0"/>
+          </a:effectRef>
+          <a:fontRef idx="minor">
+            <a:schemeClr val="accent1"/>
+          </a:fontRef>
+        </p:style>
+        <p:txBody>
+          <a:bodyPr lIns="0" tIns="0" rIns="0" bIns="0" rtlCol="0" anchor="ctr"/>
+          <a:lstStyle/>
+          <a:p>
+            <a:pPr algn="ctr"/>
+            <a:r>
+              <a:rPr lang="en-US">
+                <a:solidFill>
+                  <a:schemeClr val="tx1"/>
+                </a:solidFill>
+              </a:rPr>
+              <a:t>2</a:t>
+            </a:r>
+          </a:p>
+        </p:txBody>
+      </p:sp>
+      <p:sp>
+        <p:nvSpPr>
+          <p:cNvPr id="62" name="Oval 61">
+            <a:extLst>
+              <a:ext uri="{FF2B5EF4-FFF2-40B4-BE49-F238E27FC236}">
+                <a16:creationId xmlns:a16="http://schemas.microsoft.com/office/drawing/2014/main" id="{60E4265D-598F-B63B-0CDC-07DAD6337071}"/>
+              </a:ext>
+            </a:extLst>
+          </p:cNvPr>
+          <p:cNvSpPr/>
+          <p:nvPr/>
+        </p:nvSpPr>
+        <p:spPr>
+          <a:xfrm>
+            <a:off x="7257393" y="2475571"/>
+            <a:ext cx="914400" cy="914400"/>
+          </a:xfrm>
+          <a:prstGeom prst="ellipse">
+            <a:avLst/>
+          </a:prstGeom>
+          <a:noFill/>
+          <a:ln w="28575" cap="flat" cmpd="sng" algn="ctr">
+            <a:solidFill>
+              <a:schemeClr val="accent1"/>
+            </a:solidFill>
+            <a:prstDash val="solid"/>
+            <a:round/>
+            <a:headEnd type="none" w="med" len="med"/>
+            <a:tailEnd type="none" w="med" len="med"/>
+          </a:ln>
+        </p:spPr>
+        <p:style>
+          <a:lnRef idx="0">
+            <a:scrgbClr r="0" g="0" b="0"/>
+          </a:lnRef>
+          <a:fillRef idx="0">
+            <a:scrgbClr r="0" g="0" b="0"/>
+          </a:fillRef>
+          <a:effectRef idx="0">
+            <a:scrgbClr r="0" g="0" b="0"/>
+          </a:effectRef>
+          <a:fontRef idx="minor">
+            <a:schemeClr val="accent1"/>
+          </a:fontRef>
+        </p:style>
+        <p:txBody>
+          <a:bodyPr lIns="0" tIns="0" rIns="0" bIns="0" rtlCol="0" anchor="ctr"/>
+          <a:lstStyle/>
+          <a:p>
+            <a:pPr algn="ctr"/>
+            <a:r>
+              <a:rPr lang="en-US">
+                <a:solidFill>
+                  <a:schemeClr val="tx1"/>
+                </a:solidFill>
+              </a:rPr>
+              <a:t>3</a:t>
+            </a:r>
+          </a:p>
+        </p:txBody>
+      </p:sp>
+      <p:sp>
+        <p:nvSpPr>
+          <p:cNvPr id="63" name="Oval 62">
+            <a:extLst>
+              <a:ext uri="{FF2B5EF4-FFF2-40B4-BE49-F238E27FC236}">
+                <a16:creationId xmlns:a16="http://schemas.microsoft.com/office/drawing/2014/main" id="{FE1F44F9-86E0-F7B2-7922-D31BAA28450F}"/>
+              </a:ext>
+            </a:extLst>
+          </p:cNvPr>
+          <p:cNvSpPr/>
+          <p:nvPr/>
+        </p:nvSpPr>
+        <p:spPr>
+          <a:xfrm>
+            <a:off x="5428593" y="649302"/>
+            <a:ext cx="914400" cy="914400"/>
+          </a:xfrm>
+          <a:prstGeom prst="ellipse">
+            <a:avLst/>
+          </a:prstGeom>
+          <a:noFill/>
+          <a:ln w="28575" cap="flat" cmpd="sng" algn="ctr">
+            <a:solidFill>
+              <a:schemeClr val="accent1"/>
+            </a:solidFill>
+            <a:prstDash val="solid"/>
+            <a:round/>
+            <a:headEnd type="none" w="med" len="med"/>
+            <a:tailEnd type="none" w="med" len="med"/>
+          </a:ln>
+        </p:spPr>
+        <p:style>
+          <a:lnRef idx="0">
+            <a:scrgbClr r="0" g="0" b="0"/>
+          </a:lnRef>
+          <a:fillRef idx="0">
+            <a:scrgbClr r="0" g="0" b="0"/>
+          </a:fillRef>
+          <a:effectRef idx="0">
+            <a:scrgbClr r="0" g="0" b="0"/>
+          </a:effectRef>
+          <a:fontRef idx="minor">
+            <a:schemeClr val="accent1"/>
+          </a:fontRef>
+        </p:style>
+        <p:txBody>
+          <a:bodyPr lIns="0" tIns="0" rIns="0" bIns="0" rtlCol="0" anchor="ctr"/>
+          <a:lstStyle/>
+          <a:p>
+            <a:pPr algn="ctr"/>
+            <a:r>
+              <a:rPr lang="en-US">
+                <a:solidFill>
+                  <a:schemeClr val="tx1"/>
+                </a:solidFill>
+              </a:rPr>
+              <a:t>1</a:t>
+            </a:r>
+          </a:p>
+        </p:txBody>
+      </p:sp>
+      <p:sp>
+        <p:nvSpPr>
+          <p:cNvPr id="64" name="Oval 63">
+            <a:extLst>
+              <a:ext uri="{FF2B5EF4-FFF2-40B4-BE49-F238E27FC236}">
+                <a16:creationId xmlns:a16="http://schemas.microsoft.com/office/drawing/2014/main" id="{0E3BA192-E2E6-AEF3-0EEB-9E18F2500EAA}"/>
+              </a:ext>
+            </a:extLst>
+          </p:cNvPr>
+          <p:cNvSpPr/>
+          <p:nvPr/>
+        </p:nvSpPr>
+        <p:spPr>
+          <a:xfrm>
+            <a:off x="9086193" y="4305602"/>
+            <a:ext cx="914400" cy="914400"/>
+          </a:xfrm>
+          <a:prstGeom prst="ellipse">
+            <a:avLst/>
+          </a:prstGeom>
+          <a:noFill/>
+          <a:ln w="28575" cap="flat" cmpd="sng" algn="ctr">
+            <a:solidFill>
+              <a:schemeClr val="accent1"/>
+            </a:solidFill>
+            <a:prstDash val="solid"/>
+            <a:round/>
+            <a:headEnd type="none" w="med" len="med"/>
+            <a:tailEnd type="none" w="med" len="med"/>
+          </a:ln>
+        </p:spPr>
+        <p:style>
+          <a:lnRef idx="0">
+            <a:scrgbClr r="0" g="0" b="0"/>
+          </a:lnRef>
+          <a:fillRef idx="0">
+            <a:scrgbClr r="0" g="0" b="0"/>
+          </a:fillRef>
+          <a:effectRef idx="0">
+            <a:scrgbClr r="0" g="0" b="0"/>
+          </a:effectRef>
+          <a:fontRef idx="minor">
+            <a:schemeClr val="accent1"/>
+          </a:fontRef>
+        </p:style>
+        <p:txBody>
+          <a:bodyPr lIns="0" tIns="0" rIns="0" bIns="0" rtlCol="0" anchor="ctr"/>
+          <a:lstStyle/>
+          <a:p>
+            <a:pPr algn="ctr"/>
+            <a:r>
+              <a:rPr lang="en-US">
+                <a:solidFill>
+                  <a:schemeClr val="tx1"/>
+                </a:solidFill>
+              </a:rPr>
+              <a:t>5</a:t>
+            </a:r>
+          </a:p>
+        </p:txBody>
+      </p:sp>
+      <p:sp>
+        <p:nvSpPr>
+          <p:cNvPr id="65" name="Oval 64">
+            <a:extLst>
+              <a:ext uri="{FF2B5EF4-FFF2-40B4-BE49-F238E27FC236}">
+                <a16:creationId xmlns:a16="http://schemas.microsoft.com/office/drawing/2014/main" id="{76DE9586-BA5B-4BBA-740A-442B298D1681}"/>
+              </a:ext>
+            </a:extLst>
+          </p:cNvPr>
+          <p:cNvSpPr/>
+          <p:nvPr/>
+        </p:nvSpPr>
+        <p:spPr>
+          <a:xfrm>
+            <a:off x="8171793" y="3389971"/>
+            <a:ext cx="914400" cy="914400"/>
+          </a:xfrm>
+          <a:prstGeom prst="ellipse">
+            <a:avLst/>
+          </a:prstGeom>
+          <a:noFill/>
+          <a:ln w="28575" cap="flat" cmpd="sng" algn="ctr">
+            <a:solidFill>
+              <a:schemeClr val="accent1"/>
+            </a:solidFill>
+            <a:prstDash val="solid"/>
+            <a:round/>
+            <a:headEnd type="none" w="med" len="med"/>
+            <a:tailEnd type="none" w="med" len="med"/>
+          </a:ln>
+        </p:spPr>
+        <p:style>
+          <a:lnRef idx="0">
+            <a:scrgbClr r="0" g="0" b="0"/>
+          </a:lnRef>
+          <a:fillRef idx="0">
+            <a:scrgbClr r="0" g="0" b="0"/>
+          </a:fillRef>
+          <a:effectRef idx="0">
+            <a:scrgbClr r="0" g="0" b="0"/>
+          </a:effectRef>
+          <a:fontRef idx="minor">
+            <a:schemeClr val="accent1"/>
+          </a:fontRef>
+        </p:style>
+        <p:txBody>
+          <a:bodyPr lIns="0" tIns="0" rIns="0" bIns="0" rtlCol="0" anchor="ctr"/>
+          <a:lstStyle/>
+          <a:p>
+            <a:pPr algn="ctr"/>
+            <a:r>
+              <a:rPr lang="en-US">
+                <a:solidFill>
+                  <a:schemeClr val="tx1"/>
+                </a:solidFill>
+              </a:rPr>
+              <a:t>4</a:t>
+            </a:r>
+          </a:p>
+        </p:txBody>
+      </p:sp>
+      <p:sp>
+        <p:nvSpPr>
+          <p:cNvPr id="66" name="Oval 65">
+            <a:extLst>
+              <a:ext uri="{FF2B5EF4-FFF2-40B4-BE49-F238E27FC236}">
+                <a16:creationId xmlns:a16="http://schemas.microsoft.com/office/drawing/2014/main" id="{A4A52030-8442-9B9B-B0D1-D73BA02DE0EC}"/>
+              </a:ext>
+            </a:extLst>
+          </p:cNvPr>
+          <p:cNvSpPr/>
+          <p:nvPr/>
+        </p:nvSpPr>
+        <p:spPr>
+          <a:xfrm>
+            <a:off x="10000593" y="5221233"/>
+            <a:ext cx="914400" cy="914400"/>
+          </a:xfrm>
+          <a:prstGeom prst="ellipse">
+            <a:avLst/>
+          </a:prstGeom>
+          <a:noFill/>
+          <a:ln w="28575" cap="flat" cmpd="sng" algn="ctr">
+            <a:solidFill>
+              <a:schemeClr val="accent1"/>
+            </a:solidFill>
+            <a:prstDash val="solid"/>
+            <a:round/>
+            <a:headEnd type="none" w="med" len="med"/>
+            <a:tailEnd type="none" w="med" len="med"/>
+          </a:ln>
+        </p:spPr>
+        <p:style>
+          <a:lnRef idx="0">
+            <a:scrgbClr r="0" g="0" b="0"/>
+          </a:lnRef>
+          <a:fillRef idx="0">
+            <a:scrgbClr r="0" g="0" b="0"/>
+          </a:fillRef>
+          <a:effectRef idx="0">
+            <a:scrgbClr r="0" g="0" b="0"/>
+          </a:effectRef>
+          <a:fontRef idx="minor">
+            <a:schemeClr val="accent1"/>
+          </a:fontRef>
+        </p:style>
+        <p:txBody>
+          <a:bodyPr lIns="0" tIns="0" rIns="0" bIns="0" rtlCol="0" anchor="ctr"/>
+          <a:lstStyle/>
+          <a:p>
+            <a:pPr algn="ctr"/>
+            <a:r>
+              <a:rPr lang="en-US">
+                <a:solidFill>
+                  <a:schemeClr val="tx1"/>
+                </a:solidFill>
+              </a:rPr>
+              <a:t>6</a:t>
+            </a:r>
+          </a:p>
+        </p:txBody>
+      </p:sp>
+      <p:cxnSp>
+        <p:nvCxnSpPr>
+          <p:cNvPr id="67" name="Straight Arrow Connector 66">
+            <a:extLst>
+              <a:ext uri="{FF2B5EF4-FFF2-40B4-BE49-F238E27FC236}">
+                <a16:creationId xmlns:a16="http://schemas.microsoft.com/office/drawing/2014/main" id="{F60345BA-A99A-CFC4-9FBD-EEBED3740620}"/>
+              </a:ext>
+            </a:extLst>
+          </p:cNvPr>
+          <p:cNvCxnSpPr>
+            <a:cxnSpLocks/>
+            <a:stCxn id="63" idx="5"/>
+            <a:endCxn id="61" idx="1"/>
+          </p:cNvCxnSpPr>
+          <p:nvPr/>
+        </p:nvCxnSpPr>
+        <p:spPr>
+          <a:xfrm>
+            <a:off x="6209082" y="1429791"/>
+            <a:ext cx="267822" cy="267822"/>
+          </a:xfrm>
+          <a:prstGeom prst="straightConnector1">
+            <a:avLst/>
+          </a:prstGeom>
+          <a:ln w="28575">
+            <a:solidFill>
+              <a:schemeClr val="accent4"/>
+            </a:solidFill>
+            <a:tailEnd type="triangle"/>
+          </a:ln>
+        </p:spPr>
+        <p:style>
+          <a:lnRef idx="2">
+            <a:schemeClr val="accent1"/>
+          </a:lnRef>
+          <a:fillRef idx="0">
+            <a:schemeClr val="accent1"/>
+          </a:fillRef>
+          <a:effectRef idx="1">
+            <a:schemeClr val="accent1"/>
+          </a:effectRef>
+          <a:fontRef idx="minor">
+            <a:schemeClr val="tx1"/>
+          </a:fontRef>
+        </p:style>
+      </p:cxnSp>
+      <p:cxnSp>
+        <p:nvCxnSpPr>
+          <p:cNvPr id="68" name="Straight Arrow Connector 67">
+            <a:extLst>
+              <a:ext uri="{FF2B5EF4-FFF2-40B4-BE49-F238E27FC236}">
+                <a16:creationId xmlns:a16="http://schemas.microsoft.com/office/drawing/2014/main" id="{535D6074-76B5-5897-A23A-CE558A138D15}"/>
+              </a:ext>
+            </a:extLst>
+          </p:cNvPr>
+          <p:cNvCxnSpPr>
+            <a:cxnSpLocks/>
+            <a:stCxn id="61" idx="5"/>
+            <a:endCxn id="62" idx="1"/>
+          </p:cNvCxnSpPr>
+          <p:nvPr/>
+        </p:nvCxnSpPr>
+        <p:spPr>
+          <a:xfrm>
+            <a:off x="7123482" y="2344191"/>
+            <a:ext cx="267822" cy="265291"/>
+          </a:xfrm>
+          <a:prstGeom prst="straightConnector1">
+            <a:avLst/>
+          </a:prstGeom>
+          <a:ln w="28575">
+            <a:solidFill>
+              <a:schemeClr val="accent4"/>
+            </a:solidFill>
+            <a:tailEnd type="triangle"/>
+          </a:ln>
+        </p:spPr>
+        <p:style>
+          <a:lnRef idx="2">
+            <a:schemeClr val="accent1"/>
+          </a:lnRef>
+          <a:fillRef idx="0">
+            <a:schemeClr val="accent1"/>
+          </a:fillRef>
+          <a:effectRef idx="1">
+            <a:schemeClr val="accent1"/>
+          </a:effectRef>
+          <a:fontRef idx="minor">
+            <a:schemeClr val="tx1"/>
+          </a:fontRef>
+        </p:style>
+      </p:cxnSp>
+      <p:cxnSp>
+        <p:nvCxnSpPr>
+          <p:cNvPr id="69" name="Straight Arrow Connector 68">
+            <a:extLst>
+              <a:ext uri="{FF2B5EF4-FFF2-40B4-BE49-F238E27FC236}">
+                <a16:creationId xmlns:a16="http://schemas.microsoft.com/office/drawing/2014/main" id="{6AA743B4-B97E-F296-03E2-FFC1B008BF60}"/>
+              </a:ext>
+            </a:extLst>
+          </p:cNvPr>
+          <p:cNvCxnSpPr>
+            <a:cxnSpLocks/>
+            <a:stCxn id="62" idx="5"/>
+            <a:endCxn id="65" idx="1"/>
+          </p:cNvCxnSpPr>
+          <p:nvPr/>
+        </p:nvCxnSpPr>
+        <p:spPr>
+          <a:xfrm>
+            <a:off x="8037882" y="3256060"/>
+            <a:ext cx="267822" cy="267822"/>
+          </a:xfrm>
+          <a:prstGeom prst="straightConnector1">
+            <a:avLst/>
+          </a:prstGeom>
+          <a:ln w="28575">
+            <a:solidFill>
+              <a:schemeClr val="accent4"/>
+            </a:solidFill>
+            <a:tailEnd type="triangle"/>
+          </a:ln>
+        </p:spPr>
+        <p:style>
+          <a:lnRef idx="2">
+            <a:schemeClr val="accent1"/>
+          </a:lnRef>
+          <a:fillRef idx="0">
+            <a:schemeClr val="accent1"/>
+          </a:fillRef>
+          <a:effectRef idx="1">
+            <a:schemeClr val="accent1"/>
+          </a:effectRef>
+          <a:fontRef idx="minor">
+            <a:schemeClr val="tx1"/>
+          </a:fontRef>
+        </p:style>
+      </p:cxnSp>
+      <p:cxnSp>
+        <p:nvCxnSpPr>
+          <p:cNvPr id="70" name="Straight Arrow Connector 69">
+            <a:extLst>
+              <a:ext uri="{FF2B5EF4-FFF2-40B4-BE49-F238E27FC236}">
+                <a16:creationId xmlns:a16="http://schemas.microsoft.com/office/drawing/2014/main" id="{460F3529-A179-91EF-6746-CB7CB7631D55}"/>
+              </a:ext>
+            </a:extLst>
+          </p:cNvPr>
+          <p:cNvCxnSpPr>
+            <a:cxnSpLocks/>
+            <a:stCxn id="65" idx="5"/>
+            <a:endCxn id="64" idx="1"/>
+          </p:cNvCxnSpPr>
+          <p:nvPr/>
+        </p:nvCxnSpPr>
+        <p:spPr>
+          <a:xfrm>
+            <a:off x="8952282" y="4170460"/>
+            <a:ext cx="267822" cy="269053"/>
+          </a:xfrm>
+          <a:prstGeom prst="straightConnector1">
+            <a:avLst/>
+          </a:prstGeom>
+          <a:ln w="28575">
+            <a:solidFill>
+              <a:schemeClr val="accent4"/>
+            </a:solidFill>
+            <a:tailEnd type="triangle"/>
+          </a:ln>
+        </p:spPr>
+        <p:style>
+          <a:lnRef idx="2">
+            <a:schemeClr val="accent1"/>
+          </a:lnRef>
+          <a:fillRef idx="0">
+            <a:schemeClr val="accent1"/>
+          </a:fillRef>
+          <a:effectRef idx="1">
+            <a:schemeClr val="accent1"/>
+          </a:effectRef>
+          <a:fontRef idx="minor">
+            <a:schemeClr val="tx1"/>
+          </a:fontRef>
+        </p:style>
+      </p:cxnSp>
+      <p:cxnSp>
+        <p:nvCxnSpPr>
+          <p:cNvPr id="71" name="Straight Arrow Connector 70">
+            <a:extLst>
+              <a:ext uri="{FF2B5EF4-FFF2-40B4-BE49-F238E27FC236}">
+                <a16:creationId xmlns:a16="http://schemas.microsoft.com/office/drawing/2014/main" id="{59C163B6-D122-C2AC-F7FA-F32736690B47}"/>
+              </a:ext>
+            </a:extLst>
+          </p:cNvPr>
+          <p:cNvCxnSpPr>
+            <a:cxnSpLocks/>
+            <a:stCxn id="64" idx="5"/>
+            <a:endCxn id="66" idx="1"/>
+          </p:cNvCxnSpPr>
+          <p:nvPr/>
+        </p:nvCxnSpPr>
+        <p:spPr>
+          <a:xfrm>
+            <a:off x="9866682" y="5086091"/>
+            <a:ext cx="267822" cy="269053"/>
+          </a:xfrm>
+          <a:prstGeom prst="straightConnector1">
+            <a:avLst/>
+          </a:prstGeom>
+          <a:ln w="28575">
+            <a:solidFill>
+              <a:schemeClr val="accent4"/>
+            </a:solidFill>
+            <a:tailEnd type="triangle"/>
+          </a:ln>
+        </p:spPr>
+        <p:style>
+          <a:lnRef idx="2">
+            <a:schemeClr val="accent1"/>
+          </a:lnRef>
+          <a:fillRef idx="0">
+            <a:schemeClr val="accent1"/>
+          </a:fillRef>
+          <a:effectRef idx="1">
+            <a:schemeClr val="accent1"/>
+          </a:effectRef>
+          <a:fontRef idx="minor">
+            <a:schemeClr val="tx1"/>
+          </a:fontRef>
+        </p:style>
+      </p:cxnSp>
+    </p:spTree>
+    <p:extLst>
+      <p:ext uri="{BB962C8B-B14F-4D97-AF65-F5344CB8AC3E}">
+        <p14:creationId xmlns:p14="http://schemas.microsoft.com/office/powerpoint/2010/main" val="2601304962"/>
       </p:ext>
     </p:extLst>
   </p:cSld>
@@ -9026,7 +11218,7 @@
 </p:sld>
 </file>
 
-<file path=ppt/slides/slide19.xml><?xml version="1.0" encoding="utf-8"?>
+<file path=ppt/slides/slide20.xml><?xml version="1.0" encoding="utf-8"?>
 <p:sld xmlns:a="http://schemas.openxmlformats.org/drawingml/2006/main" xmlns:r="http://schemas.openxmlformats.org/officeDocument/2006/relationships" xmlns:p="http://schemas.openxmlformats.org/presentationml/2006/main">
   <p:cSld>
     <p:spTree>
@@ -9072,7 +11264,7 @@
           <a:p>
             <a:fld id="{7A78D7CD-E273-4158-B1CA-59F0920772DC}" type="slidenum">
               <a:rPr lang="en-US" smtClean="0"/>
-              <a:t>19</a:t>
+              <a:t>20</a:t>
             </a:fld>
             <a:endParaRPr lang="en-US"/>
           </a:p>
@@ -10193,13 +12385,13 @@
   <p:clrMapOvr>
     <a:masterClrMapping/>
   </p:clrMapOvr>
-  <mc:AlternateContent xmlns:mc="http://schemas.openxmlformats.org/markup-compatibility/2006">
-    <mc:Choice xmlns:p159="http://schemas.microsoft.com/office/powerpoint/2015/09/main" Requires="p159">
+  <mc:AlternateContent xmlns:mc="http://schemas.openxmlformats.org/markup-compatibility/2006" xmlns:p159="http://schemas.microsoft.com/office/powerpoint/2015/09/main">
+    <mc:Choice Requires="p159">
       <p:transition>
         <p159:morph option="byObject"/>
       </p:transition>
     </mc:Choice>
-    <mc:Fallback>
+    <mc:Fallback xmlns="">
       <p:transition>
         <p:fade/>
       </p:transition>
@@ -10208,7 +12400,7 @@
 </p:sld>
 </file>
 
-<file path=ppt/slides/slide2.xml><?xml version="1.0" encoding="utf-8"?>
+<file path=ppt/slides/slide21.xml><?xml version="1.0" encoding="utf-8"?>
 <p:sld xmlns:a="http://schemas.openxmlformats.org/drawingml/2006/main" xmlns:r="http://schemas.openxmlformats.org/officeDocument/2006/relationships" xmlns:p="http://schemas.openxmlformats.org/presentationml/2006/main">
   <p:cSld>
     <p:spTree>
@@ -10227,10 +12419,10 @@
       </p:grpSpPr>
       <p:sp>
         <p:nvSpPr>
-          <p:cNvPr id="2" name="Slide Number Placeholder 1">
-            <a:extLst>
-              <a:ext uri="{FF2B5EF4-FFF2-40B4-BE49-F238E27FC236}">
-                <a16:creationId xmlns:a16="http://schemas.microsoft.com/office/drawing/2014/main" id="{D64766B3-38F0-DA31-E434-D64D9ABCA1C3}"/>
+          <p:cNvPr id="4" name="Slide Number Placeholder 3">
+            <a:extLst>
+              <a:ext uri="{FF2B5EF4-FFF2-40B4-BE49-F238E27FC236}">
+                <a16:creationId xmlns:a16="http://schemas.microsoft.com/office/drawing/2014/main" id="{BFDFCAD0-EE01-3819-D73E-BAC2E6CB6AF2}"/>
               </a:ext>
             </a:extLst>
           </p:cNvPr>
@@ -10248,7 +12440,1815 @@
           <a:p>
             <a:fld id="{7A78D7CD-E273-4158-B1CA-59F0920772DC}" type="slidenum">
               <a:rPr lang="en-US" smtClean="0"/>
+              <a:t>21</a:t>
+            </a:fld>
+            <a:endParaRPr lang="en-US"/>
+          </a:p>
+        </p:txBody>
+      </p:sp>
+      <p:sp>
+        <p:nvSpPr>
+          <p:cNvPr id="6" name="Rectangle: Rounded Corners 5">
+            <a:extLst>
+              <a:ext uri="{FF2B5EF4-FFF2-40B4-BE49-F238E27FC236}">
+                <a16:creationId xmlns:a16="http://schemas.microsoft.com/office/drawing/2014/main" id="{77417C01-CF19-24B8-9972-476BA2811962}"/>
+              </a:ext>
+            </a:extLst>
+          </p:cNvPr>
+          <p:cNvSpPr/>
+          <p:nvPr/>
+        </p:nvSpPr>
+        <p:spPr>
+          <a:xfrm>
+            <a:off x="2795752" y="3670608"/>
+            <a:ext cx="914400" cy="914400"/>
+          </a:xfrm>
+          <a:prstGeom prst="roundRect">
+            <a:avLst/>
+          </a:prstGeom>
+          <a:noFill/>
+          <a:ln w="28575" cap="flat" cmpd="sng" algn="ctr">
+            <a:solidFill>
+              <a:schemeClr val="accent1"/>
+            </a:solidFill>
+            <a:prstDash val="solid"/>
+            <a:round/>
+            <a:headEnd type="none" w="med" len="med"/>
+            <a:tailEnd type="none" w="med" len="med"/>
+          </a:ln>
+        </p:spPr>
+        <p:style>
+          <a:lnRef idx="0">
+            <a:scrgbClr r="0" g="0" b="0"/>
+          </a:lnRef>
+          <a:fillRef idx="0">
+            <a:scrgbClr r="0" g="0" b="0"/>
+          </a:fillRef>
+          <a:effectRef idx="0">
+            <a:scrgbClr r="0" g="0" b="0"/>
+          </a:effectRef>
+          <a:fontRef idx="minor">
+            <a:schemeClr val="accent1"/>
+          </a:fontRef>
+        </p:style>
+        <p:txBody>
+          <a:bodyPr lIns="0" tIns="0" rIns="0" bIns="0" rtlCol="0" anchor="ctr"/>
+          <a:lstStyle/>
+          <a:p>
+            <a:pPr algn="ctr"/>
+            <a:r>
+              <a:rPr lang="en-US">
+                <a:solidFill>
+                  <a:schemeClr val="tx1"/>
+                </a:solidFill>
+              </a:rPr>
+              <a:t>Alexa</a:t>
+            </a:r>
+          </a:p>
+        </p:txBody>
+      </p:sp>
+      <p:sp>
+        <p:nvSpPr>
+          <p:cNvPr id="2" name="Rectangle: Rounded Corners 1">
+            <a:extLst>
+              <a:ext uri="{FF2B5EF4-FFF2-40B4-BE49-F238E27FC236}">
+                <a16:creationId xmlns:a16="http://schemas.microsoft.com/office/drawing/2014/main" id="{BBF1FA6E-E30F-3425-0593-D7D013B0DEE9}"/>
+              </a:ext>
+            </a:extLst>
+          </p:cNvPr>
+          <p:cNvSpPr/>
+          <p:nvPr/>
+        </p:nvSpPr>
+        <p:spPr>
+          <a:xfrm>
+            <a:off x="3715407" y="2414751"/>
+            <a:ext cx="914400" cy="914400"/>
+          </a:xfrm>
+          <a:prstGeom prst="roundRect">
+            <a:avLst/>
+          </a:prstGeom>
+          <a:noFill/>
+          <a:ln w="28575" cap="flat" cmpd="sng" algn="ctr">
+            <a:solidFill>
+              <a:schemeClr val="accent1"/>
+            </a:solidFill>
+            <a:prstDash val="solid"/>
+            <a:round/>
+            <a:headEnd type="none" w="med" len="med"/>
+            <a:tailEnd type="none" w="med" len="med"/>
+          </a:ln>
+        </p:spPr>
+        <p:style>
+          <a:lnRef idx="0">
+            <a:scrgbClr r="0" g="0" b="0"/>
+          </a:lnRef>
+          <a:fillRef idx="0">
+            <a:scrgbClr r="0" g="0" b="0"/>
+          </a:fillRef>
+          <a:effectRef idx="0">
+            <a:scrgbClr r="0" g="0" b="0"/>
+          </a:effectRef>
+          <a:fontRef idx="minor">
+            <a:schemeClr val="accent1"/>
+          </a:fontRef>
+        </p:style>
+        <p:txBody>
+          <a:bodyPr lIns="0" tIns="0" rIns="0" bIns="0" rtlCol="0" anchor="ctr"/>
+          <a:lstStyle/>
+          <a:p>
+            <a:pPr algn="ctr"/>
+            <a:r>
+              <a:rPr lang="en-US">
+                <a:solidFill>
+                  <a:schemeClr val="tx1"/>
+                </a:solidFill>
+              </a:rPr>
+              <a:t>Brian</a:t>
+            </a:r>
+          </a:p>
+        </p:txBody>
+      </p:sp>
+      <p:sp>
+        <p:nvSpPr>
+          <p:cNvPr id="3" name="Rectangle: Rounded Corners 2">
+            <a:extLst>
+              <a:ext uri="{FF2B5EF4-FFF2-40B4-BE49-F238E27FC236}">
+                <a16:creationId xmlns:a16="http://schemas.microsoft.com/office/drawing/2014/main" id="{246F60B0-87CF-9B19-DF35-1C7DD89098D7}"/>
+              </a:ext>
+            </a:extLst>
+          </p:cNvPr>
+          <p:cNvSpPr/>
+          <p:nvPr/>
+        </p:nvSpPr>
+        <p:spPr>
+          <a:xfrm>
+            <a:off x="3715407" y="4926465"/>
+            <a:ext cx="914400" cy="914400"/>
+          </a:xfrm>
+          <a:prstGeom prst="roundRect">
+            <a:avLst/>
+          </a:prstGeom>
+          <a:noFill/>
+          <a:ln w="28575" cap="flat" cmpd="sng" algn="ctr">
+            <a:solidFill>
+              <a:schemeClr val="accent1"/>
+            </a:solidFill>
+            <a:prstDash val="solid"/>
+            <a:round/>
+            <a:headEnd type="none" w="med" len="med"/>
+            <a:tailEnd type="none" w="med" len="med"/>
+          </a:ln>
+        </p:spPr>
+        <p:style>
+          <a:lnRef idx="0">
+            <a:scrgbClr r="0" g="0" b="0"/>
+          </a:lnRef>
+          <a:fillRef idx="0">
+            <a:scrgbClr r="0" g="0" b="0"/>
+          </a:fillRef>
+          <a:effectRef idx="0">
+            <a:scrgbClr r="0" g="0" b="0"/>
+          </a:effectRef>
+          <a:fontRef idx="minor">
+            <a:schemeClr val="accent1"/>
+          </a:fontRef>
+        </p:style>
+        <p:txBody>
+          <a:bodyPr lIns="0" tIns="0" rIns="0" bIns="0" rtlCol="0" anchor="ctr"/>
+          <a:lstStyle/>
+          <a:p>
+            <a:pPr algn="ctr"/>
+            <a:r>
+              <a:rPr lang="en-US">
+                <a:solidFill>
+                  <a:schemeClr val="tx1"/>
+                </a:solidFill>
+              </a:rPr>
+              <a:t>Chris</a:t>
+            </a:r>
+          </a:p>
+        </p:txBody>
+      </p:sp>
+      <p:sp>
+        <p:nvSpPr>
+          <p:cNvPr id="16" name="Rectangle: Rounded Corners 15">
+            <a:extLst>
+              <a:ext uri="{FF2B5EF4-FFF2-40B4-BE49-F238E27FC236}">
+                <a16:creationId xmlns:a16="http://schemas.microsoft.com/office/drawing/2014/main" id="{EC144261-5848-C4A3-A5FB-5E409519A6F4}"/>
+              </a:ext>
+            </a:extLst>
+          </p:cNvPr>
+          <p:cNvSpPr/>
+          <p:nvPr/>
+        </p:nvSpPr>
+        <p:spPr>
+          <a:xfrm>
+            <a:off x="4629807" y="3670608"/>
+            <a:ext cx="914400" cy="914400"/>
+          </a:xfrm>
+          <a:prstGeom prst="roundRect">
+            <a:avLst/>
+          </a:prstGeom>
+          <a:noFill/>
+          <a:ln w="28575" cap="flat" cmpd="sng" algn="ctr">
+            <a:solidFill>
+              <a:schemeClr val="accent1"/>
+            </a:solidFill>
+            <a:prstDash val="solid"/>
+            <a:round/>
+            <a:headEnd type="none" w="med" len="med"/>
+            <a:tailEnd type="none" w="med" len="med"/>
+          </a:ln>
+        </p:spPr>
+        <p:style>
+          <a:lnRef idx="0">
+            <a:scrgbClr r="0" g="0" b="0"/>
+          </a:lnRef>
+          <a:fillRef idx="0">
+            <a:scrgbClr r="0" g="0" b="0"/>
+          </a:fillRef>
+          <a:effectRef idx="0">
+            <a:scrgbClr r="0" g="0" b="0"/>
+          </a:effectRef>
+          <a:fontRef idx="minor">
+            <a:schemeClr val="accent1"/>
+          </a:fontRef>
+        </p:style>
+        <p:txBody>
+          <a:bodyPr lIns="0" tIns="0" rIns="0" bIns="0" rtlCol="0" anchor="ctr"/>
+          <a:lstStyle/>
+          <a:p>
+            <a:pPr algn="ctr"/>
+            <a:r>
+              <a:rPr lang="en-US">
+                <a:solidFill>
+                  <a:schemeClr val="tx1"/>
+                </a:solidFill>
+              </a:rPr>
+              <a:t>Danny</a:t>
+            </a:r>
+          </a:p>
+        </p:txBody>
+      </p:sp>
+      <p:sp>
+        <p:nvSpPr>
+          <p:cNvPr id="19" name="Rectangle: Rounded Corners 18">
+            <a:extLst>
+              <a:ext uri="{FF2B5EF4-FFF2-40B4-BE49-F238E27FC236}">
+                <a16:creationId xmlns:a16="http://schemas.microsoft.com/office/drawing/2014/main" id="{9BE4276C-23E3-585B-DF9E-7BEAA0AB731C}"/>
+              </a:ext>
+            </a:extLst>
+          </p:cNvPr>
+          <p:cNvSpPr/>
+          <p:nvPr/>
+        </p:nvSpPr>
+        <p:spPr>
+          <a:xfrm>
+            <a:off x="5544207" y="1169407"/>
+            <a:ext cx="914400" cy="914400"/>
+          </a:xfrm>
+          <a:prstGeom prst="roundRect">
+            <a:avLst/>
+          </a:prstGeom>
+          <a:noFill/>
+          <a:ln w="28575" cap="flat" cmpd="sng" algn="ctr">
+            <a:solidFill>
+              <a:schemeClr val="accent1"/>
+            </a:solidFill>
+            <a:prstDash val="solid"/>
+            <a:round/>
+            <a:headEnd type="none" w="med" len="med"/>
+            <a:tailEnd type="none" w="med" len="med"/>
+          </a:ln>
+        </p:spPr>
+        <p:style>
+          <a:lnRef idx="0">
+            <a:scrgbClr r="0" g="0" b="0"/>
+          </a:lnRef>
+          <a:fillRef idx="0">
+            <a:scrgbClr r="0" g="0" b="0"/>
+          </a:fillRef>
+          <a:effectRef idx="0">
+            <a:scrgbClr r="0" g="0" b="0"/>
+          </a:effectRef>
+          <a:fontRef idx="minor">
+            <a:schemeClr val="accent1"/>
+          </a:fontRef>
+        </p:style>
+        <p:txBody>
+          <a:bodyPr lIns="0" tIns="0" rIns="0" bIns="0" rtlCol="0" anchor="ctr"/>
+          <a:lstStyle/>
+          <a:p>
+            <a:pPr algn="ctr"/>
+            <a:r>
+              <a:rPr lang="en-US">
+                <a:solidFill>
+                  <a:schemeClr val="tx1"/>
+                </a:solidFill>
+              </a:rPr>
+              <a:t>Fred</a:t>
+            </a:r>
+          </a:p>
+        </p:txBody>
+      </p:sp>
+      <p:sp>
+        <p:nvSpPr>
+          <p:cNvPr id="20" name="Rectangle: Rounded Corners 19">
+            <a:extLst>
+              <a:ext uri="{FF2B5EF4-FFF2-40B4-BE49-F238E27FC236}">
+                <a16:creationId xmlns:a16="http://schemas.microsoft.com/office/drawing/2014/main" id="{AFF10BA6-40A5-924C-1F47-DEDDC5956269}"/>
+              </a:ext>
+            </a:extLst>
+          </p:cNvPr>
+          <p:cNvSpPr/>
+          <p:nvPr/>
+        </p:nvSpPr>
+        <p:spPr>
+          <a:xfrm>
+            <a:off x="5544207" y="4926465"/>
+            <a:ext cx="914400" cy="914400"/>
+          </a:xfrm>
+          <a:prstGeom prst="roundRect">
+            <a:avLst/>
+          </a:prstGeom>
+          <a:noFill/>
+          <a:ln w="28575" cap="flat" cmpd="sng" algn="ctr">
+            <a:solidFill>
+              <a:schemeClr val="accent1"/>
+            </a:solidFill>
+            <a:prstDash val="solid"/>
+            <a:round/>
+            <a:headEnd type="none" w="med" len="med"/>
+            <a:tailEnd type="none" w="med" len="med"/>
+          </a:ln>
+        </p:spPr>
+        <p:style>
+          <a:lnRef idx="0">
+            <a:scrgbClr r="0" g="0" b="0"/>
+          </a:lnRef>
+          <a:fillRef idx="0">
+            <a:scrgbClr r="0" g="0" b="0"/>
+          </a:fillRef>
+          <a:effectRef idx="0">
+            <a:scrgbClr r="0" g="0" b="0"/>
+          </a:effectRef>
+          <a:fontRef idx="minor">
+            <a:schemeClr val="accent1"/>
+          </a:fontRef>
+        </p:style>
+        <p:txBody>
+          <a:bodyPr lIns="0" tIns="0" rIns="0" bIns="0" rtlCol="0" anchor="ctr"/>
+          <a:lstStyle/>
+          <a:p>
+            <a:pPr algn="ctr"/>
+            <a:r>
+              <a:rPr lang="en-US">
+                <a:solidFill>
+                  <a:schemeClr val="tx1"/>
+                </a:solidFill>
+              </a:rPr>
+              <a:t>Ellen</a:t>
+            </a:r>
+          </a:p>
+        </p:txBody>
+      </p:sp>
+      <p:sp>
+        <p:nvSpPr>
+          <p:cNvPr id="22" name="Rectangle: Rounded Corners 21">
+            <a:extLst>
+              <a:ext uri="{FF2B5EF4-FFF2-40B4-BE49-F238E27FC236}">
+                <a16:creationId xmlns:a16="http://schemas.microsoft.com/office/drawing/2014/main" id="{C2FD7DC4-4416-28D7-2E0C-8180F7CADAA3}"/>
+              </a:ext>
+            </a:extLst>
+          </p:cNvPr>
+          <p:cNvSpPr/>
+          <p:nvPr/>
+        </p:nvSpPr>
+        <p:spPr>
+          <a:xfrm>
+            <a:off x="6458607" y="3670608"/>
+            <a:ext cx="914400" cy="914400"/>
+          </a:xfrm>
+          <a:prstGeom prst="roundRect">
+            <a:avLst/>
+          </a:prstGeom>
+          <a:noFill/>
+          <a:ln w="28575" cap="flat" cmpd="sng" algn="ctr">
+            <a:solidFill>
+              <a:schemeClr val="accent1"/>
+            </a:solidFill>
+            <a:prstDash val="solid"/>
+            <a:round/>
+            <a:headEnd type="none" w="med" len="med"/>
+            <a:tailEnd type="none" w="med" len="med"/>
+          </a:ln>
+        </p:spPr>
+        <p:style>
+          <a:lnRef idx="0">
+            <a:scrgbClr r="0" g="0" b="0"/>
+          </a:lnRef>
+          <a:fillRef idx="0">
+            <a:scrgbClr r="0" g="0" b="0"/>
+          </a:fillRef>
+          <a:effectRef idx="0">
+            <a:scrgbClr r="0" g="0" b="0"/>
+          </a:effectRef>
+          <a:fontRef idx="minor">
+            <a:schemeClr val="accent1"/>
+          </a:fontRef>
+        </p:style>
+        <p:txBody>
+          <a:bodyPr lIns="0" tIns="0" rIns="0" bIns="0" rtlCol="0" anchor="ctr"/>
+          <a:lstStyle/>
+          <a:p>
+            <a:pPr algn="ctr"/>
+            <a:r>
+              <a:rPr lang="en-US">
+                <a:solidFill>
+                  <a:schemeClr val="tx1"/>
+                </a:solidFill>
+              </a:rPr>
+              <a:t>Gina</a:t>
+            </a:r>
+          </a:p>
+        </p:txBody>
+      </p:sp>
+      <p:sp>
+        <p:nvSpPr>
+          <p:cNvPr id="23" name="Rectangle: Rounded Corners 22">
+            <a:extLst>
+              <a:ext uri="{FF2B5EF4-FFF2-40B4-BE49-F238E27FC236}">
+                <a16:creationId xmlns:a16="http://schemas.microsoft.com/office/drawing/2014/main" id="{5B04AE7F-246B-F4C9-0D47-51D80CFA2BFA}"/>
+              </a:ext>
+            </a:extLst>
+          </p:cNvPr>
+          <p:cNvSpPr/>
+          <p:nvPr/>
+        </p:nvSpPr>
+        <p:spPr>
+          <a:xfrm>
+            <a:off x="7373007" y="2438161"/>
+            <a:ext cx="914400" cy="914400"/>
+          </a:xfrm>
+          <a:prstGeom prst="roundRect">
+            <a:avLst/>
+          </a:prstGeom>
+          <a:noFill/>
+          <a:ln w="28575" cap="flat" cmpd="sng" algn="ctr">
+            <a:solidFill>
+              <a:schemeClr val="accent1"/>
+            </a:solidFill>
+            <a:prstDash val="solid"/>
+            <a:round/>
+            <a:headEnd type="none" w="med" len="med"/>
+            <a:tailEnd type="none" w="med" len="med"/>
+          </a:ln>
+        </p:spPr>
+        <p:style>
+          <a:lnRef idx="0">
+            <a:scrgbClr r="0" g="0" b="0"/>
+          </a:lnRef>
+          <a:fillRef idx="0">
+            <a:scrgbClr r="0" g="0" b="0"/>
+          </a:fillRef>
+          <a:effectRef idx="0">
+            <a:scrgbClr r="0" g="0" b="0"/>
+          </a:effectRef>
+          <a:fontRef idx="minor">
+            <a:schemeClr val="accent1"/>
+          </a:fontRef>
+        </p:style>
+        <p:txBody>
+          <a:bodyPr lIns="0" tIns="0" rIns="0" bIns="0" rtlCol="0" anchor="ctr"/>
+          <a:lstStyle/>
+          <a:p>
+            <a:pPr algn="ctr"/>
+            <a:r>
+              <a:rPr lang="en-US">
+                <a:solidFill>
+                  <a:schemeClr val="tx1"/>
+                </a:solidFill>
+              </a:rPr>
+              <a:t>Helen</a:t>
+            </a:r>
+          </a:p>
+        </p:txBody>
+      </p:sp>
+      <p:sp>
+        <p:nvSpPr>
+          <p:cNvPr id="25" name="Rectangle: Rounded Corners 24">
+            <a:extLst>
+              <a:ext uri="{FF2B5EF4-FFF2-40B4-BE49-F238E27FC236}">
+                <a16:creationId xmlns:a16="http://schemas.microsoft.com/office/drawing/2014/main" id="{555140FD-1F6D-759D-90D9-97A85736C175}"/>
+              </a:ext>
+            </a:extLst>
+          </p:cNvPr>
+          <p:cNvSpPr/>
+          <p:nvPr/>
+        </p:nvSpPr>
+        <p:spPr>
+          <a:xfrm>
+            <a:off x="8290035" y="3670608"/>
+            <a:ext cx="914400" cy="914400"/>
+          </a:xfrm>
+          <a:prstGeom prst="roundRect">
+            <a:avLst/>
+          </a:prstGeom>
+          <a:noFill/>
+          <a:ln w="28575" cap="flat" cmpd="sng" algn="ctr">
+            <a:solidFill>
+              <a:schemeClr val="accent1"/>
+            </a:solidFill>
+            <a:prstDash val="solid"/>
+            <a:round/>
+            <a:headEnd type="none" w="med" len="med"/>
+            <a:tailEnd type="none" w="med" len="med"/>
+          </a:ln>
+        </p:spPr>
+        <p:style>
+          <a:lnRef idx="0">
+            <a:scrgbClr r="0" g="0" b="0"/>
+          </a:lnRef>
+          <a:fillRef idx="0">
+            <a:scrgbClr r="0" g="0" b="0"/>
+          </a:fillRef>
+          <a:effectRef idx="0">
+            <a:scrgbClr r="0" g="0" b="0"/>
+          </a:effectRef>
+          <a:fontRef idx="minor">
+            <a:schemeClr val="accent1"/>
+          </a:fontRef>
+        </p:style>
+        <p:txBody>
+          <a:bodyPr lIns="0" tIns="0" rIns="0" bIns="0" rtlCol="0" anchor="ctr"/>
+          <a:lstStyle/>
+          <a:p>
+            <a:pPr algn="ctr"/>
+            <a:r>
+              <a:rPr lang="en-US">
+                <a:solidFill>
+                  <a:schemeClr val="tx1"/>
+                </a:solidFill>
+              </a:rPr>
+              <a:t>Ian</a:t>
+            </a:r>
+          </a:p>
+        </p:txBody>
+      </p:sp>
+      <p:cxnSp>
+        <p:nvCxnSpPr>
+          <p:cNvPr id="28" name="Connector: Elbow 27">
+            <a:extLst>
+              <a:ext uri="{FF2B5EF4-FFF2-40B4-BE49-F238E27FC236}">
+                <a16:creationId xmlns:a16="http://schemas.microsoft.com/office/drawing/2014/main" id="{19CC08D5-7B3A-0227-5E55-642B7C87D039}"/>
+              </a:ext>
+            </a:extLst>
+          </p:cNvPr>
+          <p:cNvCxnSpPr>
+            <a:stCxn id="19" idx="2"/>
+            <a:endCxn id="2" idx="0"/>
+          </p:cNvCxnSpPr>
+          <p:nvPr/>
+        </p:nvCxnSpPr>
+        <p:spPr>
+          <a:xfrm rot="5400000">
+            <a:off x="4921535" y="1334879"/>
+            <a:ext cx="330944" cy="1828800"/>
+          </a:xfrm>
+          <a:prstGeom prst="bentConnector3">
+            <a:avLst/>
+          </a:prstGeom>
+          <a:ln w="28575">
+            <a:solidFill>
+              <a:schemeClr val="accent4"/>
+            </a:solidFill>
+            <a:tailEnd type="triangle"/>
+          </a:ln>
+        </p:spPr>
+        <p:style>
+          <a:lnRef idx="2">
+            <a:schemeClr val="accent1"/>
+          </a:lnRef>
+          <a:fillRef idx="0">
+            <a:schemeClr val="accent1"/>
+          </a:fillRef>
+          <a:effectRef idx="1">
+            <a:schemeClr val="accent1"/>
+          </a:effectRef>
+          <a:fontRef idx="minor">
+            <a:schemeClr val="tx1"/>
+          </a:fontRef>
+        </p:style>
+      </p:cxnSp>
+      <p:cxnSp>
+        <p:nvCxnSpPr>
+          <p:cNvPr id="32" name="Connector: Elbow 31">
+            <a:extLst>
+              <a:ext uri="{FF2B5EF4-FFF2-40B4-BE49-F238E27FC236}">
+                <a16:creationId xmlns:a16="http://schemas.microsoft.com/office/drawing/2014/main" id="{902B3DF9-5B48-0093-42C9-9968D241FF9A}"/>
+              </a:ext>
+            </a:extLst>
+          </p:cNvPr>
+          <p:cNvCxnSpPr>
+            <a:cxnSpLocks/>
+            <a:stCxn id="19" idx="2"/>
+            <a:endCxn id="23" idx="0"/>
+          </p:cNvCxnSpPr>
+          <p:nvPr/>
+        </p:nvCxnSpPr>
+        <p:spPr>
+          <a:xfrm rot="16200000" flipH="1">
+            <a:off x="6738630" y="1346584"/>
+            <a:ext cx="354354" cy="1828800"/>
+          </a:xfrm>
+          <a:prstGeom prst="bentConnector3">
+            <a:avLst>
+              <a:gd name="adj1" fmla="val 50000"/>
+            </a:avLst>
+          </a:prstGeom>
+          <a:ln w="28575">
+            <a:solidFill>
+              <a:schemeClr val="accent4"/>
+            </a:solidFill>
+            <a:tailEnd type="triangle"/>
+          </a:ln>
+        </p:spPr>
+        <p:style>
+          <a:lnRef idx="2">
+            <a:schemeClr val="accent1"/>
+          </a:lnRef>
+          <a:fillRef idx="0">
+            <a:schemeClr val="accent1"/>
+          </a:fillRef>
+          <a:effectRef idx="1">
+            <a:schemeClr val="accent1"/>
+          </a:effectRef>
+          <a:fontRef idx="minor">
+            <a:schemeClr val="tx1"/>
+          </a:fontRef>
+        </p:style>
+      </p:cxnSp>
+      <p:cxnSp>
+        <p:nvCxnSpPr>
+          <p:cNvPr id="39" name="Connector: Elbow 38">
+            <a:extLst>
+              <a:ext uri="{FF2B5EF4-FFF2-40B4-BE49-F238E27FC236}">
+                <a16:creationId xmlns:a16="http://schemas.microsoft.com/office/drawing/2014/main" id="{3AB7D9AD-3030-9094-8F03-66AC3A627608}"/>
+              </a:ext>
+            </a:extLst>
+          </p:cNvPr>
+          <p:cNvCxnSpPr>
+            <a:cxnSpLocks/>
+            <a:stCxn id="2" idx="2"/>
+            <a:endCxn id="6" idx="0"/>
+          </p:cNvCxnSpPr>
+          <p:nvPr/>
+        </p:nvCxnSpPr>
+        <p:spPr>
+          <a:xfrm rot="5400000">
+            <a:off x="3542052" y="3040052"/>
+            <a:ext cx="341457" cy="919655"/>
+          </a:xfrm>
+          <a:prstGeom prst="bentConnector3">
+            <a:avLst>
+              <a:gd name="adj1" fmla="val 50000"/>
+            </a:avLst>
+          </a:prstGeom>
+          <a:ln w="28575">
+            <a:solidFill>
+              <a:schemeClr val="accent4"/>
+            </a:solidFill>
+            <a:tailEnd type="triangle"/>
+          </a:ln>
+        </p:spPr>
+        <p:style>
+          <a:lnRef idx="2">
+            <a:schemeClr val="accent1"/>
+          </a:lnRef>
+          <a:fillRef idx="0">
+            <a:schemeClr val="accent1"/>
+          </a:fillRef>
+          <a:effectRef idx="1">
+            <a:schemeClr val="accent1"/>
+          </a:effectRef>
+          <a:fontRef idx="minor">
+            <a:schemeClr val="tx1"/>
+          </a:fontRef>
+        </p:style>
+      </p:cxnSp>
+      <p:cxnSp>
+        <p:nvCxnSpPr>
+          <p:cNvPr id="44" name="Connector: Elbow 43">
+            <a:extLst>
+              <a:ext uri="{FF2B5EF4-FFF2-40B4-BE49-F238E27FC236}">
+                <a16:creationId xmlns:a16="http://schemas.microsoft.com/office/drawing/2014/main" id="{4DAB5538-8B6C-9761-BF6E-499535971101}"/>
+              </a:ext>
+            </a:extLst>
+          </p:cNvPr>
+          <p:cNvCxnSpPr>
+            <a:cxnSpLocks/>
+            <a:stCxn id="2" idx="2"/>
+            <a:endCxn id="16" idx="0"/>
+          </p:cNvCxnSpPr>
+          <p:nvPr/>
+        </p:nvCxnSpPr>
+        <p:spPr>
+          <a:xfrm rot="16200000" flipH="1">
+            <a:off x="4459079" y="3042679"/>
+            <a:ext cx="341457" cy="914400"/>
+          </a:xfrm>
+          <a:prstGeom prst="bentConnector3">
+            <a:avLst>
+              <a:gd name="adj1" fmla="val 50000"/>
+            </a:avLst>
+          </a:prstGeom>
+          <a:ln w="28575">
+            <a:solidFill>
+              <a:schemeClr val="accent4"/>
+            </a:solidFill>
+            <a:tailEnd type="triangle"/>
+          </a:ln>
+        </p:spPr>
+        <p:style>
+          <a:lnRef idx="2">
+            <a:schemeClr val="accent1"/>
+          </a:lnRef>
+          <a:fillRef idx="0">
+            <a:schemeClr val="accent1"/>
+          </a:fillRef>
+          <a:effectRef idx="1">
+            <a:schemeClr val="accent1"/>
+          </a:effectRef>
+          <a:fontRef idx="minor">
+            <a:schemeClr val="tx1"/>
+          </a:fontRef>
+        </p:style>
+      </p:cxnSp>
+      <p:cxnSp>
+        <p:nvCxnSpPr>
+          <p:cNvPr id="48" name="Connector: Elbow 47">
+            <a:extLst>
+              <a:ext uri="{FF2B5EF4-FFF2-40B4-BE49-F238E27FC236}">
+                <a16:creationId xmlns:a16="http://schemas.microsoft.com/office/drawing/2014/main" id="{AC2237CB-C6C1-1E80-AB36-C4D86990F192}"/>
+              </a:ext>
+            </a:extLst>
+          </p:cNvPr>
+          <p:cNvCxnSpPr>
+            <a:cxnSpLocks/>
+            <a:stCxn id="16" idx="2"/>
+            <a:endCxn id="3" idx="0"/>
+          </p:cNvCxnSpPr>
+          <p:nvPr/>
+        </p:nvCxnSpPr>
+        <p:spPr>
+          <a:xfrm rot="5400000">
+            <a:off x="4459079" y="4298536"/>
+            <a:ext cx="341457" cy="914400"/>
+          </a:xfrm>
+          <a:prstGeom prst="bentConnector3">
+            <a:avLst>
+              <a:gd name="adj1" fmla="val 50000"/>
+            </a:avLst>
+          </a:prstGeom>
+          <a:ln w="28575">
+            <a:solidFill>
+              <a:schemeClr val="accent4"/>
+            </a:solidFill>
+            <a:tailEnd type="triangle"/>
+          </a:ln>
+        </p:spPr>
+        <p:style>
+          <a:lnRef idx="2">
+            <a:schemeClr val="accent1"/>
+          </a:lnRef>
+          <a:fillRef idx="0">
+            <a:schemeClr val="accent1"/>
+          </a:fillRef>
+          <a:effectRef idx="1">
+            <a:schemeClr val="accent1"/>
+          </a:effectRef>
+          <a:fontRef idx="minor">
+            <a:schemeClr val="tx1"/>
+          </a:fontRef>
+        </p:style>
+      </p:cxnSp>
+      <p:cxnSp>
+        <p:nvCxnSpPr>
+          <p:cNvPr id="52" name="Connector: Elbow 51">
+            <a:extLst>
+              <a:ext uri="{FF2B5EF4-FFF2-40B4-BE49-F238E27FC236}">
+                <a16:creationId xmlns:a16="http://schemas.microsoft.com/office/drawing/2014/main" id="{CC7CC36B-72D5-31C7-00C7-CD5B29DCF593}"/>
+              </a:ext>
+            </a:extLst>
+          </p:cNvPr>
+          <p:cNvCxnSpPr>
+            <a:cxnSpLocks/>
+            <a:stCxn id="16" idx="2"/>
+            <a:endCxn id="20" idx="0"/>
+          </p:cNvCxnSpPr>
+          <p:nvPr/>
+        </p:nvCxnSpPr>
+        <p:spPr>
+          <a:xfrm rot="16200000" flipH="1">
+            <a:off x="5373479" y="4298536"/>
+            <a:ext cx="341457" cy="914400"/>
+          </a:xfrm>
+          <a:prstGeom prst="bentConnector3">
+            <a:avLst>
+              <a:gd name="adj1" fmla="val 50000"/>
+            </a:avLst>
+          </a:prstGeom>
+          <a:ln w="28575">
+            <a:solidFill>
+              <a:schemeClr val="accent4"/>
+            </a:solidFill>
+            <a:tailEnd type="triangle"/>
+          </a:ln>
+        </p:spPr>
+        <p:style>
+          <a:lnRef idx="2">
+            <a:schemeClr val="accent1"/>
+          </a:lnRef>
+          <a:fillRef idx="0">
+            <a:schemeClr val="accent1"/>
+          </a:fillRef>
+          <a:effectRef idx="1">
+            <a:schemeClr val="accent1"/>
+          </a:effectRef>
+          <a:fontRef idx="minor">
+            <a:schemeClr val="tx1"/>
+          </a:fontRef>
+        </p:style>
+      </p:cxnSp>
+      <p:cxnSp>
+        <p:nvCxnSpPr>
+          <p:cNvPr id="59" name="Connector: Elbow 58">
+            <a:extLst>
+              <a:ext uri="{FF2B5EF4-FFF2-40B4-BE49-F238E27FC236}">
+                <a16:creationId xmlns:a16="http://schemas.microsoft.com/office/drawing/2014/main" id="{FC368DF2-DEEE-999A-7FD3-4463456C4D50}"/>
+              </a:ext>
+            </a:extLst>
+          </p:cNvPr>
+          <p:cNvCxnSpPr>
+            <a:cxnSpLocks/>
+            <a:stCxn id="23" idx="2"/>
+            <a:endCxn id="22" idx="0"/>
+          </p:cNvCxnSpPr>
+          <p:nvPr/>
+        </p:nvCxnSpPr>
+        <p:spPr>
+          <a:xfrm rot="5400000">
+            <a:off x="7213984" y="3054384"/>
+            <a:ext cx="318047" cy="914400"/>
+          </a:xfrm>
+          <a:prstGeom prst="bentConnector3">
+            <a:avLst>
+              <a:gd name="adj1" fmla="val 50000"/>
+            </a:avLst>
+          </a:prstGeom>
+          <a:ln w="28575">
+            <a:solidFill>
+              <a:schemeClr val="accent4"/>
+            </a:solidFill>
+            <a:tailEnd type="triangle"/>
+          </a:ln>
+        </p:spPr>
+        <p:style>
+          <a:lnRef idx="2">
+            <a:schemeClr val="accent1"/>
+          </a:lnRef>
+          <a:fillRef idx="0">
+            <a:schemeClr val="accent1"/>
+          </a:fillRef>
+          <a:effectRef idx="1">
+            <a:schemeClr val="accent1"/>
+          </a:effectRef>
+          <a:fontRef idx="minor">
+            <a:schemeClr val="tx1"/>
+          </a:fontRef>
+        </p:style>
+      </p:cxnSp>
+      <p:cxnSp>
+        <p:nvCxnSpPr>
+          <p:cNvPr id="62" name="Connector: Elbow 61">
+            <a:extLst>
+              <a:ext uri="{FF2B5EF4-FFF2-40B4-BE49-F238E27FC236}">
+                <a16:creationId xmlns:a16="http://schemas.microsoft.com/office/drawing/2014/main" id="{D35DD97E-E52A-99CA-CC80-9998E115C584}"/>
+              </a:ext>
+            </a:extLst>
+          </p:cNvPr>
+          <p:cNvCxnSpPr>
+            <a:cxnSpLocks/>
+            <a:stCxn id="23" idx="2"/>
+            <a:endCxn id="25" idx="0"/>
+          </p:cNvCxnSpPr>
+          <p:nvPr/>
+        </p:nvCxnSpPr>
+        <p:spPr>
+          <a:xfrm rot="16200000" flipH="1">
+            <a:off x="8129698" y="3053070"/>
+            <a:ext cx="318047" cy="917028"/>
+          </a:xfrm>
+          <a:prstGeom prst="bentConnector3">
+            <a:avLst>
+              <a:gd name="adj1" fmla="val 50000"/>
+            </a:avLst>
+          </a:prstGeom>
+          <a:ln w="28575">
+            <a:solidFill>
+              <a:schemeClr val="accent4"/>
+            </a:solidFill>
+            <a:tailEnd type="triangle"/>
+          </a:ln>
+        </p:spPr>
+        <p:style>
+          <a:lnRef idx="2">
+            <a:schemeClr val="accent1"/>
+          </a:lnRef>
+          <a:fillRef idx="0">
+            <a:schemeClr val="accent1"/>
+          </a:fillRef>
+          <a:effectRef idx="1">
+            <a:schemeClr val="accent1"/>
+          </a:effectRef>
+          <a:fontRef idx="minor">
+            <a:schemeClr val="tx1"/>
+          </a:fontRef>
+        </p:style>
+      </p:cxnSp>
+    </p:spTree>
+    <p:extLst>
+      <p:ext uri="{BB962C8B-B14F-4D97-AF65-F5344CB8AC3E}">
+        <p14:creationId xmlns:p14="http://schemas.microsoft.com/office/powerpoint/2010/main" val="3574561080"/>
+      </p:ext>
+    </p:extLst>
+  </p:cSld>
+  <p:clrMapOvr>
+    <a:masterClrMapping/>
+  </p:clrMapOvr>
+  <mc:AlternateContent xmlns:mc="http://schemas.openxmlformats.org/markup-compatibility/2006" xmlns:p14="http://schemas.microsoft.com/office/powerpoint/2010/main">
+    <mc:Choice Requires="p14">
+      <p:transition p14:dur="0"/>
+    </mc:Choice>
+    <mc:Fallback xmlns="">
+      <p:transition/>
+    </mc:Fallback>
+  </mc:AlternateContent>
+</p:sld>
+</file>
+
+<file path=ppt/slides/slide22.xml><?xml version="1.0" encoding="utf-8"?>
+<p:sld xmlns:a="http://schemas.openxmlformats.org/drawingml/2006/main" xmlns:r="http://schemas.openxmlformats.org/officeDocument/2006/relationships" xmlns:p="http://schemas.openxmlformats.org/presentationml/2006/main">
+  <p:cSld>
+    <p:spTree>
+      <p:nvGrpSpPr>
+        <p:cNvPr id="1" name="">
+          <a:extLst>
+            <a:ext uri="{FF2B5EF4-FFF2-40B4-BE49-F238E27FC236}">
+              <a16:creationId xmlns:a16="http://schemas.microsoft.com/office/drawing/2014/main" id="{9EC6CB6E-D7F4-8662-8FDD-B4275500BE93}"/>
+            </a:ext>
+          </a:extLst>
+        </p:cNvPr>
+        <p:cNvGrpSpPr/>
+        <p:nvPr/>
+      </p:nvGrpSpPr>
+      <p:grpSpPr>
+        <a:xfrm>
+          <a:off x="0" y="0"/>
+          <a:ext cx="0" cy="0"/>
+          <a:chOff x="0" y="0"/>
+          <a:chExt cx="0" cy="0"/>
+        </a:xfrm>
+      </p:grpSpPr>
+      <p:sp>
+        <p:nvSpPr>
+          <p:cNvPr id="21" name="Slide Number Placeholder 20">
+            <a:extLst>
+              <a:ext uri="{FF2B5EF4-FFF2-40B4-BE49-F238E27FC236}">
+                <a16:creationId xmlns:a16="http://schemas.microsoft.com/office/drawing/2014/main" id="{1E3E17E2-A019-18C9-DCDB-B89319B87AE0}"/>
+              </a:ext>
+            </a:extLst>
+          </p:cNvPr>
+          <p:cNvSpPr>
+            <a:spLocks noGrp="1"/>
+          </p:cNvSpPr>
+          <p:nvPr>
+            <p:ph type="sldNum" sz="quarter" idx="12"/>
+          </p:nvPr>
+        </p:nvSpPr>
+        <p:spPr/>
+        <p:txBody>
+          <a:bodyPr/>
+          <a:lstStyle/>
+          <a:p>
+            <a:fld id="{7A78D7CD-E273-4158-B1CA-59F0920772DC}" type="slidenum">
+              <a:rPr lang="en-US" smtClean="0"/>
+              <a:t>22</a:t>
+            </a:fld>
+            <a:endParaRPr lang="en-US"/>
+          </a:p>
+        </p:txBody>
+      </p:sp>
+      <p:sp>
+        <p:nvSpPr>
+          <p:cNvPr id="52" name="Oval 51">
+            <a:extLst>
+              <a:ext uri="{FF2B5EF4-FFF2-40B4-BE49-F238E27FC236}">
+                <a16:creationId xmlns:a16="http://schemas.microsoft.com/office/drawing/2014/main" id="{DE9B0AF2-5B18-13AC-18C6-FDD429ED71E5}"/>
+              </a:ext>
+            </a:extLst>
+          </p:cNvPr>
+          <p:cNvSpPr/>
+          <p:nvPr/>
+        </p:nvSpPr>
+        <p:spPr>
+          <a:xfrm>
+            <a:off x="5726281" y="1984113"/>
+            <a:ext cx="914400" cy="914400"/>
+          </a:xfrm>
+          <a:prstGeom prst="ellipse">
+            <a:avLst/>
+          </a:prstGeom>
+          <a:noFill/>
+          <a:ln w="28575" cap="flat" cmpd="sng" algn="ctr">
+            <a:solidFill>
+              <a:schemeClr val="accent3"/>
+            </a:solidFill>
+            <a:prstDash val="solid"/>
+            <a:round/>
+            <a:headEnd type="none" w="med" len="med"/>
+            <a:tailEnd type="none" w="med" len="med"/>
+          </a:ln>
+        </p:spPr>
+        <p:style>
+          <a:lnRef idx="0">
+            <a:scrgbClr r="0" g="0" b="0"/>
+          </a:lnRef>
+          <a:fillRef idx="0">
+            <a:scrgbClr r="0" g="0" b="0"/>
+          </a:fillRef>
+          <a:effectRef idx="0">
+            <a:scrgbClr r="0" g="0" b="0"/>
+          </a:effectRef>
+          <a:fontRef idx="minor">
+            <a:schemeClr val="accent1"/>
+          </a:fontRef>
+        </p:style>
+        <p:txBody>
+          <a:bodyPr lIns="0" tIns="0" rIns="0" bIns="0" rtlCol="0" anchor="ctr"/>
+          <a:lstStyle/>
+          <a:p>
+            <a:pPr algn="ctr"/>
+            <a:r>
+              <a:rPr lang="en-US">
+                <a:solidFill>
+                  <a:schemeClr val="tx1"/>
+                </a:solidFill>
+              </a:rPr>
+              <a:t>3</a:t>
+            </a:r>
+          </a:p>
+        </p:txBody>
+      </p:sp>
+      <p:sp>
+        <p:nvSpPr>
+          <p:cNvPr id="53" name="Oval 52">
+            <a:extLst>
+              <a:ext uri="{FF2B5EF4-FFF2-40B4-BE49-F238E27FC236}">
+                <a16:creationId xmlns:a16="http://schemas.microsoft.com/office/drawing/2014/main" id="{F544A22F-2C93-DA0C-6D97-521D04EB4EEB}"/>
+              </a:ext>
+            </a:extLst>
+          </p:cNvPr>
+          <p:cNvSpPr/>
+          <p:nvPr/>
+        </p:nvSpPr>
+        <p:spPr>
+          <a:xfrm>
+            <a:off x="4214514" y="2908642"/>
+            <a:ext cx="914400" cy="914400"/>
+          </a:xfrm>
+          <a:prstGeom prst="ellipse">
+            <a:avLst/>
+          </a:prstGeom>
+          <a:noFill/>
+          <a:ln w="28575" cap="flat" cmpd="sng" algn="ctr">
+            <a:solidFill>
+              <a:schemeClr val="accent1"/>
+            </a:solidFill>
+            <a:prstDash val="solid"/>
+            <a:round/>
+            <a:headEnd type="none" w="med" len="med"/>
+            <a:tailEnd type="none" w="med" len="med"/>
+          </a:ln>
+        </p:spPr>
+        <p:style>
+          <a:lnRef idx="0">
+            <a:scrgbClr r="0" g="0" b="0"/>
+          </a:lnRef>
+          <a:fillRef idx="0">
+            <a:scrgbClr r="0" g="0" b="0"/>
+          </a:fillRef>
+          <a:effectRef idx="0">
+            <a:scrgbClr r="0" g="0" b="0"/>
+          </a:effectRef>
+          <a:fontRef idx="minor">
+            <a:schemeClr val="accent1"/>
+          </a:fontRef>
+        </p:style>
+        <p:txBody>
+          <a:bodyPr lIns="0" tIns="0" rIns="0" bIns="0" rtlCol="0" anchor="ctr"/>
+          <a:lstStyle/>
+          <a:p>
+            <a:pPr algn="ctr"/>
+            <a:r>
+              <a:rPr lang="en-US">
+                <a:solidFill>
+                  <a:schemeClr val="tx1"/>
+                </a:solidFill>
+              </a:rPr>
               <a:t>2</a:t>
+            </a:r>
+          </a:p>
+        </p:txBody>
+      </p:sp>
+      <p:cxnSp>
+        <p:nvCxnSpPr>
+          <p:cNvPr id="54" name="Straight Arrow Connector 53">
+            <a:extLst>
+              <a:ext uri="{FF2B5EF4-FFF2-40B4-BE49-F238E27FC236}">
+                <a16:creationId xmlns:a16="http://schemas.microsoft.com/office/drawing/2014/main" id="{AA72D6A7-6B78-3883-66D3-23BDF4823D04}"/>
+              </a:ext>
+            </a:extLst>
+          </p:cNvPr>
+          <p:cNvCxnSpPr>
+            <a:cxnSpLocks/>
+            <a:stCxn id="52" idx="3"/>
+            <a:endCxn id="53" idx="7"/>
+          </p:cNvCxnSpPr>
+          <p:nvPr/>
+        </p:nvCxnSpPr>
+        <p:spPr>
+          <a:xfrm flipH="1">
+            <a:off x="4995003" y="2764602"/>
+            <a:ext cx="865189" cy="277951"/>
+          </a:xfrm>
+          <a:prstGeom prst="straightConnector1">
+            <a:avLst/>
+          </a:prstGeom>
+          <a:ln w="28575">
+            <a:solidFill>
+              <a:schemeClr val="accent4"/>
+            </a:solidFill>
+            <a:tailEnd type="triangle"/>
+          </a:ln>
+        </p:spPr>
+        <p:style>
+          <a:lnRef idx="2">
+            <a:schemeClr val="accent1"/>
+          </a:lnRef>
+          <a:fillRef idx="0">
+            <a:schemeClr val="accent1"/>
+          </a:fillRef>
+          <a:effectRef idx="1">
+            <a:schemeClr val="accent1"/>
+          </a:effectRef>
+          <a:fontRef idx="minor">
+            <a:schemeClr val="tx1"/>
+          </a:fontRef>
+        </p:style>
+      </p:cxnSp>
+      <p:sp>
+        <p:nvSpPr>
+          <p:cNvPr id="55" name="Oval 54">
+            <a:extLst>
+              <a:ext uri="{FF2B5EF4-FFF2-40B4-BE49-F238E27FC236}">
+                <a16:creationId xmlns:a16="http://schemas.microsoft.com/office/drawing/2014/main" id="{0FC9C3DE-8099-E273-DF43-99C1707F37C6}"/>
+              </a:ext>
+            </a:extLst>
+          </p:cNvPr>
+          <p:cNvSpPr/>
+          <p:nvPr/>
+        </p:nvSpPr>
+        <p:spPr>
+          <a:xfrm>
+            <a:off x="8071944" y="3817977"/>
+            <a:ext cx="914400" cy="914400"/>
+          </a:xfrm>
+          <a:prstGeom prst="ellipse">
+            <a:avLst/>
+          </a:prstGeom>
+          <a:noFill/>
+          <a:ln w="28575" cap="flat" cmpd="sng" algn="ctr">
+            <a:solidFill>
+              <a:schemeClr val="accent1"/>
+            </a:solidFill>
+            <a:prstDash val="solid"/>
+            <a:round/>
+            <a:headEnd type="none" w="med" len="med"/>
+            <a:tailEnd type="none" w="med" len="med"/>
+          </a:ln>
+        </p:spPr>
+        <p:style>
+          <a:lnRef idx="0">
+            <a:scrgbClr r="0" g="0" b="0"/>
+          </a:lnRef>
+          <a:fillRef idx="0">
+            <a:scrgbClr r="0" g="0" b="0"/>
+          </a:fillRef>
+          <a:effectRef idx="0">
+            <a:scrgbClr r="0" g="0" b="0"/>
+          </a:effectRef>
+          <a:fontRef idx="minor">
+            <a:schemeClr val="accent1"/>
+          </a:fontRef>
+        </p:style>
+        <p:txBody>
+          <a:bodyPr lIns="0" tIns="0" rIns="0" bIns="0" rtlCol="0" anchor="ctr"/>
+          <a:lstStyle/>
+          <a:p>
+            <a:pPr algn="ctr"/>
+            <a:r>
+              <a:rPr lang="en-US">
+                <a:solidFill>
+                  <a:schemeClr val="tx1"/>
+                </a:solidFill>
+              </a:rPr>
+              <a:t>7</a:t>
+            </a:r>
+          </a:p>
+        </p:txBody>
+      </p:sp>
+      <p:cxnSp>
+        <p:nvCxnSpPr>
+          <p:cNvPr id="56" name="Straight Arrow Connector 55">
+            <a:extLst>
+              <a:ext uri="{FF2B5EF4-FFF2-40B4-BE49-F238E27FC236}">
+                <a16:creationId xmlns:a16="http://schemas.microsoft.com/office/drawing/2014/main" id="{AFB66557-50F5-BFF9-4B68-5944A4BF18CB}"/>
+              </a:ext>
+            </a:extLst>
+          </p:cNvPr>
+          <p:cNvCxnSpPr>
+            <a:cxnSpLocks/>
+            <a:stCxn id="59" idx="5"/>
+            <a:endCxn id="55" idx="1"/>
+          </p:cNvCxnSpPr>
+          <p:nvPr/>
+        </p:nvCxnSpPr>
+        <p:spPr>
+          <a:xfrm>
+            <a:off x="7938033" y="3684066"/>
+            <a:ext cx="267822" cy="267822"/>
+          </a:xfrm>
+          <a:prstGeom prst="straightConnector1">
+            <a:avLst/>
+          </a:prstGeom>
+          <a:ln w="28575">
+            <a:solidFill>
+              <a:schemeClr val="accent4"/>
+            </a:solidFill>
+            <a:tailEnd type="triangle"/>
+          </a:ln>
+        </p:spPr>
+        <p:style>
+          <a:lnRef idx="2">
+            <a:schemeClr val="accent1"/>
+          </a:lnRef>
+          <a:fillRef idx="0">
+            <a:schemeClr val="accent1"/>
+          </a:fillRef>
+          <a:effectRef idx="1">
+            <a:schemeClr val="accent1"/>
+          </a:effectRef>
+          <a:fontRef idx="minor">
+            <a:schemeClr val="tx1"/>
+          </a:fontRef>
+        </p:style>
+      </p:cxnSp>
+      <p:sp>
+        <p:nvSpPr>
+          <p:cNvPr id="57" name="Oval 56">
+            <a:extLst>
+              <a:ext uri="{FF2B5EF4-FFF2-40B4-BE49-F238E27FC236}">
+                <a16:creationId xmlns:a16="http://schemas.microsoft.com/office/drawing/2014/main" id="{10A41EAF-ADE6-5EBD-D46A-88505352A499}"/>
+              </a:ext>
+            </a:extLst>
+          </p:cNvPr>
+          <p:cNvSpPr/>
+          <p:nvPr/>
+        </p:nvSpPr>
+        <p:spPr>
+          <a:xfrm>
+            <a:off x="6243144" y="3817977"/>
+            <a:ext cx="914400" cy="914400"/>
+          </a:xfrm>
+          <a:prstGeom prst="ellipse">
+            <a:avLst/>
+          </a:prstGeom>
+          <a:noFill/>
+          <a:ln w="28575" cap="flat" cmpd="sng" algn="ctr">
+            <a:solidFill>
+              <a:schemeClr val="accent1"/>
+            </a:solidFill>
+            <a:prstDash val="solid"/>
+            <a:round/>
+            <a:headEnd type="none" w="med" len="med"/>
+            <a:tailEnd type="none" w="med" len="med"/>
+          </a:ln>
+        </p:spPr>
+        <p:style>
+          <a:lnRef idx="0">
+            <a:scrgbClr r="0" g="0" b="0"/>
+          </a:lnRef>
+          <a:fillRef idx="0">
+            <a:scrgbClr r="0" g="0" b="0"/>
+          </a:fillRef>
+          <a:effectRef idx="0">
+            <a:scrgbClr r="0" g="0" b="0"/>
+          </a:effectRef>
+          <a:fontRef idx="minor">
+            <a:schemeClr val="accent1"/>
+          </a:fontRef>
+        </p:style>
+        <p:txBody>
+          <a:bodyPr lIns="0" tIns="0" rIns="0" bIns="0" rtlCol="0" anchor="ctr"/>
+          <a:lstStyle/>
+          <a:p>
+            <a:pPr algn="ctr"/>
+            <a:r>
+              <a:rPr lang="en-US">
+                <a:solidFill>
+                  <a:schemeClr val="tx1"/>
+                </a:solidFill>
+              </a:rPr>
+              <a:t>5</a:t>
+            </a:r>
+          </a:p>
+        </p:txBody>
+      </p:sp>
+      <p:cxnSp>
+        <p:nvCxnSpPr>
+          <p:cNvPr id="58" name="Straight Arrow Connector 57">
+            <a:extLst>
+              <a:ext uri="{FF2B5EF4-FFF2-40B4-BE49-F238E27FC236}">
+                <a16:creationId xmlns:a16="http://schemas.microsoft.com/office/drawing/2014/main" id="{F6A72D8C-AD1B-9245-C777-D7657A1D3880}"/>
+              </a:ext>
+            </a:extLst>
+          </p:cNvPr>
+          <p:cNvCxnSpPr>
+            <a:cxnSpLocks/>
+            <a:stCxn id="59" idx="3"/>
+            <a:endCxn id="57" idx="7"/>
+          </p:cNvCxnSpPr>
+          <p:nvPr/>
+        </p:nvCxnSpPr>
+        <p:spPr>
+          <a:xfrm flipH="1">
+            <a:off x="7023633" y="3684066"/>
+            <a:ext cx="267822" cy="267822"/>
+          </a:xfrm>
+          <a:prstGeom prst="straightConnector1">
+            <a:avLst/>
+          </a:prstGeom>
+          <a:ln w="28575">
+            <a:solidFill>
+              <a:schemeClr val="accent4"/>
+            </a:solidFill>
+            <a:tailEnd type="triangle"/>
+          </a:ln>
+        </p:spPr>
+        <p:style>
+          <a:lnRef idx="2">
+            <a:schemeClr val="accent1"/>
+          </a:lnRef>
+          <a:fillRef idx="0">
+            <a:schemeClr val="accent1"/>
+          </a:fillRef>
+          <a:effectRef idx="1">
+            <a:schemeClr val="accent1"/>
+          </a:effectRef>
+          <a:fontRef idx="minor">
+            <a:schemeClr val="tx1"/>
+          </a:fontRef>
+        </p:style>
+      </p:cxnSp>
+      <p:sp>
+        <p:nvSpPr>
+          <p:cNvPr id="59" name="Oval 58">
+            <a:extLst>
+              <a:ext uri="{FF2B5EF4-FFF2-40B4-BE49-F238E27FC236}">
+                <a16:creationId xmlns:a16="http://schemas.microsoft.com/office/drawing/2014/main" id="{C39388F9-BE51-6231-6469-CE4992EE4E1E}"/>
+              </a:ext>
+            </a:extLst>
+          </p:cNvPr>
+          <p:cNvSpPr/>
+          <p:nvPr/>
+        </p:nvSpPr>
+        <p:spPr>
+          <a:xfrm>
+            <a:off x="7157544" y="2903577"/>
+            <a:ext cx="914400" cy="914400"/>
+          </a:xfrm>
+          <a:prstGeom prst="ellipse">
+            <a:avLst/>
+          </a:prstGeom>
+          <a:noFill/>
+          <a:ln w="28575" cap="flat" cmpd="sng" algn="ctr">
+            <a:solidFill>
+              <a:schemeClr val="accent1"/>
+            </a:solidFill>
+            <a:prstDash val="solid"/>
+            <a:round/>
+            <a:headEnd type="none" w="med" len="med"/>
+            <a:tailEnd type="none" w="med" len="med"/>
+          </a:ln>
+        </p:spPr>
+        <p:style>
+          <a:lnRef idx="0">
+            <a:scrgbClr r="0" g="0" b="0"/>
+          </a:lnRef>
+          <a:fillRef idx="0">
+            <a:scrgbClr r="0" g="0" b="0"/>
+          </a:fillRef>
+          <a:effectRef idx="0">
+            <a:scrgbClr r="0" g="0" b="0"/>
+          </a:effectRef>
+          <a:fontRef idx="minor">
+            <a:schemeClr val="accent1"/>
+          </a:fontRef>
+        </p:style>
+        <p:txBody>
+          <a:bodyPr lIns="0" tIns="0" rIns="0" bIns="0" rtlCol="0" anchor="ctr"/>
+          <a:lstStyle/>
+          <a:p>
+            <a:pPr algn="ctr"/>
+            <a:r>
+              <a:rPr lang="en-US">
+                <a:solidFill>
+                  <a:schemeClr val="tx1"/>
+                </a:solidFill>
+              </a:rPr>
+              <a:t>6</a:t>
+            </a:r>
+          </a:p>
+        </p:txBody>
+      </p:sp>
+      <p:cxnSp>
+        <p:nvCxnSpPr>
+          <p:cNvPr id="60" name="Straight Arrow Connector 59">
+            <a:extLst>
+              <a:ext uri="{FF2B5EF4-FFF2-40B4-BE49-F238E27FC236}">
+                <a16:creationId xmlns:a16="http://schemas.microsoft.com/office/drawing/2014/main" id="{89136079-C38C-D7DA-9C89-B31AC670791E}"/>
+              </a:ext>
+            </a:extLst>
+          </p:cNvPr>
+          <p:cNvCxnSpPr>
+            <a:cxnSpLocks/>
+            <a:stCxn id="52" idx="5"/>
+            <a:endCxn id="59" idx="1"/>
+          </p:cNvCxnSpPr>
+          <p:nvPr/>
+        </p:nvCxnSpPr>
+        <p:spPr>
+          <a:xfrm>
+            <a:off x="6506770" y="2764602"/>
+            <a:ext cx="784685" cy="272886"/>
+          </a:xfrm>
+          <a:prstGeom prst="straightConnector1">
+            <a:avLst/>
+          </a:prstGeom>
+          <a:ln w="28575">
+            <a:solidFill>
+              <a:schemeClr val="accent4"/>
+            </a:solidFill>
+            <a:tailEnd type="triangle"/>
+          </a:ln>
+        </p:spPr>
+        <p:style>
+          <a:lnRef idx="2">
+            <a:schemeClr val="accent1"/>
+          </a:lnRef>
+          <a:fillRef idx="0">
+            <a:schemeClr val="accent1"/>
+          </a:fillRef>
+          <a:effectRef idx="1">
+            <a:schemeClr val="accent1"/>
+          </a:effectRef>
+          <a:fontRef idx="minor">
+            <a:schemeClr val="tx1"/>
+          </a:fontRef>
+        </p:style>
+      </p:cxnSp>
+      <p:sp>
+        <p:nvSpPr>
+          <p:cNvPr id="84" name="Oval 83">
+            <a:extLst>
+              <a:ext uri="{FF2B5EF4-FFF2-40B4-BE49-F238E27FC236}">
+                <a16:creationId xmlns:a16="http://schemas.microsoft.com/office/drawing/2014/main" id="{93DE92F1-F589-6EA4-AADC-52BAAD633672}"/>
+              </a:ext>
+            </a:extLst>
+          </p:cNvPr>
+          <p:cNvSpPr/>
+          <p:nvPr/>
+        </p:nvSpPr>
+        <p:spPr>
+          <a:xfrm>
+            <a:off x="5132688" y="3817977"/>
+            <a:ext cx="914400" cy="914400"/>
+          </a:xfrm>
+          <a:prstGeom prst="ellipse">
+            <a:avLst/>
+          </a:prstGeom>
+          <a:noFill/>
+          <a:ln w="28575" cap="flat" cmpd="sng" algn="ctr">
+            <a:solidFill>
+              <a:schemeClr val="accent3"/>
+            </a:solidFill>
+            <a:prstDash val="solid"/>
+            <a:round/>
+            <a:headEnd type="none" w="med" len="med"/>
+            <a:tailEnd type="none" w="med" len="med"/>
+          </a:ln>
+        </p:spPr>
+        <p:style>
+          <a:lnRef idx="0">
+            <a:scrgbClr r="0" g="0" b="0"/>
+          </a:lnRef>
+          <a:fillRef idx="0">
+            <a:scrgbClr r="0" g="0" b="0"/>
+          </a:fillRef>
+          <a:effectRef idx="0">
+            <a:scrgbClr r="0" g="0" b="0"/>
+          </a:effectRef>
+          <a:fontRef idx="minor">
+            <a:schemeClr val="accent1"/>
+          </a:fontRef>
+        </p:style>
+        <p:txBody>
+          <a:bodyPr lIns="0" tIns="0" rIns="0" bIns="0" rtlCol="0" anchor="ctr"/>
+          <a:lstStyle/>
+          <a:p>
+            <a:pPr algn="ctr"/>
+            <a:r>
+              <a:rPr lang="en-US">
+                <a:solidFill>
+                  <a:schemeClr val="tx1"/>
+                </a:solidFill>
+              </a:rPr>
+              <a:t>4</a:t>
+            </a:r>
+          </a:p>
+        </p:txBody>
+      </p:sp>
+      <p:cxnSp>
+        <p:nvCxnSpPr>
+          <p:cNvPr id="87" name="Straight Arrow Connector 86">
+            <a:extLst>
+              <a:ext uri="{FF2B5EF4-FFF2-40B4-BE49-F238E27FC236}">
+                <a16:creationId xmlns:a16="http://schemas.microsoft.com/office/drawing/2014/main" id="{6ACFD58F-5E56-2598-FF15-8682326A592B}"/>
+              </a:ext>
+            </a:extLst>
+          </p:cNvPr>
+          <p:cNvCxnSpPr>
+            <a:cxnSpLocks/>
+            <a:stCxn id="53" idx="5"/>
+            <a:endCxn id="84" idx="1"/>
+          </p:cNvCxnSpPr>
+          <p:nvPr/>
+        </p:nvCxnSpPr>
+        <p:spPr>
+          <a:xfrm>
+            <a:off x="4995003" y="3689131"/>
+            <a:ext cx="271596" cy="262757"/>
+          </a:xfrm>
+          <a:prstGeom prst="straightConnector1">
+            <a:avLst/>
+          </a:prstGeom>
+          <a:ln w="28575">
+            <a:solidFill>
+              <a:schemeClr val="accent4"/>
+            </a:solidFill>
+            <a:tailEnd type="triangle"/>
+          </a:ln>
+        </p:spPr>
+        <p:style>
+          <a:lnRef idx="2">
+            <a:schemeClr val="accent1"/>
+          </a:lnRef>
+          <a:fillRef idx="0">
+            <a:schemeClr val="accent1"/>
+          </a:fillRef>
+          <a:effectRef idx="1">
+            <a:schemeClr val="accent1"/>
+          </a:effectRef>
+          <a:fontRef idx="minor">
+            <a:schemeClr val="tx1"/>
+          </a:fontRef>
+        </p:style>
+      </p:cxnSp>
+      <p:cxnSp>
+        <p:nvCxnSpPr>
+          <p:cNvPr id="90" name="Straight Arrow Connector 89">
+            <a:extLst>
+              <a:ext uri="{FF2B5EF4-FFF2-40B4-BE49-F238E27FC236}">
+                <a16:creationId xmlns:a16="http://schemas.microsoft.com/office/drawing/2014/main" id="{2A1E4FE6-5911-5D6C-3AEA-75820579A3F5}"/>
+              </a:ext>
+            </a:extLst>
+          </p:cNvPr>
+          <p:cNvCxnSpPr>
+            <a:cxnSpLocks/>
+            <a:stCxn id="53" idx="3"/>
+            <a:endCxn id="93" idx="7"/>
+          </p:cNvCxnSpPr>
+          <p:nvPr/>
+        </p:nvCxnSpPr>
+        <p:spPr>
+          <a:xfrm flipH="1">
+            <a:off x="4076829" y="3689131"/>
+            <a:ext cx="271596" cy="262949"/>
+          </a:xfrm>
+          <a:prstGeom prst="straightConnector1">
+            <a:avLst/>
+          </a:prstGeom>
+          <a:ln w="28575">
+            <a:solidFill>
+              <a:schemeClr val="accent4"/>
+            </a:solidFill>
+            <a:tailEnd type="triangle"/>
+          </a:ln>
+        </p:spPr>
+        <p:style>
+          <a:lnRef idx="2">
+            <a:schemeClr val="accent1"/>
+          </a:lnRef>
+          <a:fillRef idx="0">
+            <a:schemeClr val="accent1"/>
+          </a:fillRef>
+          <a:effectRef idx="1">
+            <a:schemeClr val="accent1"/>
+          </a:effectRef>
+          <a:fontRef idx="minor">
+            <a:schemeClr val="tx1"/>
+          </a:fontRef>
+        </p:style>
+      </p:cxnSp>
+      <p:sp>
+        <p:nvSpPr>
+          <p:cNvPr id="93" name="Oval 92">
+            <a:extLst>
+              <a:ext uri="{FF2B5EF4-FFF2-40B4-BE49-F238E27FC236}">
+                <a16:creationId xmlns:a16="http://schemas.microsoft.com/office/drawing/2014/main" id="{D1505752-FFC9-EDC2-A4A6-67F7FA362062}"/>
+              </a:ext>
+            </a:extLst>
+          </p:cNvPr>
+          <p:cNvSpPr/>
+          <p:nvPr/>
+        </p:nvSpPr>
+        <p:spPr>
+          <a:xfrm>
+            <a:off x="3296340" y="3818169"/>
+            <a:ext cx="914400" cy="914400"/>
+          </a:xfrm>
+          <a:prstGeom prst="ellipse">
+            <a:avLst/>
+          </a:prstGeom>
+          <a:noFill/>
+          <a:ln w="28575" cap="flat" cmpd="sng" algn="ctr">
+            <a:solidFill>
+              <a:schemeClr val="accent1"/>
+            </a:solidFill>
+            <a:prstDash val="solid"/>
+            <a:round/>
+            <a:headEnd type="none" w="med" len="med"/>
+            <a:tailEnd type="none" w="med" len="med"/>
+          </a:ln>
+        </p:spPr>
+        <p:style>
+          <a:lnRef idx="0">
+            <a:scrgbClr r="0" g="0" b="0"/>
+          </a:lnRef>
+          <a:fillRef idx="0">
+            <a:scrgbClr r="0" g="0" b="0"/>
+          </a:fillRef>
+          <a:effectRef idx="0">
+            <a:scrgbClr r="0" g="0" b="0"/>
+          </a:effectRef>
+          <a:fontRef idx="minor">
+            <a:schemeClr val="accent1"/>
+          </a:fontRef>
+        </p:style>
+        <p:txBody>
+          <a:bodyPr lIns="0" tIns="0" rIns="0" bIns="0" rtlCol="0" anchor="ctr"/>
+          <a:lstStyle/>
+          <a:p>
+            <a:pPr algn="ctr"/>
+            <a:r>
+              <a:rPr lang="en-US">
+                <a:solidFill>
+                  <a:schemeClr val="tx1"/>
+                </a:solidFill>
+              </a:rPr>
+              <a:t>1</a:t>
+            </a:r>
+          </a:p>
+        </p:txBody>
+      </p:sp>
+      <p:sp>
+        <p:nvSpPr>
+          <p:cNvPr id="11" name="TextBox 10">
+            <a:extLst>
+              <a:ext uri="{FF2B5EF4-FFF2-40B4-BE49-F238E27FC236}">
+                <a16:creationId xmlns:a16="http://schemas.microsoft.com/office/drawing/2014/main" id="{E5C738F3-731C-0435-44D3-83B1F87C98C0}"/>
+              </a:ext>
+            </a:extLst>
+          </p:cNvPr>
+          <p:cNvSpPr txBox="1"/>
+          <p:nvPr/>
+        </p:nvSpPr>
+        <p:spPr>
+          <a:xfrm>
+            <a:off x="4458937" y="4871352"/>
+            <a:ext cx="2261901" cy="369332"/>
+          </a:xfrm>
+          <a:prstGeom prst="rect">
+            <a:avLst/>
+          </a:prstGeom>
+          <a:noFill/>
+        </p:spPr>
+        <p:txBody>
+          <a:bodyPr wrap="none" rtlCol="0">
+            <a:spAutoFit/>
+          </a:bodyPr>
+          <a:lstStyle/>
+          <a:p>
+            <a:r>
+              <a:rPr lang="en-US"/>
+              <a:t>4 is left of 3, but 4 &gt; 3</a:t>
+            </a:r>
+          </a:p>
+        </p:txBody>
+      </p:sp>
+    </p:spTree>
+    <p:extLst>
+      <p:ext uri="{BB962C8B-B14F-4D97-AF65-F5344CB8AC3E}">
+        <p14:creationId xmlns:p14="http://schemas.microsoft.com/office/powerpoint/2010/main" val="919139004"/>
+      </p:ext>
+    </p:extLst>
+  </p:cSld>
+  <p:clrMapOvr>
+    <a:masterClrMapping/>
+  </p:clrMapOvr>
+  <mc:AlternateContent xmlns:mc="http://schemas.openxmlformats.org/markup-compatibility/2006" xmlns:p14="http://schemas.microsoft.com/office/powerpoint/2010/main">
+    <mc:Choice Requires="p14">
+      <p:transition p14:dur="0"/>
+    </mc:Choice>
+    <mc:Fallback xmlns="">
+      <p:transition/>
+    </mc:Fallback>
+  </mc:AlternateContent>
+</p:sld>
+</file>
+
+<file path=ppt/slides/slide3.xml><?xml version="1.0" encoding="utf-8"?>
+<p:sld xmlns:a="http://schemas.openxmlformats.org/drawingml/2006/main" xmlns:r="http://schemas.openxmlformats.org/officeDocument/2006/relationships" xmlns:p="http://schemas.openxmlformats.org/presentationml/2006/main">
+  <p:cSld>
+    <p:spTree>
+      <p:nvGrpSpPr>
+        <p:cNvPr id="1" name=""/>
+        <p:cNvGrpSpPr/>
+        <p:nvPr/>
+      </p:nvGrpSpPr>
+      <p:grpSpPr>
+        <a:xfrm>
+          <a:off x="0" y="0"/>
+          <a:ext cx="0" cy="0"/>
+          <a:chOff x="0" y="0"/>
+          <a:chExt cx="0" cy="0"/>
+        </a:xfrm>
+      </p:grpSpPr>
+      <p:sp>
+        <p:nvSpPr>
+          <p:cNvPr id="2" name="Slide Number Placeholder 1">
+            <a:extLst>
+              <a:ext uri="{FF2B5EF4-FFF2-40B4-BE49-F238E27FC236}">
+                <a16:creationId xmlns:a16="http://schemas.microsoft.com/office/drawing/2014/main" id="{D64766B3-38F0-DA31-E434-D64D9ABCA1C3}"/>
+              </a:ext>
+            </a:extLst>
+          </p:cNvPr>
+          <p:cNvSpPr>
+            <a:spLocks noGrp="1"/>
+          </p:cNvSpPr>
+          <p:nvPr>
+            <p:ph type="sldNum" sz="quarter" idx="12"/>
+          </p:nvPr>
+        </p:nvSpPr>
+        <p:spPr/>
+        <p:txBody>
+          <a:bodyPr/>
+          <a:lstStyle/>
+          <a:p>
+            <a:fld id="{7A78D7CD-E273-4158-B1CA-59F0920772DC}" type="slidenum">
+              <a:rPr lang="en-US" smtClean="0"/>
+              <a:t>3</a:t>
             </a:fld>
             <a:endParaRPr lang="en-US"/>
           </a:p>
@@ -11674,7 +15674,7 @@
 </p:sld>
 </file>
 
-<file path=ppt/slides/slide20.xml><?xml version="1.0" encoding="utf-8"?>
+<file path=ppt/slides/slide4.xml><?xml version="1.0" encoding="utf-8"?>
 <p:sld xmlns:a="http://schemas.openxmlformats.org/drawingml/2006/main" xmlns:r="http://schemas.openxmlformats.org/officeDocument/2006/relationships" xmlns:p="http://schemas.openxmlformats.org/presentationml/2006/main">
   <p:cSld>
     <p:spTree>
@@ -11696,7 +15696,7 @@
           <p:cNvPr id="4" name="Slide Number Placeholder 3">
             <a:extLst>
               <a:ext uri="{FF2B5EF4-FFF2-40B4-BE49-F238E27FC236}">
-                <a16:creationId xmlns:a16="http://schemas.microsoft.com/office/drawing/2014/main" id="{BFDFCAD0-EE01-3819-D73E-BAC2E6CB6AF2}"/>
+                <a16:creationId xmlns:a16="http://schemas.microsoft.com/office/drawing/2014/main" id="{608BCF68-02F4-2282-B8F0-A5058366825B}"/>
               </a:ext>
             </a:extLst>
           </p:cNvPr>
@@ -11714,1815 +15714,7 @@
           <a:p>
             <a:fld id="{7A78D7CD-E273-4158-B1CA-59F0920772DC}" type="slidenum">
               <a:rPr lang="en-US" smtClean="0"/>
-              <a:t>20</a:t>
-            </a:fld>
-            <a:endParaRPr lang="en-US"/>
-          </a:p>
-        </p:txBody>
-      </p:sp>
-      <p:sp>
-        <p:nvSpPr>
-          <p:cNvPr id="6" name="Rectangle: Rounded Corners 5">
-            <a:extLst>
-              <a:ext uri="{FF2B5EF4-FFF2-40B4-BE49-F238E27FC236}">
-                <a16:creationId xmlns:a16="http://schemas.microsoft.com/office/drawing/2014/main" id="{77417C01-CF19-24B8-9972-476BA2811962}"/>
-              </a:ext>
-            </a:extLst>
-          </p:cNvPr>
-          <p:cNvSpPr/>
-          <p:nvPr/>
-        </p:nvSpPr>
-        <p:spPr>
-          <a:xfrm>
-            <a:off x="2795752" y="3670608"/>
-            <a:ext cx="914400" cy="914400"/>
-          </a:xfrm>
-          <a:prstGeom prst="roundRect">
-            <a:avLst/>
-          </a:prstGeom>
-          <a:noFill/>
-          <a:ln w="28575" cap="flat" cmpd="sng" algn="ctr">
-            <a:solidFill>
-              <a:schemeClr val="accent1"/>
-            </a:solidFill>
-            <a:prstDash val="solid"/>
-            <a:round/>
-            <a:headEnd type="none" w="med" len="med"/>
-            <a:tailEnd type="none" w="med" len="med"/>
-          </a:ln>
-        </p:spPr>
-        <p:style>
-          <a:lnRef idx="0">
-            <a:scrgbClr r="0" g="0" b="0"/>
-          </a:lnRef>
-          <a:fillRef idx="0">
-            <a:scrgbClr r="0" g="0" b="0"/>
-          </a:fillRef>
-          <a:effectRef idx="0">
-            <a:scrgbClr r="0" g="0" b="0"/>
-          </a:effectRef>
-          <a:fontRef idx="minor">
-            <a:schemeClr val="accent1"/>
-          </a:fontRef>
-        </p:style>
-        <p:txBody>
-          <a:bodyPr lIns="0" tIns="0" rIns="0" bIns="0" rtlCol="0" anchor="ctr"/>
-          <a:lstStyle/>
-          <a:p>
-            <a:pPr algn="ctr"/>
-            <a:r>
-              <a:rPr lang="en-US">
-                <a:solidFill>
-                  <a:schemeClr val="tx1"/>
-                </a:solidFill>
-              </a:rPr>
-              <a:t>Alexa</a:t>
-            </a:r>
-          </a:p>
-        </p:txBody>
-      </p:sp>
-      <p:sp>
-        <p:nvSpPr>
-          <p:cNvPr id="2" name="Rectangle: Rounded Corners 1">
-            <a:extLst>
-              <a:ext uri="{FF2B5EF4-FFF2-40B4-BE49-F238E27FC236}">
-                <a16:creationId xmlns:a16="http://schemas.microsoft.com/office/drawing/2014/main" id="{BBF1FA6E-E30F-3425-0593-D7D013B0DEE9}"/>
-              </a:ext>
-            </a:extLst>
-          </p:cNvPr>
-          <p:cNvSpPr/>
-          <p:nvPr/>
-        </p:nvSpPr>
-        <p:spPr>
-          <a:xfrm>
-            <a:off x="3715407" y="2414751"/>
-            <a:ext cx="914400" cy="914400"/>
-          </a:xfrm>
-          <a:prstGeom prst="roundRect">
-            <a:avLst/>
-          </a:prstGeom>
-          <a:noFill/>
-          <a:ln w="28575" cap="flat" cmpd="sng" algn="ctr">
-            <a:solidFill>
-              <a:schemeClr val="accent1"/>
-            </a:solidFill>
-            <a:prstDash val="solid"/>
-            <a:round/>
-            <a:headEnd type="none" w="med" len="med"/>
-            <a:tailEnd type="none" w="med" len="med"/>
-          </a:ln>
-        </p:spPr>
-        <p:style>
-          <a:lnRef idx="0">
-            <a:scrgbClr r="0" g="0" b="0"/>
-          </a:lnRef>
-          <a:fillRef idx="0">
-            <a:scrgbClr r="0" g="0" b="0"/>
-          </a:fillRef>
-          <a:effectRef idx="0">
-            <a:scrgbClr r="0" g="0" b="0"/>
-          </a:effectRef>
-          <a:fontRef idx="minor">
-            <a:schemeClr val="accent1"/>
-          </a:fontRef>
-        </p:style>
-        <p:txBody>
-          <a:bodyPr lIns="0" tIns="0" rIns="0" bIns="0" rtlCol="0" anchor="ctr"/>
-          <a:lstStyle/>
-          <a:p>
-            <a:pPr algn="ctr"/>
-            <a:r>
-              <a:rPr lang="en-US">
-                <a:solidFill>
-                  <a:schemeClr val="tx1"/>
-                </a:solidFill>
-              </a:rPr>
-              <a:t>Brian</a:t>
-            </a:r>
-          </a:p>
-        </p:txBody>
-      </p:sp>
-      <p:sp>
-        <p:nvSpPr>
-          <p:cNvPr id="3" name="Rectangle: Rounded Corners 2">
-            <a:extLst>
-              <a:ext uri="{FF2B5EF4-FFF2-40B4-BE49-F238E27FC236}">
-                <a16:creationId xmlns:a16="http://schemas.microsoft.com/office/drawing/2014/main" id="{246F60B0-87CF-9B19-DF35-1C7DD89098D7}"/>
-              </a:ext>
-            </a:extLst>
-          </p:cNvPr>
-          <p:cNvSpPr/>
-          <p:nvPr/>
-        </p:nvSpPr>
-        <p:spPr>
-          <a:xfrm>
-            <a:off x="3715407" y="4926465"/>
-            <a:ext cx="914400" cy="914400"/>
-          </a:xfrm>
-          <a:prstGeom prst="roundRect">
-            <a:avLst/>
-          </a:prstGeom>
-          <a:noFill/>
-          <a:ln w="28575" cap="flat" cmpd="sng" algn="ctr">
-            <a:solidFill>
-              <a:schemeClr val="accent1"/>
-            </a:solidFill>
-            <a:prstDash val="solid"/>
-            <a:round/>
-            <a:headEnd type="none" w="med" len="med"/>
-            <a:tailEnd type="none" w="med" len="med"/>
-          </a:ln>
-        </p:spPr>
-        <p:style>
-          <a:lnRef idx="0">
-            <a:scrgbClr r="0" g="0" b="0"/>
-          </a:lnRef>
-          <a:fillRef idx="0">
-            <a:scrgbClr r="0" g="0" b="0"/>
-          </a:fillRef>
-          <a:effectRef idx="0">
-            <a:scrgbClr r="0" g="0" b="0"/>
-          </a:effectRef>
-          <a:fontRef idx="minor">
-            <a:schemeClr val="accent1"/>
-          </a:fontRef>
-        </p:style>
-        <p:txBody>
-          <a:bodyPr lIns="0" tIns="0" rIns="0" bIns="0" rtlCol="0" anchor="ctr"/>
-          <a:lstStyle/>
-          <a:p>
-            <a:pPr algn="ctr"/>
-            <a:r>
-              <a:rPr lang="en-US">
-                <a:solidFill>
-                  <a:schemeClr val="tx1"/>
-                </a:solidFill>
-              </a:rPr>
-              <a:t>Chris</a:t>
-            </a:r>
-          </a:p>
-        </p:txBody>
-      </p:sp>
-      <p:sp>
-        <p:nvSpPr>
-          <p:cNvPr id="16" name="Rectangle: Rounded Corners 15">
-            <a:extLst>
-              <a:ext uri="{FF2B5EF4-FFF2-40B4-BE49-F238E27FC236}">
-                <a16:creationId xmlns:a16="http://schemas.microsoft.com/office/drawing/2014/main" id="{EC144261-5848-C4A3-A5FB-5E409519A6F4}"/>
-              </a:ext>
-            </a:extLst>
-          </p:cNvPr>
-          <p:cNvSpPr/>
-          <p:nvPr/>
-        </p:nvSpPr>
-        <p:spPr>
-          <a:xfrm>
-            <a:off x="4629807" y="3670608"/>
-            <a:ext cx="914400" cy="914400"/>
-          </a:xfrm>
-          <a:prstGeom prst="roundRect">
-            <a:avLst/>
-          </a:prstGeom>
-          <a:noFill/>
-          <a:ln w="28575" cap="flat" cmpd="sng" algn="ctr">
-            <a:solidFill>
-              <a:schemeClr val="accent1"/>
-            </a:solidFill>
-            <a:prstDash val="solid"/>
-            <a:round/>
-            <a:headEnd type="none" w="med" len="med"/>
-            <a:tailEnd type="none" w="med" len="med"/>
-          </a:ln>
-        </p:spPr>
-        <p:style>
-          <a:lnRef idx="0">
-            <a:scrgbClr r="0" g="0" b="0"/>
-          </a:lnRef>
-          <a:fillRef idx="0">
-            <a:scrgbClr r="0" g="0" b="0"/>
-          </a:fillRef>
-          <a:effectRef idx="0">
-            <a:scrgbClr r="0" g="0" b="0"/>
-          </a:effectRef>
-          <a:fontRef idx="minor">
-            <a:schemeClr val="accent1"/>
-          </a:fontRef>
-        </p:style>
-        <p:txBody>
-          <a:bodyPr lIns="0" tIns="0" rIns="0" bIns="0" rtlCol="0" anchor="ctr"/>
-          <a:lstStyle/>
-          <a:p>
-            <a:pPr algn="ctr"/>
-            <a:r>
-              <a:rPr lang="en-US">
-                <a:solidFill>
-                  <a:schemeClr val="tx1"/>
-                </a:solidFill>
-              </a:rPr>
-              <a:t>Danny</a:t>
-            </a:r>
-          </a:p>
-        </p:txBody>
-      </p:sp>
-      <p:sp>
-        <p:nvSpPr>
-          <p:cNvPr id="19" name="Rectangle: Rounded Corners 18">
-            <a:extLst>
-              <a:ext uri="{FF2B5EF4-FFF2-40B4-BE49-F238E27FC236}">
-                <a16:creationId xmlns:a16="http://schemas.microsoft.com/office/drawing/2014/main" id="{9BE4276C-23E3-585B-DF9E-7BEAA0AB731C}"/>
-              </a:ext>
-            </a:extLst>
-          </p:cNvPr>
-          <p:cNvSpPr/>
-          <p:nvPr/>
-        </p:nvSpPr>
-        <p:spPr>
-          <a:xfrm>
-            <a:off x="5544207" y="1169407"/>
-            <a:ext cx="914400" cy="914400"/>
-          </a:xfrm>
-          <a:prstGeom prst="roundRect">
-            <a:avLst/>
-          </a:prstGeom>
-          <a:noFill/>
-          <a:ln w="28575" cap="flat" cmpd="sng" algn="ctr">
-            <a:solidFill>
-              <a:schemeClr val="accent1"/>
-            </a:solidFill>
-            <a:prstDash val="solid"/>
-            <a:round/>
-            <a:headEnd type="none" w="med" len="med"/>
-            <a:tailEnd type="none" w="med" len="med"/>
-          </a:ln>
-        </p:spPr>
-        <p:style>
-          <a:lnRef idx="0">
-            <a:scrgbClr r="0" g="0" b="0"/>
-          </a:lnRef>
-          <a:fillRef idx="0">
-            <a:scrgbClr r="0" g="0" b="0"/>
-          </a:fillRef>
-          <a:effectRef idx="0">
-            <a:scrgbClr r="0" g="0" b="0"/>
-          </a:effectRef>
-          <a:fontRef idx="minor">
-            <a:schemeClr val="accent1"/>
-          </a:fontRef>
-        </p:style>
-        <p:txBody>
-          <a:bodyPr lIns="0" tIns="0" rIns="0" bIns="0" rtlCol="0" anchor="ctr"/>
-          <a:lstStyle/>
-          <a:p>
-            <a:pPr algn="ctr"/>
-            <a:r>
-              <a:rPr lang="en-US">
-                <a:solidFill>
-                  <a:schemeClr val="tx1"/>
-                </a:solidFill>
-              </a:rPr>
-              <a:t>Fred</a:t>
-            </a:r>
-          </a:p>
-        </p:txBody>
-      </p:sp>
-      <p:sp>
-        <p:nvSpPr>
-          <p:cNvPr id="20" name="Rectangle: Rounded Corners 19">
-            <a:extLst>
-              <a:ext uri="{FF2B5EF4-FFF2-40B4-BE49-F238E27FC236}">
-                <a16:creationId xmlns:a16="http://schemas.microsoft.com/office/drawing/2014/main" id="{AFF10BA6-40A5-924C-1F47-DEDDC5956269}"/>
-              </a:ext>
-            </a:extLst>
-          </p:cNvPr>
-          <p:cNvSpPr/>
-          <p:nvPr/>
-        </p:nvSpPr>
-        <p:spPr>
-          <a:xfrm>
-            <a:off x="5544207" y="4926465"/>
-            <a:ext cx="914400" cy="914400"/>
-          </a:xfrm>
-          <a:prstGeom prst="roundRect">
-            <a:avLst/>
-          </a:prstGeom>
-          <a:noFill/>
-          <a:ln w="28575" cap="flat" cmpd="sng" algn="ctr">
-            <a:solidFill>
-              <a:schemeClr val="accent1"/>
-            </a:solidFill>
-            <a:prstDash val="solid"/>
-            <a:round/>
-            <a:headEnd type="none" w="med" len="med"/>
-            <a:tailEnd type="none" w="med" len="med"/>
-          </a:ln>
-        </p:spPr>
-        <p:style>
-          <a:lnRef idx="0">
-            <a:scrgbClr r="0" g="0" b="0"/>
-          </a:lnRef>
-          <a:fillRef idx="0">
-            <a:scrgbClr r="0" g="0" b="0"/>
-          </a:fillRef>
-          <a:effectRef idx="0">
-            <a:scrgbClr r="0" g="0" b="0"/>
-          </a:effectRef>
-          <a:fontRef idx="minor">
-            <a:schemeClr val="accent1"/>
-          </a:fontRef>
-        </p:style>
-        <p:txBody>
-          <a:bodyPr lIns="0" tIns="0" rIns="0" bIns="0" rtlCol="0" anchor="ctr"/>
-          <a:lstStyle/>
-          <a:p>
-            <a:pPr algn="ctr"/>
-            <a:r>
-              <a:rPr lang="en-US">
-                <a:solidFill>
-                  <a:schemeClr val="tx1"/>
-                </a:solidFill>
-              </a:rPr>
-              <a:t>Ellen</a:t>
-            </a:r>
-          </a:p>
-        </p:txBody>
-      </p:sp>
-      <p:sp>
-        <p:nvSpPr>
-          <p:cNvPr id="22" name="Rectangle: Rounded Corners 21">
-            <a:extLst>
-              <a:ext uri="{FF2B5EF4-FFF2-40B4-BE49-F238E27FC236}">
-                <a16:creationId xmlns:a16="http://schemas.microsoft.com/office/drawing/2014/main" id="{C2FD7DC4-4416-28D7-2E0C-8180F7CADAA3}"/>
-              </a:ext>
-            </a:extLst>
-          </p:cNvPr>
-          <p:cNvSpPr/>
-          <p:nvPr/>
-        </p:nvSpPr>
-        <p:spPr>
-          <a:xfrm>
-            <a:off x="6458607" y="3670608"/>
-            <a:ext cx="914400" cy="914400"/>
-          </a:xfrm>
-          <a:prstGeom prst="roundRect">
-            <a:avLst/>
-          </a:prstGeom>
-          <a:noFill/>
-          <a:ln w="28575" cap="flat" cmpd="sng" algn="ctr">
-            <a:solidFill>
-              <a:schemeClr val="accent1"/>
-            </a:solidFill>
-            <a:prstDash val="solid"/>
-            <a:round/>
-            <a:headEnd type="none" w="med" len="med"/>
-            <a:tailEnd type="none" w="med" len="med"/>
-          </a:ln>
-        </p:spPr>
-        <p:style>
-          <a:lnRef idx="0">
-            <a:scrgbClr r="0" g="0" b="0"/>
-          </a:lnRef>
-          <a:fillRef idx="0">
-            <a:scrgbClr r="0" g="0" b="0"/>
-          </a:fillRef>
-          <a:effectRef idx="0">
-            <a:scrgbClr r="0" g="0" b="0"/>
-          </a:effectRef>
-          <a:fontRef idx="minor">
-            <a:schemeClr val="accent1"/>
-          </a:fontRef>
-        </p:style>
-        <p:txBody>
-          <a:bodyPr lIns="0" tIns="0" rIns="0" bIns="0" rtlCol="0" anchor="ctr"/>
-          <a:lstStyle/>
-          <a:p>
-            <a:pPr algn="ctr"/>
-            <a:r>
-              <a:rPr lang="en-US">
-                <a:solidFill>
-                  <a:schemeClr val="tx1"/>
-                </a:solidFill>
-              </a:rPr>
-              <a:t>Gina</a:t>
-            </a:r>
-          </a:p>
-        </p:txBody>
-      </p:sp>
-      <p:sp>
-        <p:nvSpPr>
-          <p:cNvPr id="23" name="Rectangle: Rounded Corners 22">
-            <a:extLst>
-              <a:ext uri="{FF2B5EF4-FFF2-40B4-BE49-F238E27FC236}">
-                <a16:creationId xmlns:a16="http://schemas.microsoft.com/office/drawing/2014/main" id="{5B04AE7F-246B-F4C9-0D47-51D80CFA2BFA}"/>
-              </a:ext>
-            </a:extLst>
-          </p:cNvPr>
-          <p:cNvSpPr/>
-          <p:nvPr/>
-        </p:nvSpPr>
-        <p:spPr>
-          <a:xfrm>
-            <a:off x="7373007" y="2438161"/>
-            <a:ext cx="914400" cy="914400"/>
-          </a:xfrm>
-          <a:prstGeom prst="roundRect">
-            <a:avLst/>
-          </a:prstGeom>
-          <a:noFill/>
-          <a:ln w="28575" cap="flat" cmpd="sng" algn="ctr">
-            <a:solidFill>
-              <a:schemeClr val="accent1"/>
-            </a:solidFill>
-            <a:prstDash val="solid"/>
-            <a:round/>
-            <a:headEnd type="none" w="med" len="med"/>
-            <a:tailEnd type="none" w="med" len="med"/>
-          </a:ln>
-        </p:spPr>
-        <p:style>
-          <a:lnRef idx="0">
-            <a:scrgbClr r="0" g="0" b="0"/>
-          </a:lnRef>
-          <a:fillRef idx="0">
-            <a:scrgbClr r="0" g="0" b="0"/>
-          </a:fillRef>
-          <a:effectRef idx="0">
-            <a:scrgbClr r="0" g="0" b="0"/>
-          </a:effectRef>
-          <a:fontRef idx="minor">
-            <a:schemeClr val="accent1"/>
-          </a:fontRef>
-        </p:style>
-        <p:txBody>
-          <a:bodyPr lIns="0" tIns="0" rIns="0" bIns="0" rtlCol="0" anchor="ctr"/>
-          <a:lstStyle/>
-          <a:p>
-            <a:pPr algn="ctr"/>
-            <a:r>
-              <a:rPr lang="en-US">
-                <a:solidFill>
-                  <a:schemeClr val="tx1"/>
-                </a:solidFill>
-              </a:rPr>
-              <a:t>Helen</a:t>
-            </a:r>
-          </a:p>
-        </p:txBody>
-      </p:sp>
-      <p:sp>
-        <p:nvSpPr>
-          <p:cNvPr id="25" name="Rectangle: Rounded Corners 24">
-            <a:extLst>
-              <a:ext uri="{FF2B5EF4-FFF2-40B4-BE49-F238E27FC236}">
-                <a16:creationId xmlns:a16="http://schemas.microsoft.com/office/drawing/2014/main" id="{555140FD-1F6D-759D-90D9-97A85736C175}"/>
-              </a:ext>
-            </a:extLst>
-          </p:cNvPr>
-          <p:cNvSpPr/>
-          <p:nvPr/>
-        </p:nvSpPr>
-        <p:spPr>
-          <a:xfrm>
-            <a:off x="8290035" y="3670608"/>
-            <a:ext cx="914400" cy="914400"/>
-          </a:xfrm>
-          <a:prstGeom prst="roundRect">
-            <a:avLst/>
-          </a:prstGeom>
-          <a:noFill/>
-          <a:ln w="28575" cap="flat" cmpd="sng" algn="ctr">
-            <a:solidFill>
-              <a:schemeClr val="accent1"/>
-            </a:solidFill>
-            <a:prstDash val="solid"/>
-            <a:round/>
-            <a:headEnd type="none" w="med" len="med"/>
-            <a:tailEnd type="none" w="med" len="med"/>
-          </a:ln>
-        </p:spPr>
-        <p:style>
-          <a:lnRef idx="0">
-            <a:scrgbClr r="0" g="0" b="0"/>
-          </a:lnRef>
-          <a:fillRef idx="0">
-            <a:scrgbClr r="0" g="0" b="0"/>
-          </a:fillRef>
-          <a:effectRef idx="0">
-            <a:scrgbClr r="0" g="0" b="0"/>
-          </a:effectRef>
-          <a:fontRef idx="minor">
-            <a:schemeClr val="accent1"/>
-          </a:fontRef>
-        </p:style>
-        <p:txBody>
-          <a:bodyPr lIns="0" tIns="0" rIns="0" bIns="0" rtlCol="0" anchor="ctr"/>
-          <a:lstStyle/>
-          <a:p>
-            <a:pPr algn="ctr"/>
-            <a:r>
-              <a:rPr lang="en-US">
-                <a:solidFill>
-                  <a:schemeClr val="tx1"/>
-                </a:solidFill>
-              </a:rPr>
-              <a:t>Ian</a:t>
-            </a:r>
-          </a:p>
-        </p:txBody>
-      </p:sp>
-      <p:cxnSp>
-        <p:nvCxnSpPr>
-          <p:cNvPr id="28" name="Connector: Elbow 27">
-            <a:extLst>
-              <a:ext uri="{FF2B5EF4-FFF2-40B4-BE49-F238E27FC236}">
-                <a16:creationId xmlns:a16="http://schemas.microsoft.com/office/drawing/2014/main" id="{19CC08D5-7B3A-0227-5E55-642B7C87D039}"/>
-              </a:ext>
-            </a:extLst>
-          </p:cNvPr>
-          <p:cNvCxnSpPr>
-            <a:stCxn id="19" idx="2"/>
-            <a:endCxn id="2" idx="0"/>
-          </p:cNvCxnSpPr>
-          <p:nvPr/>
-        </p:nvCxnSpPr>
-        <p:spPr>
-          <a:xfrm rot="5400000">
-            <a:off x="4921535" y="1334879"/>
-            <a:ext cx="330944" cy="1828800"/>
-          </a:xfrm>
-          <a:prstGeom prst="bentConnector3">
-            <a:avLst/>
-          </a:prstGeom>
-          <a:ln w="28575">
-            <a:solidFill>
-              <a:schemeClr val="accent4"/>
-            </a:solidFill>
-            <a:tailEnd type="triangle"/>
-          </a:ln>
-        </p:spPr>
-        <p:style>
-          <a:lnRef idx="2">
-            <a:schemeClr val="accent1"/>
-          </a:lnRef>
-          <a:fillRef idx="0">
-            <a:schemeClr val="accent1"/>
-          </a:fillRef>
-          <a:effectRef idx="1">
-            <a:schemeClr val="accent1"/>
-          </a:effectRef>
-          <a:fontRef idx="minor">
-            <a:schemeClr val="tx1"/>
-          </a:fontRef>
-        </p:style>
-      </p:cxnSp>
-      <p:cxnSp>
-        <p:nvCxnSpPr>
-          <p:cNvPr id="32" name="Connector: Elbow 31">
-            <a:extLst>
-              <a:ext uri="{FF2B5EF4-FFF2-40B4-BE49-F238E27FC236}">
-                <a16:creationId xmlns:a16="http://schemas.microsoft.com/office/drawing/2014/main" id="{902B3DF9-5B48-0093-42C9-9968D241FF9A}"/>
-              </a:ext>
-            </a:extLst>
-          </p:cNvPr>
-          <p:cNvCxnSpPr>
-            <a:cxnSpLocks/>
-            <a:stCxn id="19" idx="2"/>
-            <a:endCxn id="23" idx="0"/>
-          </p:cNvCxnSpPr>
-          <p:nvPr/>
-        </p:nvCxnSpPr>
-        <p:spPr>
-          <a:xfrm rot="16200000" flipH="1">
-            <a:off x="6738630" y="1346584"/>
-            <a:ext cx="354354" cy="1828800"/>
-          </a:xfrm>
-          <a:prstGeom prst="bentConnector3">
-            <a:avLst>
-              <a:gd name="adj1" fmla="val 50000"/>
-            </a:avLst>
-          </a:prstGeom>
-          <a:ln w="28575">
-            <a:solidFill>
-              <a:schemeClr val="accent4"/>
-            </a:solidFill>
-            <a:tailEnd type="triangle"/>
-          </a:ln>
-        </p:spPr>
-        <p:style>
-          <a:lnRef idx="2">
-            <a:schemeClr val="accent1"/>
-          </a:lnRef>
-          <a:fillRef idx="0">
-            <a:schemeClr val="accent1"/>
-          </a:fillRef>
-          <a:effectRef idx="1">
-            <a:schemeClr val="accent1"/>
-          </a:effectRef>
-          <a:fontRef idx="minor">
-            <a:schemeClr val="tx1"/>
-          </a:fontRef>
-        </p:style>
-      </p:cxnSp>
-      <p:cxnSp>
-        <p:nvCxnSpPr>
-          <p:cNvPr id="39" name="Connector: Elbow 38">
-            <a:extLst>
-              <a:ext uri="{FF2B5EF4-FFF2-40B4-BE49-F238E27FC236}">
-                <a16:creationId xmlns:a16="http://schemas.microsoft.com/office/drawing/2014/main" id="{3AB7D9AD-3030-9094-8F03-66AC3A627608}"/>
-              </a:ext>
-            </a:extLst>
-          </p:cNvPr>
-          <p:cNvCxnSpPr>
-            <a:cxnSpLocks/>
-            <a:stCxn id="2" idx="2"/>
-            <a:endCxn id="6" idx="0"/>
-          </p:cNvCxnSpPr>
-          <p:nvPr/>
-        </p:nvCxnSpPr>
-        <p:spPr>
-          <a:xfrm rot="5400000">
-            <a:off x="3542052" y="3040052"/>
-            <a:ext cx="341457" cy="919655"/>
-          </a:xfrm>
-          <a:prstGeom prst="bentConnector3">
-            <a:avLst>
-              <a:gd name="adj1" fmla="val 50000"/>
-            </a:avLst>
-          </a:prstGeom>
-          <a:ln w="28575">
-            <a:solidFill>
-              <a:schemeClr val="accent4"/>
-            </a:solidFill>
-            <a:tailEnd type="triangle"/>
-          </a:ln>
-        </p:spPr>
-        <p:style>
-          <a:lnRef idx="2">
-            <a:schemeClr val="accent1"/>
-          </a:lnRef>
-          <a:fillRef idx="0">
-            <a:schemeClr val="accent1"/>
-          </a:fillRef>
-          <a:effectRef idx="1">
-            <a:schemeClr val="accent1"/>
-          </a:effectRef>
-          <a:fontRef idx="minor">
-            <a:schemeClr val="tx1"/>
-          </a:fontRef>
-        </p:style>
-      </p:cxnSp>
-      <p:cxnSp>
-        <p:nvCxnSpPr>
-          <p:cNvPr id="44" name="Connector: Elbow 43">
-            <a:extLst>
-              <a:ext uri="{FF2B5EF4-FFF2-40B4-BE49-F238E27FC236}">
-                <a16:creationId xmlns:a16="http://schemas.microsoft.com/office/drawing/2014/main" id="{4DAB5538-8B6C-9761-BF6E-499535971101}"/>
-              </a:ext>
-            </a:extLst>
-          </p:cNvPr>
-          <p:cNvCxnSpPr>
-            <a:cxnSpLocks/>
-            <a:stCxn id="2" idx="2"/>
-            <a:endCxn id="16" idx="0"/>
-          </p:cNvCxnSpPr>
-          <p:nvPr/>
-        </p:nvCxnSpPr>
-        <p:spPr>
-          <a:xfrm rot="16200000" flipH="1">
-            <a:off x="4459079" y="3042679"/>
-            <a:ext cx="341457" cy="914400"/>
-          </a:xfrm>
-          <a:prstGeom prst="bentConnector3">
-            <a:avLst>
-              <a:gd name="adj1" fmla="val 50000"/>
-            </a:avLst>
-          </a:prstGeom>
-          <a:ln w="28575">
-            <a:solidFill>
-              <a:schemeClr val="accent4"/>
-            </a:solidFill>
-            <a:tailEnd type="triangle"/>
-          </a:ln>
-        </p:spPr>
-        <p:style>
-          <a:lnRef idx="2">
-            <a:schemeClr val="accent1"/>
-          </a:lnRef>
-          <a:fillRef idx="0">
-            <a:schemeClr val="accent1"/>
-          </a:fillRef>
-          <a:effectRef idx="1">
-            <a:schemeClr val="accent1"/>
-          </a:effectRef>
-          <a:fontRef idx="minor">
-            <a:schemeClr val="tx1"/>
-          </a:fontRef>
-        </p:style>
-      </p:cxnSp>
-      <p:cxnSp>
-        <p:nvCxnSpPr>
-          <p:cNvPr id="48" name="Connector: Elbow 47">
-            <a:extLst>
-              <a:ext uri="{FF2B5EF4-FFF2-40B4-BE49-F238E27FC236}">
-                <a16:creationId xmlns:a16="http://schemas.microsoft.com/office/drawing/2014/main" id="{AC2237CB-C6C1-1E80-AB36-C4D86990F192}"/>
-              </a:ext>
-            </a:extLst>
-          </p:cNvPr>
-          <p:cNvCxnSpPr>
-            <a:cxnSpLocks/>
-            <a:stCxn id="16" idx="2"/>
-            <a:endCxn id="3" idx="0"/>
-          </p:cNvCxnSpPr>
-          <p:nvPr/>
-        </p:nvCxnSpPr>
-        <p:spPr>
-          <a:xfrm rot="5400000">
-            <a:off x="4459079" y="4298536"/>
-            <a:ext cx="341457" cy="914400"/>
-          </a:xfrm>
-          <a:prstGeom prst="bentConnector3">
-            <a:avLst>
-              <a:gd name="adj1" fmla="val 50000"/>
-            </a:avLst>
-          </a:prstGeom>
-          <a:ln w="28575">
-            <a:solidFill>
-              <a:schemeClr val="accent4"/>
-            </a:solidFill>
-            <a:tailEnd type="triangle"/>
-          </a:ln>
-        </p:spPr>
-        <p:style>
-          <a:lnRef idx="2">
-            <a:schemeClr val="accent1"/>
-          </a:lnRef>
-          <a:fillRef idx="0">
-            <a:schemeClr val="accent1"/>
-          </a:fillRef>
-          <a:effectRef idx="1">
-            <a:schemeClr val="accent1"/>
-          </a:effectRef>
-          <a:fontRef idx="minor">
-            <a:schemeClr val="tx1"/>
-          </a:fontRef>
-        </p:style>
-      </p:cxnSp>
-      <p:cxnSp>
-        <p:nvCxnSpPr>
-          <p:cNvPr id="52" name="Connector: Elbow 51">
-            <a:extLst>
-              <a:ext uri="{FF2B5EF4-FFF2-40B4-BE49-F238E27FC236}">
-                <a16:creationId xmlns:a16="http://schemas.microsoft.com/office/drawing/2014/main" id="{CC7CC36B-72D5-31C7-00C7-CD5B29DCF593}"/>
-              </a:ext>
-            </a:extLst>
-          </p:cNvPr>
-          <p:cNvCxnSpPr>
-            <a:cxnSpLocks/>
-            <a:stCxn id="16" idx="2"/>
-            <a:endCxn id="20" idx="0"/>
-          </p:cNvCxnSpPr>
-          <p:nvPr/>
-        </p:nvCxnSpPr>
-        <p:spPr>
-          <a:xfrm rot="16200000" flipH="1">
-            <a:off x="5373479" y="4298536"/>
-            <a:ext cx="341457" cy="914400"/>
-          </a:xfrm>
-          <a:prstGeom prst="bentConnector3">
-            <a:avLst>
-              <a:gd name="adj1" fmla="val 50000"/>
-            </a:avLst>
-          </a:prstGeom>
-          <a:ln w="28575">
-            <a:solidFill>
-              <a:schemeClr val="accent4"/>
-            </a:solidFill>
-            <a:tailEnd type="triangle"/>
-          </a:ln>
-        </p:spPr>
-        <p:style>
-          <a:lnRef idx="2">
-            <a:schemeClr val="accent1"/>
-          </a:lnRef>
-          <a:fillRef idx="0">
-            <a:schemeClr val="accent1"/>
-          </a:fillRef>
-          <a:effectRef idx="1">
-            <a:schemeClr val="accent1"/>
-          </a:effectRef>
-          <a:fontRef idx="minor">
-            <a:schemeClr val="tx1"/>
-          </a:fontRef>
-        </p:style>
-      </p:cxnSp>
-      <p:cxnSp>
-        <p:nvCxnSpPr>
-          <p:cNvPr id="59" name="Connector: Elbow 58">
-            <a:extLst>
-              <a:ext uri="{FF2B5EF4-FFF2-40B4-BE49-F238E27FC236}">
-                <a16:creationId xmlns:a16="http://schemas.microsoft.com/office/drawing/2014/main" id="{FC368DF2-DEEE-999A-7FD3-4463456C4D50}"/>
-              </a:ext>
-            </a:extLst>
-          </p:cNvPr>
-          <p:cNvCxnSpPr>
-            <a:cxnSpLocks/>
-            <a:stCxn id="23" idx="2"/>
-            <a:endCxn id="22" idx="0"/>
-          </p:cNvCxnSpPr>
-          <p:nvPr/>
-        </p:nvCxnSpPr>
-        <p:spPr>
-          <a:xfrm rot="5400000">
-            <a:off x="7213984" y="3054384"/>
-            <a:ext cx="318047" cy="914400"/>
-          </a:xfrm>
-          <a:prstGeom prst="bentConnector3">
-            <a:avLst>
-              <a:gd name="adj1" fmla="val 50000"/>
-            </a:avLst>
-          </a:prstGeom>
-          <a:ln w="28575">
-            <a:solidFill>
-              <a:schemeClr val="accent4"/>
-            </a:solidFill>
-            <a:tailEnd type="triangle"/>
-          </a:ln>
-        </p:spPr>
-        <p:style>
-          <a:lnRef idx="2">
-            <a:schemeClr val="accent1"/>
-          </a:lnRef>
-          <a:fillRef idx="0">
-            <a:schemeClr val="accent1"/>
-          </a:fillRef>
-          <a:effectRef idx="1">
-            <a:schemeClr val="accent1"/>
-          </a:effectRef>
-          <a:fontRef idx="minor">
-            <a:schemeClr val="tx1"/>
-          </a:fontRef>
-        </p:style>
-      </p:cxnSp>
-      <p:cxnSp>
-        <p:nvCxnSpPr>
-          <p:cNvPr id="62" name="Connector: Elbow 61">
-            <a:extLst>
-              <a:ext uri="{FF2B5EF4-FFF2-40B4-BE49-F238E27FC236}">
-                <a16:creationId xmlns:a16="http://schemas.microsoft.com/office/drawing/2014/main" id="{D35DD97E-E52A-99CA-CC80-9998E115C584}"/>
-              </a:ext>
-            </a:extLst>
-          </p:cNvPr>
-          <p:cNvCxnSpPr>
-            <a:cxnSpLocks/>
-            <a:stCxn id="23" idx="2"/>
-            <a:endCxn id="25" idx="0"/>
-          </p:cNvCxnSpPr>
-          <p:nvPr/>
-        </p:nvCxnSpPr>
-        <p:spPr>
-          <a:xfrm rot="16200000" flipH="1">
-            <a:off x="8129698" y="3053070"/>
-            <a:ext cx="318047" cy="917028"/>
-          </a:xfrm>
-          <a:prstGeom prst="bentConnector3">
-            <a:avLst>
-              <a:gd name="adj1" fmla="val 50000"/>
-            </a:avLst>
-          </a:prstGeom>
-          <a:ln w="28575">
-            <a:solidFill>
-              <a:schemeClr val="accent4"/>
-            </a:solidFill>
-            <a:tailEnd type="triangle"/>
-          </a:ln>
-        </p:spPr>
-        <p:style>
-          <a:lnRef idx="2">
-            <a:schemeClr val="accent1"/>
-          </a:lnRef>
-          <a:fillRef idx="0">
-            <a:schemeClr val="accent1"/>
-          </a:fillRef>
-          <a:effectRef idx="1">
-            <a:schemeClr val="accent1"/>
-          </a:effectRef>
-          <a:fontRef idx="minor">
-            <a:schemeClr val="tx1"/>
-          </a:fontRef>
-        </p:style>
-      </p:cxnSp>
-    </p:spTree>
-    <p:extLst>
-      <p:ext uri="{BB962C8B-B14F-4D97-AF65-F5344CB8AC3E}">
-        <p14:creationId xmlns:p14="http://schemas.microsoft.com/office/powerpoint/2010/main" val="3574561080"/>
-      </p:ext>
-    </p:extLst>
-  </p:cSld>
-  <p:clrMapOvr>
-    <a:masterClrMapping/>
-  </p:clrMapOvr>
-  <mc:AlternateContent xmlns:mc="http://schemas.openxmlformats.org/markup-compatibility/2006" xmlns:p14="http://schemas.microsoft.com/office/powerpoint/2010/main">
-    <mc:Choice Requires="p14">
-      <p:transition p14:dur="0"/>
-    </mc:Choice>
-    <mc:Fallback xmlns="">
-      <p:transition/>
-    </mc:Fallback>
-  </mc:AlternateContent>
-</p:sld>
-</file>
-
-<file path=ppt/slides/slide21.xml><?xml version="1.0" encoding="utf-8"?>
-<p:sld xmlns:a="http://schemas.openxmlformats.org/drawingml/2006/main" xmlns:r="http://schemas.openxmlformats.org/officeDocument/2006/relationships" xmlns:p="http://schemas.openxmlformats.org/presentationml/2006/main">
-  <p:cSld>
-    <p:spTree>
-      <p:nvGrpSpPr>
-        <p:cNvPr id="1" name="">
-          <a:extLst>
-            <a:ext uri="{FF2B5EF4-FFF2-40B4-BE49-F238E27FC236}">
-              <a16:creationId xmlns:a16="http://schemas.microsoft.com/office/drawing/2014/main" id="{9EC6CB6E-D7F4-8662-8FDD-B4275500BE93}"/>
-            </a:ext>
-          </a:extLst>
-        </p:cNvPr>
-        <p:cNvGrpSpPr/>
-        <p:nvPr/>
-      </p:nvGrpSpPr>
-      <p:grpSpPr>
-        <a:xfrm>
-          <a:off x="0" y="0"/>
-          <a:ext cx="0" cy="0"/>
-          <a:chOff x="0" y="0"/>
-          <a:chExt cx="0" cy="0"/>
-        </a:xfrm>
-      </p:grpSpPr>
-      <p:sp>
-        <p:nvSpPr>
-          <p:cNvPr id="21" name="Slide Number Placeholder 20">
-            <a:extLst>
-              <a:ext uri="{FF2B5EF4-FFF2-40B4-BE49-F238E27FC236}">
-                <a16:creationId xmlns:a16="http://schemas.microsoft.com/office/drawing/2014/main" id="{1E3E17E2-A019-18C9-DCDB-B89319B87AE0}"/>
-              </a:ext>
-            </a:extLst>
-          </p:cNvPr>
-          <p:cNvSpPr>
-            <a:spLocks noGrp="1"/>
-          </p:cNvSpPr>
-          <p:nvPr>
-            <p:ph type="sldNum" sz="quarter" idx="12"/>
-          </p:nvPr>
-        </p:nvSpPr>
-        <p:spPr/>
-        <p:txBody>
-          <a:bodyPr/>
-          <a:lstStyle/>
-          <a:p>
-            <a:fld id="{7A78D7CD-E273-4158-B1CA-59F0920772DC}" type="slidenum">
-              <a:rPr lang="en-US" smtClean="0"/>
-              <a:t>21</a:t>
-            </a:fld>
-            <a:endParaRPr lang="en-US"/>
-          </a:p>
-        </p:txBody>
-      </p:sp>
-      <p:sp>
-        <p:nvSpPr>
-          <p:cNvPr id="52" name="Oval 51">
-            <a:extLst>
-              <a:ext uri="{FF2B5EF4-FFF2-40B4-BE49-F238E27FC236}">
-                <a16:creationId xmlns:a16="http://schemas.microsoft.com/office/drawing/2014/main" id="{DE9B0AF2-5B18-13AC-18C6-FDD429ED71E5}"/>
-              </a:ext>
-            </a:extLst>
-          </p:cNvPr>
-          <p:cNvSpPr/>
-          <p:nvPr/>
-        </p:nvSpPr>
-        <p:spPr>
-          <a:xfrm>
-            <a:off x="5726281" y="1984113"/>
-            <a:ext cx="914400" cy="914400"/>
-          </a:xfrm>
-          <a:prstGeom prst="ellipse">
-            <a:avLst/>
-          </a:prstGeom>
-          <a:noFill/>
-          <a:ln w="28575" cap="flat" cmpd="sng" algn="ctr">
-            <a:solidFill>
-              <a:schemeClr val="accent3"/>
-            </a:solidFill>
-            <a:prstDash val="solid"/>
-            <a:round/>
-            <a:headEnd type="none" w="med" len="med"/>
-            <a:tailEnd type="none" w="med" len="med"/>
-          </a:ln>
-        </p:spPr>
-        <p:style>
-          <a:lnRef idx="0">
-            <a:scrgbClr r="0" g="0" b="0"/>
-          </a:lnRef>
-          <a:fillRef idx="0">
-            <a:scrgbClr r="0" g="0" b="0"/>
-          </a:fillRef>
-          <a:effectRef idx="0">
-            <a:scrgbClr r="0" g="0" b="0"/>
-          </a:effectRef>
-          <a:fontRef idx="minor">
-            <a:schemeClr val="accent1"/>
-          </a:fontRef>
-        </p:style>
-        <p:txBody>
-          <a:bodyPr lIns="0" tIns="0" rIns="0" bIns="0" rtlCol="0" anchor="ctr"/>
-          <a:lstStyle/>
-          <a:p>
-            <a:pPr algn="ctr"/>
-            <a:r>
-              <a:rPr lang="en-US">
-                <a:solidFill>
-                  <a:schemeClr val="tx1"/>
-                </a:solidFill>
-              </a:rPr>
-              <a:t>3</a:t>
-            </a:r>
-          </a:p>
-        </p:txBody>
-      </p:sp>
-      <p:sp>
-        <p:nvSpPr>
-          <p:cNvPr id="53" name="Oval 52">
-            <a:extLst>
-              <a:ext uri="{FF2B5EF4-FFF2-40B4-BE49-F238E27FC236}">
-                <a16:creationId xmlns:a16="http://schemas.microsoft.com/office/drawing/2014/main" id="{F544A22F-2C93-DA0C-6D97-521D04EB4EEB}"/>
-              </a:ext>
-            </a:extLst>
-          </p:cNvPr>
-          <p:cNvSpPr/>
-          <p:nvPr/>
-        </p:nvSpPr>
-        <p:spPr>
-          <a:xfrm>
-            <a:off x="4214514" y="2908642"/>
-            <a:ext cx="914400" cy="914400"/>
-          </a:xfrm>
-          <a:prstGeom prst="ellipse">
-            <a:avLst/>
-          </a:prstGeom>
-          <a:noFill/>
-          <a:ln w="28575" cap="flat" cmpd="sng" algn="ctr">
-            <a:solidFill>
-              <a:schemeClr val="accent1"/>
-            </a:solidFill>
-            <a:prstDash val="solid"/>
-            <a:round/>
-            <a:headEnd type="none" w="med" len="med"/>
-            <a:tailEnd type="none" w="med" len="med"/>
-          </a:ln>
-        </p:spPr>
-        <p:style>
-          <a:lnRef idx="0">
-            <a:scrgbClr r="0" g="0" b="0"/>
-          </a:lnRef>
-          <a:fillRef idx="0">
-            <a:scrgbClr r="0" g="0" b="0"/>
-          </a:fillRef>
-          <a:effectRef idx="0">
-            <a:scrgbClr r="0" g="0" b="0"/>
-          </a:effectRef>
-          <a:fontRef idx="minor">
-            <a:schemeClr val="accent1"/>
-          </a:fontRef>
-        </p:style>
-        <p:txBody>
-          <a:bodyPr lIns="0" tIns="0" rIns="0" bIns="0" rtlCol="0" anchor="ctr"/>
-          <a:lstStyle/>
-          <a:p>
-            <a:pPr algn="ctr"/>
-            <a:r>
-              <a:rPr lang="en-US">
-                <a:solidFill>
-                  <a:schemeClr val="tx1"/>
-                </a:solidFill>
-              </a:rPr>
-              <a:t>2</a:t>
-            </a:r>
-          </a:p>
-        </p:txBody>
-      </p:sp>
-      <p:cxnSp>
-        <p:nvCxnSpPr>
-          <p:cNvPr id="54" name="Straight Arrow Connector 53">
-            <a:extLst>
-              <a:ext uri="{FF2B5EF4-FFF2-40B4-BE49-F238E27FC236}">
-                <a16:creationId xmlns:a16="http://schemas.microsoft.com/office/drawing/2014/main" id="{AA72D6A7-6B78-3883-66D3-23BDF4823D04}"/>
-              </a:ext>
-            </a:extLst>
-          </p:cNvPr>
-          <p:cNvCxnSpPr>
-            <a:cxnSpLocks/>
-            <a:stCxn id="52" idx="3"/>
-            <a:endCxn id="53" idx="7"/>
-          </p:cNvCxnSpPr>
-          <p:nvPr/>
-        </p:nvCxnSpPr>
-        <p:spPr>
-          <a:xfrm flipH="1">
-            <a:off x="4995003" y="2764602"/>
-            <a:ext cx="865189" cy="277951"/>
-          </a:xfrm>
-          <a:prstGeom prst="straightConnector1">
-            <a:avLst/>
-          </a:prstGeom>
-          <a:ln w="28575">
-            <a:solidFill>
-              <a:schemeClr val="accent4"/>
-            </a:solidFill>
-            <a:tailEnd type="triangle"/>
-          </a:ln>
-        </p:spPr>
-        <p:style>
-          <a:lnRef idx="2">
-            <a:schemeClr val="accent1"/>
-          </a:lnRef>
-          <a:fillRef idx="0">
-            <a:schemeClr val="accent1"/>
-          </a:fillRef>
-          <a:effectRef idx="1">
-            <a:schemeClr val="accent1"/>
-          </a:effectRef>
-          <a:fontRef idx="minor">
-            <a:schemeClr val="tx1"/>
-          </a:fontRef>
-        </p:style>
-      </p:cxnSp>
-      <p:sp>
-        <p:nvSpPr>
-          <p:cNvPr id="55" name="Oval 54">
-            <a:extLst>
-              <a:ext uri="{FF2B5EF4-FFF2-40B4-BE49-F238E27FC236}">
-                <a16:creationId xmlns:a16="http://schemas.microsoft.com/office/drawing/2014/main" id="{0FC9C3DE-8099-E273-DF43-99C1707F37C6}"/>
-              </a:ext>
-            </a:extLst>
-          </p:cNvPr>
-          <p:cNvSpPr/>
-          <p:nvPr/>
-        </p:nvSpPr>
-        <p:spPr>
-          <a:xfrm>
-            <a:off x="8071944" y="3817977"/>
-            <a:ext cx="914400" cy="914400"/>
-          </a:xfrm>
-          <a:prstGeom prst="ellipse">
-            <a:avLst/>
-          </a:prstGeom>
-          <a:noFill/>
-          <a:ln w="28575" cap="flat" cmpd="sng" algn="ctr">
-            <a:solidFill>
-              <a:schemeClr val="accent1"/>
-            </a:solidFill>
-            <a:prstDash val="solid"/>
-            <a:round/>
-            <a:headEnd type="none" w="med" len="med"/>
-            <a:tailEnd type="none" w="med" len="med"/>
-          </a:ln>
-        </p:spPr>
-        <p:style>
-          <a:lnRef idx="0">
-            <a:scrgbClr r="0" g="0" b="0"/>
-          </a:lnRef>
-          <a:fillRef idx="0">
-            <a:scrgbClr r="0" g="0" b="0"/>
-          </a:fillRef>
-          <a:effectRef idx="0">
-            <a:scrgbClr r="0" g="0" b="0"/>
-          </a:effectRef>
-          <a:fontRef idx="minor">
-            <a:schemeClr val="accent1"/>
-          </a:fontRef>
-        </p:style>
-        <p:txBody>
-          <a:bodyPr lIns="0" tIns="0" rIns="0" bIns="0" rtlCol="0" anchor="ctr"/>
-          <a:lstStyle/>
-          <a:p>
-            <a:pPr algn="ctr"/>
-            <a:r>
-              <a:rPr lang="en-US">
-                <a:solidFill>
-                  <a:schemeClr val="tx1"/>
-                </a:solidFill>
-              </a:rPr>
-              <a:t>7</a:t>
-            </a:r>
-          </a:p>
-        </p:txBody>
-      </p:sp>
-      <p:cxnSp>
-        <p:nvCxnSpPr>
-          <p:cNvPr id="56" name="Straight Arrow Connector 55">
-            <a:extLst>
-              <a:ext uri="{FF2B5EF4-FFF2-40B4-BE49-F238E27FC236}">
-                <a16:creationId xmlns:a16="http://schemas.microsoft.com/office/drawing/2014/main" id="{AFB66557-50F5-BFF9-4B68-5944A4BF18CB}"/>
-              </a:ext>
-            </a:extLst>
-          </p:cNvPr>
-          <p:cNvCxnSpPr>
-            <a:cxnSpLocks/>
-            <a:stCxn id="59" idx="5"/>
-            <a:endCxn id="55" idx="1"/>
-          </p:cNvCxnSpPr>
-          <p:nvPr/>
-        </p:nvCxnSpPr>
-        <p:spPr>
-          <a:xfrm>
-            <a:off x="7938033" y="3684066"/>
-            <a:ext cx="267822" cy="267822"/>
-          </a:xfrm>
-          <a:prstGeom prst="straightConnector1">
-            <a:avLst/>
-          </a:prstGeom>
-          <a:ln w="28575">
-            <a:solidFill>
-              <a:schemeClr val="accent4"/>
-            </a:solidFill>
-            <a:tailEnd type="triangle"/>
-          </a:ln>
-        </p:spPr>
-        <p:style>
-          <a:lnRef idx="2">
-            <a:schemeClr val="accent1"/>
-          </a:lnRef>
-          <a:fillRef idx="0">
-            <a:schemeClr val="accent1"/>
-          </a:fillRef>
-          <a:effectRef idx="1">
-            <a:schemeClr val="accent1"/>
-          </a:effectRef>
-          <a:fontRef idx="minor">
-            <a:schemeClr val="tx1"/>
-          </a:fontRef>
-        </p:style>
-      </p:cxnSp>
-      <p:sp>
-        <p:nvSpPr>
-          <p:cNvPr id="57" name="Oval 56">
-            <a:extLst>
-              <a:ext uri="{FF2B5EF4-FFF2-40B4-BE49-F238E27FC236}">
-                <a16:creationId xmlns:a16="http://schemas.microsoft.com/office/drawing/2014/main" id="{10A41EAF-ADE6-5EBD-D46A-88505352A499}"/>
-              </a:ext>
-            </a:extLst>
-          </p:cNvPr>
-          <p:cNvSpPr/>
-          <p:nvPr/>
-        </p:nvSpPr>
-        <p:spPr>
-          <a:xfrm>
-            <a:off x="6243144" y="3817977"/>
-            <a:ext cx="914400" cy="914400"/>
-          </a:xfrm>
-          <a:prstGeom prst="ellipse">
-            <a:avLst/>
-          </a:prstGeom>
-          <a:noFill/>
-          <a:ln w="28575" cap="flat" cmpd="sng" algn="ctr">
-            <a:solidFill>
-              <a:schemeClr val="accent1"/>
-            </a:solidFill>
-            <a:prstDash val="solid"/>
-            <a:round/>
-            <a:headEnd type="none" w="med" len="med"/>
-            <a:tailEnd type="none" w="med" len="med"/>
-          </a:ln>
-        </p:spPr>
-        <p:style>
-          <a:lnRef idx="0">
-            <a:scrgbClr r="0" g="0" b="0"/>
-          </a:lnRef>
-          <a:fillRef idx="0">
-            <a:scrgbClr r="0" g="0" b="0"/>
-          </a:fillRef>
-          <a:effectRef idx="0">
-            <a:scrgbClr r="0" g="0" b="0"/>
-          </a:effectRef>
-          <a:fontRef idx="minor">
-            <a:schemeClr val="accent1"/>
-          </a:fontRef>
-        </p:style>
-        <p:txBody>
-          <a:bodyPr lIns="0" tIns="0" rIns="0" bIns="0" rtlCol="0" anchor="ctr"/>
-          <a:lstStyle/>
-          <a:p>
-            <a:pPr algn="ctr"/>
-            <a:r>
-              <a:rPr lang="en-US">
-                <a:solidFill>
-                  <a:schemeClr val="tx1"/>
-                </a:solidFill>
-              </a:rPr>
-              <a:t>5</a:t>
-            </a:r>
-          </a:p>
-        </p:txBody>
-      </p:sp>
-      <p:cxnSp>
-        <p:nvCxnSpPr>
-          <p:cNvPr id="58" name="Straight Arrow Connector 57">
-            <a:extLst>
-              <a:ext uri="{FF2B5EF4-FFF2-40B4-BE49-F238E27FC236}">
-                <a16:creationId xmlns:a16="http://schemas.microsoft.com/office/drawing/2014/main" id="{F6A72D8C-AD1B-9245-C777-D7657A1D3880}"/>
-              </a:ext>
-            </a:extLst>
-          </p:cNvPr>
-          <p:cNvCxnSpPr>
-            <a:cxnSpLocks/>
-            <a:stCxn id="59" idx="3"/>
-            <a:endCxn id="57" idx="7"/>
-          </p:cNvCxnSpPr>
-          <p:nvPr/>
-        </p:nvCxnSpPr>
-        <p:spPr>
-          <a:xfrm flipH="1">
-            <a:off x="7023633" y="3684066"/>
-            <a:ext cx="267822" cy="267822"/>
-          </a:xfrm>
-          <a:prstGeom prst="straightConnector1">
-            <a:avLst/>
-          </a:prstGeom>
-          <a:ln w="28575">
-            <a:solidFill>
-              <a:schemeClr val="accent4"/>
-            </a:solidFill>
-            <a:tailEnd type="triangle"/>
-          </a:ln>
-        </p:spPr>
-        <p:style>
-          <a:lnRef idx="2">
-            <a:schemeClr val="accent1"/>
-          </a:lnRef>
-          <a:fillRef idx="0">
-            <a:schemeClr val="accent1"/>
-          </a:fillRef>
-          <a:effectRef idx="1">
-            <a:schemeClr val="accent1"/>
-          </a:effectRef>
-          <a:fontRef idx="minor">
-            <a:schemeClr val="tx1"/>
-          </a:fontRef>
-        </p:style>
-      </p:cxnSp>
-      <p:sp>
-        <p:nvSpPr>
-          <p:cNvPr id="59" name="Oval 58">
-            <a:extLst>
-              <a:ext uri="{FF2B5EF4-FFF2-40B4-BE49-F238E27FC236}">
-                <a16:creationId xmlns:a16="http://schemas.microsoft.com/office/drawing/2014/main" id="{C39388F9-BE51-6231-6469-CE4992EE4E1E}"/>
-              </a:ext>
-            </a:extLst>
-          </p:cNvPr>
-          <p:cNvSpPr/>
-          <p:nvPr/>
-        </p:nvSpPr>
-        <p:spPr>
-          <a:xfrm>
-            <a:off x="7157544" y="2903577"/>
-            <a:ext cx="914400" cy="914400"/>
-          </a:xfrm>
-          <a:prstGeom prst="ellipse">
-            <a:avLst/>
-          </a:prstGeom>
-          <a:noFill/>
-          <a:ln w="28575" cap="flat" cmpd="sng" algn="ctr">
-            <a:solidFill>
-              <a:schemeClr val="accent1"/>
-            </a:solidFill>
-            <a:prstDash val="solid"/>
-            <a:round/>
-            <a:headEnd type="none" w="med" len="med"/>
-            <a:tailEnd type="none" w="med" len="med"/>
-          </a:ln>
-        </p:spPr>
-        <p:style>
-          <a:lnRef idx="0">
-            <a:scrgbClr r="0" g="0" b="0"/>
-          </a:lnRef>
-          <a:fillRef idx="0">
-            <a:scrgbClr r="0" g="0" b="0"/>
-          </a:fillRef>
-          <a:effectRef idx="0">
-            <a:scrgbClr r="0" g="0" b="0"/>
-          </a:effectRef>
-          <a:fontRef idx="minor">
-            <a:schemeClr val="accent1"/>
-          </a:fontRef>
-        </p:style>
-        <p:txBody>
-          <a:bodyPr lIns="0" tIns="0" rIns="0" bIns="0" rtlCol="0" anchor="ctr"/>
-          <a:lstStyle/>
-          <a:p>
-            <a:pPr algn="ctr"/>
-            <a:r>
-              <a:rPr lang="en-US">
-                <a:solidFill>
-                  <a:schemeClr val="tx1"/>
-                </a:solidFill>
-              </a:rPr>
-              <a:t>6</a:t>
-            </a:r>
-          </a:p>
-        </p:txBody>
-      </p:sp>
-      <p:cxnSp>
-        <p:nvCxnSpPr>
-          <p:cNvPr id="60" name="Straight Arrow Connector 59">
-            <a:extLst>
-              <a:ext uri="{FF2B5EF4-FFF2-40B4-BE49-F238E27FC236}">
-                <a16:creationId xmlns:a16="http://schemas.microsoft.com/office/drawing/2014/main" id="{89136079-C38C-D7DA-9C89-B31AC670791E}"/>
-              </a:ext>
-            </a:extLst>
-          </p:cNvPr>
-          <p:cNvCxnSpPr>
-            <a:cxnSpLocks/>
-            <a:stCxn id="52" idx="5"/>
-            <a:endCxn id="59" idx="1"/>
-          </p:cNvCxnSpPr>
-          <p:nvPr/>
-        </p:nvCxnSpPr>
-        <p:spPr>
-          <a:xfrm>
-            <a:off x="6506770" y="2764602"/>
-            <a:ext cx="784685" cy="272886"/>
-          </a:xfrm>
-          <a:prstGeom prst="straightConnector1">
-            <a:avLst/>
-          </a:prstGeom>
-          <a:ln w="28575">
-            <a:solidFill>
-              <a:schemeClr val="accent4"/>
-            </a:solidFill>
-            <a:tailEnd type="triangle"/>
-          </a:ln>
-        </p:spPr>
-        <p:style>
-          <a:lnRef idx="2">
-            <a:schemeClr val="accent1"/>
-          </a:lnRef>
-          <a:fillRef idx="0">
-            <a:schemeClr val="accent1"/>
-          </a:fillRef>
-          <a:effectRef idx="1">
-            <a:schemeClr val="accent1"/>
-          </a:effectRef>
-          <a:fontRef idx="minor">
-            <a:schemeClr val="tx1"/>
-          </a:fontRef>
-        </p:style>
-      </p:cxnSp>
-      <p:sp>
-        <p:nvSpPr>
-          <p:cNvPr id="84" name="Oval 83">
-            <a:extLst>
-              <a:ext uri="{FF2B5EF4-FFF2-40B4-BE49-F238E27FC236}">
-                <a16:creationId xmlns:a16="http://schemas.microsoft.com/office/drawing/2014/main" id="{93DE92F1-F589-6EA4-AADC-52BAAD633672}"/>
-              </a:ext>
-            </a:extLst>
-          </p:cNvPr>
-          <p:cNvSpPr/>
-          <p:nvPr/>
-        </p:nvSpPr>
-        <p:spPr>
-          <a:xfrm>
-            <a:off x="5132688" y="3817977"/>
-            <a:ext cx="914400" cy="914400"/>
-          </a:xfrm>
-          <a:prstGeom prst="ellipse">
-            <a:avLst/>
-          </a:prstGeom>
-          <a:noFill/>
-          <a:ln w="28575" cap="flat" cmpd="sng" algn="ctr">
-            <a:solidFill>
-              <a:schemeClr val="accent3"/>
-            </a:solidFill>
-            <a:prstDash val="solid"/>
-            <a:round/>
-            <a:headEnd type="none" w="med" len="med"/>
-            <a:tailEnd type="none" w="med" len="med"/>
-          </a:ln>
-        </p:spPr>
-        <p:style>
-          <a:lnRef idx="0">
-            <a:scrgbClr r="0" g="0" b="0"/>
-          </a:lnRef>
-          <a:fillRef idx="0">
-            <a:scrgbClr r="0" g="0" b="0"/>
-          </a:fillRef>
-          <a:effectRef idx="0">
-            <a:scrgbClr r="0" g="0" b="0"/>
-          </a:effectRef>
-          <a:fontRef idx="minor">
-            <a:schemeClr val="accent1"/>
-          </a:fontRef>
-        </p:style>
-        <p:txBody>
-          <a:bodyPr lIns="0" tIns="0" rIns="0" bIns="0" rtlCol="0" anchor="ctr"/>
-          <a:lstStyle/>
-          <a:p>
-            <a:pPr algn="ctr"/>
-            <a:r>
-              <a:rPr lang="en-US">
-                <a:solidFill>
-                  <a:schemeClr val="tx1"/>
-                </a:solidFill>
-              </a:rPr>
               <a:t>4</a:t>
-            </a:r>
-          </a:p>
-        </p:txBody>
-      </p:sp>
-      <p:cxnSp>
-        <p:nvCxnSpPr>
-          <p:cNvPr id="87" name="Straight Arrow Connector 86">
-            <a:extLst>
-              <a:ext uri="{FF2B5EF4-FFF2-40B4-BE49-F238E27FC236}">
-                <a16:creationId xmlns:a16="http://schemas.microsoft.com/office/drawing/2014/main" id="{6ACFD58F-5E56-2598-FF15-8682326A592B}"/>
-              </a:ext>
-            </a:extLst>
-          </p:cNvPr>
-          <p:cNvCxnSpPr>
-            <a:cxnSpLocks/>
-            <a:stCxn id="53" idx="5"/>
-            <a:endCxn id="84" idx="1"/>
-          </p:cNvCxnSpPr>
-          <p:nvPr/>
-        </p:nvCxnSpPr>
-        <p:spPr>
-          <a:xfrm>
-            <a:off x="4995003" y="3689131"/>
-            <a:ext cx="271596" cy="262757"/>
-          </a:xfrm>
-          <a:prstGeom prst="straightConnector1">
-            <a:avLst/>
-          </a:prstGeom>
-          <a:ln w="28575">
-            <a:solidFill>
-              <a:schemeClr val="accent4"/>
-            </a:solidFill>
-            <a:tailEnd type="triangle"/>
-          </a:ln>
-        </p:spPr>
-        <p:style>
-          <a:lnRef idx="2">
-            <a:schemeClr val="accent1"/>
-          </a:lnRef>
-          <a:fillRef idx="0">
-            <a:schemeClr val="accent1"/>
-          </a:fillRef>
-          <a:effectRef idx="1">
-            <a:schemeClr val="accent1"/>
-          </a:effectRef>
-          <a:fontRef idx="minor">
-            <a:schemeClr val="tx1"/>
-          </a:fontRef>
-        </p:style>
-      </p:cxnSp>
-      <p:cxnSp>
-        <p:nvCxnSpPr>
-          <p:cNvPr id="90" name="Straight Arrow Connector 89">
-            <a:extLst>
-              <a:ext uri="{FF2B5EF4-FFF2-40B4-BE49-F238E27FC236}">
-                <a16:creationId xmlns:a16="http://schemas.microsoft.com/office/drawing/2014/main" id="{2A1E4FE6-5911-5D6C-3AEA-75820579A3F5}"/>
-              </a:ext>
-            </a:extLst>
-          </p:cNvPr>
-          <p:cNvCxnSpPr>
-            <a:cxnSpLocks/>
-            <a:stCxn id="53" idx="3"/>
-            <a:endCxn id="93" idx="7"/>
-          </p:cNvCxnSpPr>
-          <p:nvPr/>
-        </p:nvCxnSpPr>
-        <p:spPr>
-          <a:xfrm flipH="1">
-            <a:off x="4076829" y="3689131"/>
-            <a:ext cx="271596" cy="262949"/>
-          </a:xfrm>
-          <a:prstGeom prst="straightConnector1">
-            <a:avLst/>
-          </a:prstGeom>
-          <a:ln w="28575">
-            <a:solidFill>
-              <a:schemeClr val="accent4"/>
-            </a:solidFill>
-            <a:tailEnd type="triangle"/>
-          </a:ln>
-        </p:spPr>
-        <p:style>
-          <a:lnRef idx="2">
-            <a:schemeClr val="accent1"/>
-          </a:lnRef>
-          <a:fillRef idx="0">
-            <a:schemeClr val="accent1"/>
-          </a:fillRef>
-          <a:effectRef idx="1">
-            <a:schemeClr val="accent1"/>
-          </a:effectRef>
-          <a:fontRef idx="minor">
-            <a:schemeClr val="tx1"/>
-          </a:fontRef>
-        </p:style>
-      </p:cxnSp>
-      <p:sp>
-        <p:nvSpPr>
-          <p:cNvPr id="93" name="Oval 92">
-            <a:extLst>
-              <a:ext uri="{FF2B5EF4-FFF2-40B4-BE49-F238E27FC236}">
-                <a16:creationId xmlns:a16="http://schemas.microsoft.com/office/drawing/2014/main" id="{D1505752-FFC9-EDC2-A4A6-67F7FA362062}"/>
-              </a:ext>
-            </a:extLst>
-          </p:cNvPr>
-          <p:cNvSpPr/>
-          <p:nvPr/>
-        </p:nvSpPr>
-        <p:spPr>
-          <a:xfrm>
-            <a:off x="3296340" y="3818169"/>
-            <a:ext cx="914400" cy="914400"/>
-          </a:xfrm>
-          <a:prstGeom prst="ellipse">
-            <a:avLst/>
-          </a:prstGeom>
-          <a:noFill/>
-          <a:ln w="28575" cap="flat" cmpd="sng" algn="ctr">
-            <a:solidFill>
-              <a:schemeClr val="accent1"/>
-            </a:solidFill>
-            <a:prstDash val="solid"/>
-            <a:round/>
-            <a:headEnd type="none" w="med" len="med"/>
-            <a:tailEnd type="none" w="med" len="med"/>
-          </a:ln>
-        </p:spPr>
-        <p:style>
-          <a:lnRef idx="0">
-            <a:scrgbClr r="0" g="0" b="0"/>
-          </a:lnRef>
-          <a:fillRef idx="0">
-            <a:scrgbClr r="0" g="0" b="0"/>
-          </a:fillRef>
-          <a:effectRef idx="0">
-            <a:scrgbClr r="0" g="0" b="0"/>
-          </a:effectRef>
-          <a:fontRef idx="minor">
-            <a:schemeClr val="accent1"/>
-          </a:fontRef>
-        </p:style>
-        <p:txBody>
-          <a:bodyPr lIns="0" tIns="0" rIns="0" bIns="0" rtlCol="0" anchor="ctr"/>
-          <a:lstStyle/>
-          <a:p>
-            <a:pPr algn="ctr"/>
-            <a:r>
-              <a:rPr lang="en-US">
-                <a:solidFill>
-                  <a:schemeClr val="tx1"/>
-                </a:solidFill>
-              </a:rPr>
-              <a:t>1</a:t>
-            </a:r>
-          </a:p>
-        </p:txBody>
-      </p:sp>
-      <p:sp>
-        <p:nvSpPr>
-          <p:cNvPr id="11" name="TextBox 10">
-            <a:extLst>
-              <a:ext uri="{FF2B5EF4-FFF2-40B4-BE49-F238E27FC236}">
-                <a16:creationId xmlns:a16="http://schemas.microsoft.com/office/drawing/2014/main" id="{E5C738F3-731C-0435-44D3-83B1F87C98C0}"/>
-              </a:ext>
-            </a:extLst>
-          </p:cNvPr>
-          <p:cNvSpPr txBox="1"/>
-          <p:nvPr/>
-        </p:nvSpPr>
-        <p:spPr>
-          <a:xfrm>
-            <a:off x="4458937" y="4871352"/>
-            <a:ext cx="2261901" cy="369332"/>
-          </a:xfrm>
-          <a:prstGeom prst="rect">
-            <a:avLst/>
-          </a:prstGeom>
-          <a:noFill/>
-        </p:spPr>
-        <p:txBody>
-          <a:bodyPr wrap="none" rtlCol="0">
-            <a:spAutoFit/>
-          </a:bodyPr>
-          <a:lstStyle/>
-          <a:p>
-            <a:r>
-              <a:rPr lang="en-US"/>
-              <a:t>4 is left of 3, but 4 &gt; 3</a:t>
-            </a:r>
-          </a:p>
-        </p:txBody>
-      </p:sp>
-    </p:spTree>
-    <p:extLst>
-      <p:ext uri="{BB962C8B-B14F-4D97-AF65-F5344CB8AC3E}">
-        <p14:creationId xmlns:p14="http://schemas.microsoft.com/office/powerpoint/2010/main" val="919139004"/>
-      </p:ext>
-    </p:extLst>
-  </p:cSld>
-  <p:clrMapOvr>
-    <a:masterClrMapping/>
-  </p:clrMapOvr>
-  <mc:AlternateContent xmlns:mc="http://schemas.openxmlformats.org/markup-compatibility/2006" xmlns:p14="http://schemas.microsoft.com/office/powerpoint/2010/main">
-    <mc:Choice Requires="p14">
-      <p:transition p14:dur="0"/>
-    </mc:Choice>
-    <mc:Fallback xmlns="">
-      <p:transition/>
-    </mc:Fallback>
-  </mc:AlternateContent>
-</p:sld>
-</file>
-
-<file path=ppt/slides/slide3.xml><?xml version="1.0" encoding="utf-8"?>
-<p:sld xmlns:a="http://schemas.openxmlformats.org/drawingml/2006/main" xmlns:r="http://schemas.openxmlformats.org/officeDocument/2006/relationships" xmlns:p="http://schemas.openxmlformats.org/presentationml/2006/main">
-  <p:cSld>
-    <p:spTree>
-      <p:nvGrpSpPr>
-        <p:cNvPr id="1" name=""/>
-        <p:cNvGrpSpPr/>
-        <p:nvPr/>
-      </p:nvGrpSpPr>
-      <p:grpSpPr>
-        <a:xfrm>
-          <a:off x="0" y="0"/>
-          <a:ext cx="0" cy="0"/>
-          <a:chOff x="0" y="0"/>
-          <a:chExt cx="0" cy="0"/>
-        </a:xfrm>
-      </p:grpSpPr>
-      <p:sp>
-        <p:nvSpPr>
-          <p:cNvPr id="4" name="Slide Number Placeholder 3">
-            <a:extLst>
-              <a:ext uri="{FF2B5EF4-FFF2-40B4-BE49-F238E27FC236}">
-                <a16:creationId xmlns:a16="http://schemas.microsoft.com/office/drawing/2014/main" id="{608BCF68-02F4-2282-B8F0-A5058366825B}"/>
-              </a:ext>
-            </a:extLst>
-          </p:cNvPr>
-          <p:cNvSpPr>
-            <a:spLocks noGrp="1"/>
-          </p:cNvSpPr>
-          <p:nvPr>
-            <p:ph type="sldNum" sz="quarter" idx="12"/>
-          </p:nvPr>
-        </p:nvSpPr>
-        <p:spPr/>
-        <p:txBody>
-          <a:bodyPr/>
-          <a:lstStyle/>
-          <a:p>
-            <a:fld id="{7A78D7CD-E273-4158-B1CA-59F0920772DC}" type="slidenum">
-              <a:rPr lang="en-US" smtClean="0"/>
-              <a:t>3</a:t>
             </a:fld>
             <a:endParaRPr lang="en-US"/>
           </a:p>
@@ -15385,7 +17577,7 @@
 </p:sld>
 </file>
 
-<file path=ppt/slides/slide4.xml><?xml version="1.0" encoding="utf-8"?>
+<file path=ppt/slides/slide5.xml><?xml version="1.0" encoding="utf-8"?>
 <p:sld xmlns:a="http://schemas.openxmlformats.org/drawingml/2006/main" xmlns:r="http://schemas.openxmlformats.org/officeDocument/2006/relationships" xmlns:p="http://schemas.openxmlformats.org/presentationml/2006/main">
   <p:cSld>
     <p:spTree>
@@ -15431,7 +17623,7 @@
           <a:p>
             <a:fld id="{7A78D7CD-E273-4158-B1CA-59F0920772DC}" type="slidenum">
               <a:rPr lang="en-US" smtClean="0"/>
-              <a:t>4</a:t>
+              <a:t>5</a:t>
             </a:fld>
             <a:endParaRPr lang="en-US"/>
           </a:p>
@@ -16639,13 +18831,13 @@
   <p:clrMapOvr>
     <a:masterClrMapping/>
   </p:clrMapOvr>
-  <mc:AlternateContent xmlns:mc="http://schemas.openxmlformats.org/markup-compatibility/2006">
-    <mc:Choice xmlns:p159="http://schemas.microsoft.com/office/powerpoint/2015/09/main" Requires="p159">
+  <mc:AlternateContent xmlns:mc="http://schemas.openxmlformats.org/markup-compatibility/2006" xmlns:p159="http://schemas.microsoft.com/office/powerpoint/2015/09/main">
+    <mc:Choice Requires="p159">
       <p:transition>
         <p159:morph option="byObject"/>
       </p:transition>
     </mc:Choice>
-    <mc:Fallback>
+    <mc:Fallback xmlns="">
       <p:transition>
         <p:fade/>
       </p:transition>
@@ -16654,7 +18846,7 @@
 </p:sld>
 </file>
 
-<file path=ppt/slides/slide5.xml><?xml version="1.0" encoding="utf-8"?>
+<file path=ppt/slides/slide6.xml><?xml version="1.0" encoding="utf-8"?>
 <p:sld xmlns:a="http://schemas.openxmlformats.org/drawingml/2006/main" xmlns:r="http://schemas.openxmlformats.org/officeDocument/2006/relationships" xmlns:p="http://schemas.openxmlformats.org/presentationml/2006/main">
   <p:cSld>
     <p:spTree>
@@ -16700,7 +18892,7 @@
           <a:p>
             <a:fld id="{7A78D7CD-E273-4158-B1CA-59F0920772DC}" type="slidenum">
               <a:rPr lang="en-US" smtClean="0"/>
-              <a:t>5</a:t>
+              <a:t>6</a:t>
             </a:fld>
             <a:endParaRPr lang="en-US"/>
           </a:p>
@@ -17908,13 +20100,13 @@
   <p:clrMapOvr>
     <a:masterClrMapping/>
   </p:clrMapOvr>
-  <mc:AlternateContent xmlns:mc="http://schemas.openxmlformats.org/markup-compatibility/2006">
-    <mc:Choice xmlns:p159="http://schemas.microsoft.com/office/powerpoint/2015/09/main" Requires="p159">
+  <mc:AlternateContent xmlns:mc="http://schemas.openxmlformats.org/markup-compatibility/2006" xmlns:p159="http://schemas.microsoft.com/office/powerpoint/2015/09/main">
+    <mc:Choice Requires="p159">
       <p:transition>
         <p159:morph option="byObject"/>
       </p:transition>
     </mc:Choice>
-    <mc:Fallback>
+    <mc:Fallback xmlns="">
       <p:transition>
         <p:fade/>
       </p:transition>
@@ -17923,7 +20115,7 @@
 </p:sld>
 </file>
 
-<file path=ppt/slides/slide6.xml><?xml version="1.0" encoding="utf-8"?>
+<file path=ppt/slides/slide7.xml><?xml version="1.0" encoding="utf-8"?>
 <p:sld xmlns:a="http://schemas.openxmlformats.org/drawingml/2006/main" xmlns:r="http://schemas.openxmlformats.org/officeDocument/2006/relationships" xmlns:p="http://schemas.openxmlformats.org/presentationml/2006/main">
   <p:cSld>
     <p:spTree>
@@ -17969,7 +20161,7 @@
           <a:p>
             <a:fld id="{7A78D7CD-E273-4158-B1CA-59F0920772DC}" type="slidenum">
               <a:rPr lang="en-US" smtClean="0"/>
-              <a:t>6</a:t>
+              <a:t>7</a:t>
             </a:fld>
             <a:endParaRPr lang="en-US"/>
           </a:p>
@@ -18902,13 +21094,13 @@
   <p:clrMapOvr>
     <a:masterClrMapping/>
   </p:clrMapOvr>
-  <mc:AlternateContent xmlns:mc="http://schemas.openxmlformats.org/markup-compatibility/2006">
-    <mc:Choice xmlns:p159="http://schemas.microsoft.com/office/powerpoint/2015/09/main" Requires="p159">
+  <mc:AlternateContent xmlns:mc="http://schemas.openxmlformats.org/markup-compatibility/2006" xmlns:p159="http://schemas.microsoft.com/office/powerpoint/2015/09/main">
+    <mc:Choice Requires="p159">
       <p:transition>
         <p159:morph option="byObject"/>
       </p:transition>
     </mc:Choice>
-    <mc:Fallback>
+    <mc:Fallback xmlns="">
       <p:transition>
         <p:fade/>
       </p:transition>
@@ -18917,7 +21109,7 @@
 </p:sld>
 </file>
 
-<file path=ppt/slides/slide7.xml><?xml version="1.0" encoding="utf-8"?>
+<file path=ppt/slides/slide8.xml><?xml version="1.0" encoding="utf-8"?>
 <p:sld xmlns:a="http://schemas.openxmlformats.org/drawingml/2006/main" xmlns:r="http://schemas.openxmlformats.org/officeDocument/2006/relationships" xmlns:p="http://schemas.openxmlformats.org/presentationml/2006/main">
   <p:cSld>
     <p:spTree>
@@ -18963,7 +21155,7 @@
           <a:p>
             <a:fld id="{7A78D7CD-E273-4158-B1CA-59F0920772DC}" type="slidenum">
               <a:rPr lang="en-US" smtClean="0"/>
-              <a:t>7</a:t>
+              <a:t>8</a:t>
             </a:fld>
             <a:endParaRPr lang="en-US"/>
           </a:p>
@@ -20038,13 +22230,13 @@
   <p:clrMapOvr>
     <a:masterClrMapping/>
   </p:clrMapOvr>
-  <mc:AlternateContent xmlns:mc="http://schemas.openxmlformats.org/markup-compatibility/2006">
-    <mc:Choice xmlns:p159="http://schemas.microsoft.com/office/powerpoint/2015/09/main" Requires="p159">
+  <mc:AlternateContent xmlns:mc="http://schemas.openxmlformats.org/markup-compatibility/2006" xmlns:p159="http://schemas.microsoft.com/office/powerpoint/2015/09/main">
+    <mc:Choice Requires="p159">
       <p:transition>
         <p159:morph option="byObject"/>
       </p:transition>
     </mc:Choice>
-    <mc:Fallback>
+    <mc:Fallback xmlns="">
       <p:transition>
         <p:fade/>
       </p:transition>
@@ -20053,7 +22245,7 @@
 </p:sld>
 </file>
 
-<file path=ppt/slides/slide8.xml><?xml version="1.0" encoding="utf-8"?>
+<file path=ppt/slides/slide9.xml><?xml version="1.0" encoding="utf-8"?>
 <p:sld xmlns:a="http://schemas.openxmlformats.org/drawingml/2006/main" xmlns:r="http://schemas.openxmlformats.org/officeDocument/2006/relationships" xmlns:p="http://schemas.openxmlformats.org/presentationml/2006/main">
   <p:cSld>
     <p:spTree>
@@ -20099,7 +22291,7 @@
           <a:p>
             <a:fld id="{7A78D7CD-E273-4158-B1CA-59F0920772DC}" type="slidenum">
               <a:rPr lang="en-US" smtClean="0"/>
-              <a:t>8</a:t>
+              <a:t>9</a:t>
             </a:fld>
             <a:endParaRPr lang="en-US"/>
           </a:p>
@@ -21209,721 +23401,13 @@
   <p:clrMapOvr>
     <a:masterClrMapping/>
   </p:clrMapOvr>
-  <mc:AlternateContent xmlns:mc="http://schemas.openxmlformats.org/markup-compatibility/2006">
-    <mc:Choice xmlns:p159="http://schemas.microsoft.com/office/powerpoint/2015/09/main" Requires="p159">
+  <mc:AlternateContent xmlns:mc="http://schemas.openxmlformats.org/markup-compatibility/2006" xmlns:p159="http://schemas.microsoft.com/office/powerpoint/2015/09/main">
+    <mc:Choice Requires="p159">
       <p:transition>
         <p159:morph option="byObject"/>
       </p:transition>
     </mc:Choice>
-    <mc:Fallback>
-      <p:transition>
-        <p:fade/>
-      </p:transition>
-    </mc:Fallback>
-  </mc:AlternateContent>
-</p:sld>
-</file>
-
-<file path=ppt/slides/slide9.xml><?xml version="1.0" encoding="utf-8"?>
-<p:sld xmlns:a="http://schemas.openxmlformats.org/drawingml/2006/main" xmlns:r="http://schemas.openxmlformats.org/officeDocument/2006/relationships" xmlns:p="http://schemas.openxmlformats.org/presentationml/2006/main">
-  <p:cSld>
-    <p:spTree>
-      <p:nvGrpSpPr>
-        <p:cNvPr id="1" name="">
-          <a:extLst>
-            <a:ext uri="{FF2B5EF4-FFF2-40B4-BE49-F238E27FC236}">
-              <a16:creationId xmlns:a16="http://schemas.microsoft.com/office/drawing/2014/main" id="{D6A3DD20-91FF-21DA-C603-5F1617E07D51}"/>
-            </a:ext>
-          </a:extLst>
-        </p:cNvPr>
-        <p:cNvGrpSpPr/>
-        <p:nvPr/>
-      </p:nvGrpSpPr>
-      <p:grpSpPr>
-        <a:xfrm>
-          <a:off x="0" y="0"/>
-          <a:ext cx="0" cy="0"/>
-          <a:chOff x="0" y="0"/>
-          <a:chExt cx="0" cy="0"/>
-        </a:xfrm>
-      </p:grpSpPr>
-      <p:sp>
-        <p:nvSpPr>
-          <p:cNvPr id="4" name="Slide Number Placeholder 3">
-            <a:extLst>
-              <a:ext uri="{FF2B5EF4-FFF2-40B4-BE49-F238E27FC236}">
-                <a16:creationId xmlns:a16="http://schemas.microsoft.com/office/drawing/2014/main" id="{36521F35-0865-4443-DA55-27C711D4044C}"/>
-              </a:ext>
-            </a:extLst>
-          </p:cNvPr>
-          <p:cNvSpPr>
-            <a:spLocks noGrp="1"/>
-          </p:cNvSpPr>
-          <p:nvPr>
-            <p:ph type="sldNum" sz="quarter" idx="12"/>
-          </p:nvPr>
-        </p:nvSpPr>
-        <p:spPr/>
-        <p:txBody>
-          <a:bodyPr/>
-          <a:lstStyle/>
-          <a:p>
-            <a:fld id="{7A78D7CD-E273-4158-B1CA-59F0920772DC}" type="slidenum">
-              <a:rPr lang="en-US" smtClean="0"/>
-              <a:t>9</a:t>
-            </a:fld>
-            <a:endParaRPr lang="en-US"/>
-          </a:p>
-        </p:txBody>
-      </p:sp>
-      <p:sp>
-        <p:nvSpPr>
-          <p:cNvPr id="6" name="Oval 5">
-            <a:extLst>
-              <a:ext uri="{FF2B5EF4-FFF2-40B4-BE49-F238E27FC236}">
-                <a16:creationId xmlns:a16="http://schemas.microsoft.com/office/drawing/2014/main" id="{39FA1943-B294-C63D-0BCA-CB79A910B928}"/>
-              </a:ext>
-            </a:extLst>
-          </p:cNvPr>
-          <p:cNvSpPr/>
-          <p:nvPr/>
-        </p:nvSpPr>
-        <p:spPr>
-          <a:xfrm>
-            <a:off x="5643427" y="2046660"/>
-            <a:ext cx="914400" cy="914400"/>
-          </a:xfrm>
-          <a:prstGeom prst="ellipse">
-            <a:avLst/>
-          </a:prstGeom>
-          <a:noFill/>
-          <a:ln w="28575" cap="flat" cmpd="sng" algn="ctr">
-            <a:solidFill>
-              <a:schemeClr val="accent1"/>
-            </a:solidFill>
-            <a:prstDash val="solid"/>
-            <a:round/>
-            <a:headEnd type="none" w="med" len="med"/>
-            <a:tailEnd type="none" w="med" len="med"/>
-          </a:ln>
-        </p:spPr>
-        <p:style>
-          <a:lnRef idx="0">
-            <a:scrgbClr r="0" g="0" b="0"/>
-          </a:lnRef>
-          <a:fillRef idx="0">
-            <a:scrgbClr r="0" g="0" b="0"/>
-          </a:fillRef>
-          <a:effectRef idx="0">
-            <a:scrgbClr r="0" g="0" b="0"/>
-          </a:effectRef>
-          <a:fontRef idx="minor">
-            <a:schemeClr val="accent1"/>
-          </a:fontRef>
-        </p:style>
-        <p:txBody>
-          <a:bodyPr lIns="0" tIns="0" rIns="0" bIns="0" rtlCol="0" anchor="ctr"/>
-          <a:lstStyle/>
-          <a:p>
-            <a:pPr algn="ctr"/>
-            <a:r>
-              <a:rPr lang="en-US">
-                <a:solidFill>
-                  <a:schemeClr val="tx1"/>
-                </a:solidFill>
-              </a:rPr>
-              <a:t>16</a:t>
-            </a:r>
-          </a:p>
-        </p:txBody>
-      </p:sp>
-      <p:sp>
-        <p:nvSpPr>
-          <p:cNvPr id="14" name="Oval 13">
-            <a:extLst>
-              <a:ext uri="{FF2B5EF4-FFF2-40B4-BE49-F238E27FC236}">
-                <a16:creationId xmlns:a16="http://schemas.microsoft.com/office/drawing/2014/main" id="{6936A66A-F608-84B6-8EDD-A4173B96A770}"/>
-              </a:ext>
-            </a:extLst>
-          </p:cNvPr>
-          <p:cNvSpPr/>
-          <p:nvPr/>
-        </p:nvSpPr>
-        <p:spPr>
-          <a:xfrm>
-            <a:off x="6994588" y="2961060"/>
-            <a:ext cx="914400" cy="914400"/>
-          </a:xfrm>
-          <a:prstGeom prst="ellipse">
-            <a:avLst/>
-          </a:prstGeom>
-          <a:noFill/>
-          <a:ln w="28575" cap="flat" cmpd="sng" algn="ctr">
-            <a:solidFill>
-              <a:schemeClr val="accent1"/>
-            </a:solidFill>
-            <a:prstDash val="solid"/>
-            <a:round/>
-            <a:headEnd type="none" w="med" len="med"/>
-            <a:tailEnd type="none" w="med" len="med"/>
-          </a:ln>
-        </p:spPr>
-        <p:style>
-          <a:lnRef idx="0">
-            <a:scrgbClr r="0" g="0" b="0"/>
-          </a:lnRef>
-          <a:fillRef idx="0">
-            <a:scrgbClr r="0" g="0" b="0"/>
-          </a:fillRef>
-          <a:effectRef idx="0">
-            <a:scrgbClr r="0" g="0" b="0"/>
-          </a:effectRef>
-          <a:fontRef idx="minor">
-            <a:schemeClr val="accent1"/>
-          </a:fontRef>
-        </p:style>
-        <p:txBody>
-          <a:bodyPr lIns="0" tIns="0" rIns="0" bIns="0" rtlCol="0" anchor="ctr"/>
-          <a:lstStyle/>
-          <a:p>
-            <a:pPr algn="ctr"/>
-            <a:r>
-              <a:rPr lang="en-US">
-                <a:solidFill>
-                  <a:schemeClr val="tx1"/>
-                </a:solidFill>
-              </a:rPr>
-              <a:t>24</a:t>
-            </a:r>
-          </a:p>
-        </p:txBody>
-      </p:sp>
-      <p:cxnSp>
-        <p:nvCxnSpPr>
-          <p:cNvPr id="15" name="Straight Arrow Connector 14">
-            <a:extLst>
-              <a:ext uri="{FF2B5EF4-FFF2-40B4-BE49-F238E27FC236}">
-                <a16:creationId xmlns:a16="http://schemas.microsoft.com/office/drawing/2014/main" id="{EF81C13C-3AB9-BA52-B0C5-B0D521EFBECE}"/>
-              </a:ext>
-            </a:extLst>
-          </p:cNvPr>
-          <p:cNvCxnSpPr>
-            <a:cxnSpLocks/>
-            <a:stCxn id="6" idx="5"/>
-            <a:endCxn id="14" idx="1"/>
-          </p:cNvCxnSpPr>
-          <p:nvPr/>
-        </p:nvCxnSpPr>
-        <p:spPr>
-          <a:xfrm>
-            <a:off x="6423916" y="2827149"/>
-            <a:ext cx="704583" cy="267822"/>
-          </a:xfrm>
-          <a:prstGeom prst="straightConnector1">
-            <a:avLst/>
-          </a:prstGeom>
-          <a:ln w="28575">
-            <a:solidFill>
-              <a:schemeClr val="accent4"/>
-            </a:solidFill>
-            <a:tailEnd type="triangle"/>
-          </a:ln>
-        </p:spPr>
-        <p:style>
-          <a:lnRef idx="2">
-            <a:schemeClr val="accent1"/>
-          </a:lnRef>
-          <a:fillRef idx="0">
-            <a:schemeClr val="accent1"/>
-          </a:fillRef>
-          <a:effectRef idx="1">
-            <a:schemeClr val="accent1"/>
-          </a:effectRef>
-          <a:fontRef idx="minor">
-            <a:schemeClr val="tx1"/>
-          </a:fontRef>
-        </p:style>
-      </p:cxnSp>
-      <p:cxnSp>
-        <p:nvCxnSpPr>
-          <p:cNvPr id="16" name="Straight Arrow Connector 15">
-            <a:extLst>
-              <a:ext uri="{FF2B5EF4-FFF2-40B4-BE49-F238E27FC236}">
-                <a16:creationId xmlns:a16="http://schemas.microsoft.com/office/drawing/2014/main" id="{7AEC10BF-E71B-22B4-D10E-CB4E470FBB3C}"/>
-              </a:ext>
-            </a:extLst>
-          </p:cNvPr>
-          <p:cNvCxnSpPr>
-            <a:cxnSpLocks/>
-            <a:stCxn id="6" idx="3"/>
-            <a:endCxn id="17" idx="7"/>
-          </p:cNvCxnSpPr>
-          <p:nvPr/>
-        </p:nvCxnSpPr>
-        <p:spPr>
-          <a:xfrm flipH="1">
-            <a:off x="5509516" y="2827149"/>
-            <a:ext cx="267822" cy="280864"/>
-          </a:xfrm>
-          <a:prstGeom prst="straightConnector1">
-            <a:avLst/>
-          </a:prstGeom>
-          <a:ln w="28575">
-            <a:solidFill>
-              <a:schemeClr val="accent4"/>
-            </a:solidFill>
-            <a:tailEnd type="triangle"/>
-          </a:ln>
-        </p:spPr>
-        <p:style>
-          <a:lnRef idx="2">
-            <a:schemeClr val="accent1"/>
-          </a:lnRef>
-          <a:fillRef idx="0">
-            <a:schemeClr val="accent1"/>
-          </a:fillRef>
-          <a:effectRef idx="1">
-            <a:schemeClr val="accent1"/>
-          </a:effectRef>
-          <a:fontRef idx="minor">
-            <a:schemeClr val="tx1"/>
-          </a:fontRef>
-        </p:style>
-      </p:cxnSp>
-      <p:sp>
-        <p:nvSpPr>
-          <p:cNvPr id="17" name="Oval 16">
-            <a:extLst>
-              <a:ext uri="{FF2B5EF4-FFF2-40B4-BE49-F238E27FC236}">
-                <a16:creationId xmlns:a16="http://schemas.microsoft.com/office/drawing/2014/main" id="{0A20448A-601D-D870-89A5-974ACD24D076}"/>
-              </a:ext>
-            </a:extLst>
-          </p:cNvPr>
-          <p:cNvSpPr/>
-          <p:nvPr/>
-        </p:nvSpPr>
-        <p:spPr>
-          <a:xfrm>
-            <a:off x="4729027" y="2974102"/>
-            <a:ext cx="914400" cy="914400"/>
-          </a:xfrm>
-          <a:prstGeom prst="ellipse">
-            <a:avLst/>
-          </a:prstGeom>
-          <a:noFill/>
-          <a:ln w="28575" cap="flat" cmpd="sng" algn="ctr">
-            <a:solidFill>
-              <a:schemeClr val="accent1"/>
-            </a:solidFill>
-            <a:prstDash val="solid"/>
-            <a:round/>
-            <a:headEnd type="none" w="med" len="med"/>
-            <a:tailEnd type="none" w="med" len="med"/>
-          </a:ln>
-        </p:spPr>
-        <p:style>
-          <a:lnRef idx="0">
-            <a:scrgbClr r="0" g="0" b="0"/>
-          </a:lnRef>
-          <a:fillRef idx="0">
-            <a:scrgbClr r="0" g="0" b="0"/>
-          </a:fillRef>
-          <a:effectRef idx="0">
-            <a:scrgbClr r="0" g="0" b="0"/>
-          </a:effectRef>
-          <a:fontRef idx="minor">
-            <a:schemeClr val="accent1"/>
-          </a:fontRef>
-        </p:style>
-        <p:txBody>
-          <a:bodyPr lIns="0" tIns="0" rIns="0" bIns="0" rtlCol="0" anchor="ctr"/>
-          <a:lstStyle/>
-          <a:p>
-            <a:pPr algn="ctr"/>
-            <a:r>
-              <a:rPr lang="en-US">
-                <a:solidFill>
-                  <a:schemeClr val="tx1"/>
-                </a:solidFill>
-              </a:rPr>
-              <a:t>8</a:t>
-            </a:r>
-          </a:p>
-        </p:txBody>
-      </p:sp>
-      <p:sp>
-        <p:nvSpPr>
-          <p:cNvPr id="18" name="Oval 17">
-            <a:extLst>
-              <a:ext uri="{FF2B5EF4-FFF2-40B4-BE49-F238E27FC236}">
-                <a16:creationId xmlns:a16="http://schemas.microsoft.com/office/drawing/2014/main" id="{D4C2AC06-8C4F-A511-662E-E963F9C6AF50}"/>
-              </a:ext>
-            </a:extLst>
-          </p:cNvPr>
-          <p:cNvSpPr/>
-          <p:nvPr/>
-        </p:nvSpPr>
-        <p:spPr>
-          <a:xfrm>
-            <a:off x="6076596" y="3888502"/>
-            <a:ext cx="914400" cy="914400"/>
-          </a:xfrm>
-          <a:prstGeom prst="ellipse">
-            <a:avLst/>
-          </a:prstGeom>
-          <a:noFill/>
-          <a:ln w="28575" cap="flat" cmpd="sng" algn="ctr">
-            <a:solidFill>
-              <a:schemeClr val="accent1"/>
-            </a:solidFill>
-            <a:prstDash val="solid"/>
-            <a:round/>
-            <a:headEnd type="none" w="med" len="med"/>
-            <a:tailEnd type="none" w="med" len="med"/>
-          </a:ln>
-        </p:spPr>
-        <p:style>
-          <a:lnRef idx="0">
-            <a:scrgbClr r="0" g="0" b="0"/>
-          </a:lnRef>
-          <a:fillRef idx="0">
-            <a:scrgbClr r="0" g="0" b="0"/>
-          </a:fillRef>
-          <a:effectRef idx="0">
-            <a:scrgbClr r="0" g="0" b="0"/>
-          </a:effectRef>
-          <a:fontRef idx="minor">
-            <a:schemeClr val="accent1"/>
-          </a:fontRef>
-        </p:style>
-        <p:txBody>
-          <a:bodyPr lIns="0" tIns="0" rIns="0" bIns="0" rtlCol="0" anchor="ctr"/>
-          <a:lstStyle/>
-          <a:p>
-            <a:pPr algn="ctr"/>
-            <a:r>
-              <a:rPr lang="en-US">
-                <a:solidFill>
-                  <a:schemeClr val="tx1"/>
-                </a:solidFill>
-              </a:rPr>
-              <a:t>20</a:t>
-            </a:r>
-          </a:p>
-        </p:txBody>
-      </p:sp>
-      <p:sp>
-        <p:nvSpPr>
-          <p:cNvPr id="19" name="Oval 18">
-            <a:extLst>
-              <a:ext uri="{FF2B5EF4-FFF2-40B4-BE49-F238E27FC236}">
-                <a16:creationId xmlns:a16="http://schemas.microsoft.com/office/drawing/2014/main" id="{6F941D8F-B55C-2F5D-E4E1-3C646E8663F6}"/>
-              </a:ext>
-            </a:extLst>
-          </p:cNvPr>
-          <p:cNvSpPr/>
-          <p:nvPr/>
-        </p:nvSpPr>
-        <p:spPr>
-          <a:xfrm>
-            <a:off x="7907552" y="3875460"/>
-            <a:ext cx="914400" cy="914400"/>
-          </a:xfrm>
-          <a:prstGeom prst="ellipse">
-            <a:avLst/>
-          </a:prstGeom>
-          <a:noFill/>
-          <a:ln w="28575" cap="flat" cmpd="sng" algn="ctr">
-            <a:solidFill>
-              <a:schemeClr val="accent1"/>
-            </a:solidFill>
-            <a:prstDash val="solid"/>
-            <a:round/>
-            <a:headEnd type="none" w="med" len="med"/>
-            <a:tailEnd type="none" w="med" len="med"/>
-          </a:ln>
-        </p:spPr>
-        <p:style>
-          <a:lnRef idx="0">
-            <a:scrgbClr r="0" g="0" b="0"/>
-          </a:lnRef>
-          <a:fillRef idx="0">
-            <a:scrgbClr r="0" g="0" b="0"/>
-          </a:fillRef>
-          <a:effectRef idx="0">
-            <a:scrgbClr r="0" g="0" b="0"/>
-          </a:effectRef>
-          <a:fontRef idx="minor">
-            <a:schemeClr val="accent1"/>
-          </a:fontRef>
-        </p:style>
-        <p:txBody>
-          <a:bodyPr lIns="0" tIns="0" rIns="0" bIns="0" rtlCol="0" anchor="ctr"/>
-          <a:lstStyle/>
-          <a:p>
-            <a:pPr algn="ctr"/>
-            <a:r>
-              <a:rPr lang="en-US">
-                <a:solidFill>
-                  <a:schemeClr val="tx1"/>
-                </a:solidFill>
-              </a:rPr>
-              <a:t>28</a:t>
-            </a:r>
-          </a:p>
-        </p:txBody>
-      </p:sp>
-      <p:cxnSp>
-        <p:nvCxnSpPr>
-          <p:cNvPr id="20" name="Straight Arrow Connector 19">
-            <a:extLst>
-              <a:ext uri="{FF2B5EF4-FFF2-40B4-BE49-F238E27FC236}">
-                <a16:creationId xmlns:a16="http://schemas.microsoft.com/office/drawing/2014/main" id="{D03A4D6C-93D4-3CA8-234E-32A7BD0BD35C}"/>
-              </a:ext>
-            </a:extLst>
-          </p:cNvPr>
-          <p:cNvCxnSpPr>
-            <a:cxnSpLocks/>
-            <a:stCxn id="14" idx="3"/>
-            <a:endCxn id="18" idx="7"/>
-          </p:cNvCxnSpPr>
-          <p:nvPr/>
-        </p:nvCxnSpPr>
-        <p:spPr>
-          <a:xfrm flipH="1">
-            <a:off x="6857085" y="3741549"/>
-            <a:ext cx="271414" cy="280864"/>
-          </a:xfrm>
-          <a:prstGeom prst="straightConnector1">
-            <a:avLst/>
-          </a:prstGeom>
-          <a:ln w="28575">
-            <a:solidFill>
-              <a:schemeClr val="accent4"/>
-            </a:solidFill>
-            <a:tailEnd type="triangle"/>
-          </a:ln>
-        </p:spPr>
-        <p:style>
-          <a:lnRef idx="2">
-            <a:schemeClr val="accent1"/>
-          </a:lnRef>
-          <a:fillRef idx="0">
-            <a:schemeClr val="accent1"/>
-          </a:fillRef>
-          <a:effectRef idx="1">
-            <a:schemeClr val="accent1"/>
-          </a:effectRef>
-          <a:fontRef idx="minor">
-            <a:schemeClr val="tx1"/>
-          </a:fontRef>
-        </p:style>
-      </p:cxnSp>
-      <p:cxnSp>
-        <p:nvCxnSpPr>
-          <p:cNvPr id="21" name="Straight Arrow Connector 20">
-            <a:extLst>
-              <a:ext uri="{FF2B5EF4-FFF2-40B4-BE49-F238E27FC236}">
-                <a16:creationId xmlns:a16="http://schemas.microsoft.com/office/drawing/2014/main" id="{B1FBD007-02FE-C391-9E5B-43AC7B2BAA64}"/>
-              </a:ext>
-            </a:extLst>
-          </p:cNvPr>
-          <p:cNvCxnSpPr>
-            <a:cxnSpLocks/>
-            <a:stCxn id="14" idx="5"/>
-            <a:endCxn id="19" idx="1"/>
-          </p:cNvCxnSpPr>
-          <p:nvPr/>
-        </p:nvCxnSpPr>
-        <p:spPr>
-          <a:xfrm>
-            <a:off x="7775077" y="3741549"/>
-            <a:ext cx="266386" cy="267822"/>
-          </a:xfrm>
-          <a:prstGeom prst="straightConnector1">
-            <a:avLst/>
-          </a:prstGeom>
-          <a:ln w="28575">
-            <a:solidFill>
-              <a:schemeClr val="accent4"/>
-            </a:solidFill>
-            <a:tailEnd type="triangle"/>
-          </a:ln>
-        </p:spPr>
-        <p:style>
-          <a:lnRef idx="2">
-            <a:schemeClr val="accent1"/>
-          </a:lnRef>
-          <a:fillRef idx="0">
-            <a:schemeClr val="accent1"/>
-          </a:fillRef>
-          <a:effectRef idx="1">
-            <a:schemeClr val="accent1"/>
-          </a:effectRef>
-          <a:fontRef idx="minor">
-            <a:schemeClr val="tx1"/>
-          </a:fontRef>
-        </p:style>
-      </p:cxnSp>
-      <p:sp>
-        <p:nvSpPr>
-          <p:cNvPr id="25" name="Arrow: Down 24">
-            <a:extLst>
-              <a:ext uri="{FF2B5EF4-FFF2-40B4-BE49-F238E27FC236}">
-                <a16:creationId xmlns:a16="http://schemas.microsoft.com/office/drawing/2014/main" id="{5B3FC928-46C1-DD6F-7790-27D215D51FBF}"/>
-              </a:ext>
-            </a:extLst>
-          </p:cNvPr>
-          <p:cNvSpPr/>
-          <p:nvPr/>
-        </p:nvSpPr>
-        <p:spPr>
-          <a:xfrm>
-            <a:off x="5853684" y="867429"/>
-            <a:ext cx="484632" cy="978408"/>
-          </a:xfrm>
-          <a:prstGeom prst="downArrow">
-            <a:avLst/>
-          </a:prstGeom>
-        </p:spPr>
-        <p:style>
-          <a:lnRef idx="2">
-            <a:schemeClr val="accent1">
-              <a:shade val="15000"/>
-            </a:schemeClr>
-          </a:lnRef>
-          <a:fillRef idx="1">
-            <a:schemeClr val="accent1"/>
-          </a:fillRef>
-          <a:effectRef idx="0">
-            <a:schemeClr val="accent1"/>
-          </a:effectRef>
-          <a:fontRef idx="minor">
-            <a:schemeClr val="lt1"/>
-          </a:fontRef>
-        </p:style>
-        <p:txBody>
-          <a:bodyPr rtlCol="0" anchor="ctr"/>
-          <a:lstStyle/>
-          <a:p>
-            <a:pPr algn="ctr"/>
-            <a:endParaRPr lang="en-US"/>
-          </a:p>
-        </p:txBody>
-      </p:sp>
-      <p:sp>
-        <p:nvSpPr>
-          <p:cNvPr id="26" name="TextBox 25">
-            <a:extLst>
-              <a:ext uri="{FF2B5EF4-FFF2-40B4-BE49-F238E27FC236}">
-                <a16:creationId xmlns:a16="http://schemas.microsoft.com/office/drawing/2014/main" id="{F2FE9F1A-6228-4071-B863-8653F7C14EF2}"/>
-              </a:ext>
-            </a:extLst>
-          </p:cNvPr>
-          <p:cNvSpPr txBox="1"/>
-          <p:nvPr/>
-        </p:nvSpPr>
-        <p:spPr>
-          <a:xfrm>
-            <a:off x="1702676" y="1072055"/>
-            <a:ext cx="1725152" cy="523220"/>
-          </a:xfrm>
-          <a:prstGeom prst="rect">
-            <a:avLst/>
-          </a:prstGeom>
-          <a:noFill/>
-        </p:spPr>
-        <p:txBody>
-          <a:bodyPr wrap="none" rtlCol="0">
-            <a:spAutoFit/>
-          </a:bodyPr>
-          <a:lstStyle/>
-          <a:p>
-            <a:r>
-              <a:rPr lang="en-US" sz="2800"/>
-              <a:t>Insert ’18’</a:t>
-            </a:r>
-          </a:p>
-        </p:txBody>
-      </p:sp>
-      <p:sp>
-        <p:nvSpPr>
-          <p:cNvPr id="27" name="Oval 26">
-            <a:extLst>
-              <a:ext uri="{FF2B5EF4-FFF2-40B4-BE49-F238E27FC236}">
-                <a16:creationId xmlns:a16="http://schemas.microsoft.com/office/drawing/2014/main" id="{DBC6904A-6E49-7E35-CB5E-93B2FA1CD669}"/>
-              </a:ext>
-            </a:extLst>
-          </p:cNvPr>
-          <p:cNvSpPr/>
-          <p:nvPr/>
-        </p:nvSpPr>
-        <p:spPr>
-          <a:xfrm>
-            <a:off x="3583112" y="899433"/>
-            <a:ext cx="914400" cy="914400"/>
-          </a:xfrm>
-          <a:prstGeom prst="ellipse">
-            <a:avLst/>
-          </a:prstGeom>
-          <a:noFill/>
-          <a:ln w="28575" cap="flat" cmpd="sng" algn="ctr">
-            <a:solidFill>
-              <a:schemeClr val="accent1"/>
-            </a:solidFill>
-            <a:prstDash val="dash"/>
-            <a:round/>
-            <a:headEnd type="none" w="med" len="med"/>
-            <a:tailEnd type="none" w="med" len="med"/>
-          </a:ln>
-        </p:spPr>
-        <p:style>
-          <a:lnRef idx="0">
-            <a:scrgbClr r="0" g="0" b="0"/>
-          </a:lnRef>
-          <a:fillRef idx="0">
-            <a:scrgbClr r="0" g="0" b="0"/>
-          </a:fillRef>
-          <a:effectRef idx="0">
-            <a:scrgbClr r="0" g="0" b="0"/>
-          </a:effectRef>
-          <a:fontRef idx="minor">
-            <a:schemeClr val="accent1"/>
-          </a:fontRef>
-        </p:style>
-        <p:txBody>
-          <a:bodyPr lIns="0" tIns="0" rIns="0" bIns="0" rtlCol="0" anchor="ctr"/>
-          <a:lstStyle/>
-          <a:p>
-            <a:pPr algn="ctr"/>
-            <a:r>
-              <a:rPr lang="en-US">
-                <a:solidFill>
-                  <a:schemeClr val="tx1"/>
-                </a:solidFill>
-              </a:rPr>
-              <a:t>18</a:t>
-            </a:r>
-          </a:p>
-        </p:txBody>
-      </p:sp>
-    </p:spTree>
-    <p:extLst>
-      <p:ext uri="{BB962C8B-B14F-4D97-AF65-F5344CB8AC3E}">
-        <p14:creationId xmlns:p14="http://schemas.microsoft.com/office/powerpoint/2010/main" val="2765831653"/>
-      </p:ext>
-    </p:extLst>
-  </p:cSld>
-  <p:clrMapOvr>
-    <a:masterClrMapping/>
-  </p:clrMapOvr>
-  <mc:AlternateContent xmlns:mc="http://schemas.openxmlformats.org/markup-compatibility/2006">
-    <mc:Choice xmlns:p159="http://schemas.microsoft.com/office/powerpoint/2015/09/main" Requires="p159">
-      <p:transition>
-        <p159:morph option="byObject"/>
-      </p:transition>
-    </mc:Choice>
-    <mc:Fallback>
+    <mc:Fallback xmlns="">
       <p:transition>
         <p:fade/>
       </p:transition>
